--- a/presentation.pptx
+++ b/presentation.pptx
@@ -23,7 +23,7 @@
     <p:sldId id="271" r:id="rId22"/>
     <p:sldId id="272" r:id="rId23"/>
   </p:sldIdLst>
-  <p:sldSz cx="9144000" cy="6858000" type="screen4x3"/>
+  <p:sldSz cx="12191695" cy="6858000" type="screen4x3"/>
   <p:notesSz cx="6858000" cy="9144000"/>
   <p:defaultTextStyle>
     <a:defPPr>
@@ -3100,7 +3100,7 @@
     <p:bg>
       <p:bgPr>
         <a:solidFill>
-          <a:srgbClr val="1A237E"/>
+          <a:srgbClr val="0D1B2A"/>
         </a:solidFill>
         <a:effectLst/>
       </p:bgPr>
@@ -3114,14 +3114,100 @@
       <p:grpSpPr/>
       <p:sp>
         <p:nvSpPr>
-          <p:cNvPr id="2" name="TextBox 1"/>
+          <p:cNvPr id="2" name="Rectangle 1"/>
+          <p:cNvSpPr/>
+          <p:nvPr/>
+        </p:nvSpPr>
+        <p:spPr>
+          <a:xfrm>
+            <a:off x="0" y="0"/>
+            <a:ext cx="137160" cy="6858000"/>
+          </a:xfrm>
+          <a:prstGeom prst="rect">
+            <a:avLst/>
+          </a:prstGeom>
+          <a:solidFill>
+            <a:srgbClr val="1E88E5"/>
+          </a:solidFill>
+          <a:ln>
+            <a:noFill/>
+          </a:ln>
+        </p:spPr>
+        <p:style>
+          <a:lnRef idx="1">
+            <a:schemeClr val="accent1"/>
+          </a:lnRef>
+          <a:fillRef idx="3">
+            <a:schemeClr val="accent1"/>
+          </a:fillRef>
+          <a:effectRef idx="2">
+            <a:schemeClr val="accent1"/>
+          </a:effectRef>
+          <a:fontRef idx="minor">
+            <a:schemeClr val="lt1"/>
+          </a:fontRef>
+        </p:style>
+        <p:txBody>
+          <a:bodyPr rtlCol="0" anchor="ctr"/>
+          <a:lstStyle/>
+          <a:p>
+            <a:pPr algn="ctr"/>
+          </a:p>
+        </p:txBody>
+      </p:sp>
+      <p:sp>
+        <p:nvSpPr>
+          <p:cNvPr id="3" name="Rectangle 2"/>
+          <p:cNvSpPr/>
+          <p:nvPr/>
+        </p:nvSpPr>
+        <p:spPr>
+          <a:xfrm>
+            <a:off x="1828800" y="3108960"/>
+            <a:ext cx="8229600" cy="12700"/>
+          </a:xfrm>
+          <a:prstGeom prst="rect">
+            <a:avLst/>
+          </a:prstGeom>
+          <a:solidFill>
+            <a:srgbClr val="2A3F6A"/>
+          </a:solidFill>
+          <a:ln>
+            <a:noFill/>
+          </a:ln>
+        </p:spPr>
+        <p:style>
+          <a:lnRef idx="1">
+            <a:schemeClr val="accent1"/>
+          </a:lnRef>
+          <a:fillRef idx="3">
+            <a:schemeClr val="accent1"/>
+          </a:fillRef>
+          <a:effectRef idx="2">
+            <a:schemeClr val="accent1"/>
+          </a:effectRef>
+          <a:fontRef idx="minor">
+            <a:schemeClr val="lt1"/>
+          </a:fontRef>
+        </p:style>
+        <p:txBody>
+          <a:bodyPr rtlCol="0" anchor="ctr"/>
+          <a:lstStyle/>
+          <a:p>
+            <a:pPr algn="ctr"/>
+          </a:p>
+        </p:txBody>
+      </p:sp>
+      <p:sp>
+        <p:nvSpPr>
+          <p:cNvPr id="4" name="TextBox 3"/>
           <p:cNvSpPr txBox="1"/>
           <p:nvPr/>
         </p:nvSpPr>
         <p:spPr>
           <a:xfrm>
-            <a:off x="731520" y="1371600"/>
-            <a:ext cx="7680960" cy="1371600"/>
+            <a:off x="1371600" y="1097280"/>
+            <a:ext cx="9601200" cy="1371600"/>
           </a:xfrm>
           <a:prstGeom prst="rect">
             <a:avLst/>
@@ -3134,34 +3220,37 @@
           </a:bodyPr>
           <a:lstStyle/>
           <a:p>
-            <a:pPr algn="ctr">
-              <a:defRPr sz="3200" b="1">
+            <a:pPr algn="l">
+              <a:lnSpc>
+                <a:spcPts val="5200"/>
+              </a:lnSpc>
+              <a:defRPr sz="4400" b="1">
                 <a:solidFill>
                   <a:srgbClr val="FFFFFF"/>
                 </a:solidFill>
-                <a:latin typeface="Calibri"/>
-              </a:defRPr>
-            </a:pPr>
-            <a:r>
-              <a:t>Optimal Oyster Reef Site Selection</a:t>
+                <a:latin typeface="Calibri Light"/>
+              </a:defRPr>
+            </a:pPr>
+            <a:r>
+              <a:t>Optimal Oyster Reef</a:t>
             </a:r>
             <a:br/>
             <a:r>
-              <a:t>in the Chesapeake Bay</a:t>
-            </a:r>
-          </a:p>
-        </p:txBody>
-      </p:sp>
-      <p:sp>
-        <p:nvSpPr>
-          <p:cNvPr id="3" name="TextBox 2"/>
+              <a:t>Site Selection</a:t>
+            </a:r>
+          </a:p>
+        </p:txBody>
+      </p:sp>
+      <p:sp>
+        <p:nvSpPr>
+          <p:cNvPr id="5" name="TextBox 4"/>
           <p:cNvSpPr txBox="1"/>
           <p:nvPr/>
         </p:nvSpPr>
         <p:spPr>
           <a:xfrm>
-            <a:off x="731520" y="3017520"/>
-            <a:ext cx="7680960" cy="731520"/>
+            <a:off x="1371600" y="3291840"/>
+            <a:ext cx="9144000" cy="731520"/>
           </a:xfrm>
           <a:prstGeom prst="rect">
             <a:avLst/>
@@ -3174,34 +3263,80 @@
           </a:bodyPr>
           <a:lstStyle/>
           <a:p>
-            <a:pPr algn="ctr">
-              <a:defRPr sz="1800" b="0">
+            <a:pPr algn="l">
+              <a:lnSpc>
+                <a:spcPts val="2800"/>
+              </a:lnSpc>
+              <a:defRPr sz="2000" b="0">
                 <a:solidFill>
                   <a:srgbClr val="BBDEFB"/>
                 </a:solidFill>
-                <a:latin typeface="Calibri"/>
-              </a:defRPr>
-            </a:pPr>
-            <a:r>
-              <a:t>Combining ODE Modeling, Heuristic Optimization, and</a:t>
+                <a:latin typeface="Calibri Light"/>
+              </a:defRPr>
+            </a:pPr>
+            <a:r>
+              <a:t>Combining ODE Modeling, Heuristic Optimization,</a:t>
             </a:r>
             <a:br/>
             <a:r>
-              <a:t>Mixed-Integer Quadratic Programming</a:t>
-            </a:r>
-          </a:p>
-        </p:txBody>
-      </p:sp>
-      <p:sp>
-        <p:nvSpPr>
-          <p:cNvPr id="4" name="TextBox 3"/>
+              <a:t>and Mixed-Integer Quadratic Programming</a:t>
+            </a:r>
+          </a:p>
+        </p:txBody>
+      </p:sp>
+      <p:sp>
+        <p:nvSpPr>
+          <p:cNvPr id="6" name="Rectangle 5"/>
+          <p:cNvSpPr/>
+          <p:nvPr/>
+        </p:nvSpPr>
+        <p:spPr>
+          <a:xfrm>
+            <a:off x="0" y="6035040"/>
+            <a:ext cx="12191695" cy="12700"/>
+          </a:xfrm>
+          <a:prstGeom prst="rect">
+            <a:avLst/>
+          </a:prstGeom>
+          <a:solidFill>
+            <a:srgbClr val="2A3F6A"/>
+          </a:solidFill>
+          <a:ln>
+            <a:noFill/>
+          </a:ln>
+        </p:spPr>
+        <p:style>
+          <a:lnRef idx="1">
+            <a:schemeClr val="accent1"/>
+          </a:lnRef>
+          <a:fillRef idx="3">
+            <a:schemeClr val="accent1"/>
+          </a:fillRef>
+          <a:effectRef idx="2">
+            <a:schemeClr val="accent1"/>
+          </a:effectRef>
+          <a:fontRef idx="minor">
+            <a:schemeClr val="lt1"/>
+          </a:fontRef>
+        </p:style>
+        <p:txBody>
+          <a:bodyPr rtlCol="0" anchor="ctr"/>
+          <a:lstStyle/>
+          <a:p>
+            <a:pPr algn="ctr"/>
+          </a:p>
+        </p:txBody>
+      </p:sp>
+      <p:sp>
+        <p:nvSpPr>
+          <p:cNvPr id="7" name="TextBox 6"/>
           <p:cNvSpPr txBox="1"/>
           <p:nvPr/>
         </p:nvSpPr>
         <p:spPr>
           <a:xfrm>
-            <a:off x="731520" y="4389120"/>
-            <a:ext cx="7680960" cy="457200"/>
+            <a:off x="1371600" y="5303520"/>
+            <a:ext cx="4572000" cy="457200"/>
           </a:xfrm>
           <a:prstGeom prst="rect">
             <a:avLst/>
@@ -3214,8 +3349,8 @@
           </a:bodyPr>
           <a:lstStyle/>
           <a:p>
-            <a:pPr algn="ctr">
-              <a:defRPr sz="2000" b="1">
+            <a:pPr algn="l">
+              <a:defRPr sz="2200" b="1">
                 <a:solidFill>
                   <a:srgbClr val="FFFFFF"/>
                 </a:solidFill>
@@ -3224,6 +3359,42 @@
             </a:pPr>
             <a:r>
               <a:t>Paul Marouf</a:t>
+            </a:r>
+          </a:p>
+        </p:txBody>
+      </p:sp>
+      <p:sp>
+        <p:nvSpPr>
+          <p:cNvPr id="8" name="TextBox 7"/>
+          <p:cNvSpPr txBox="1"/>
+          <p:nvPr/>
+        </p:nvSpPr>
+        <p:spPr>
+          <a:xfrm>
+            <a:off x="1371600" y="5760720"/>
+            <a:ext cx="4572000" cy="365760"/>
+          </a:xfrm>
+          <a:prstGeom prst="rect">
+            <a:avLst/>
+          </a:prstGeom>
+          <a:noFill/>
+        </p:spPr>
+        <p:txBody>
+          <a:bodyPr wrap="square">
+            <a:spAutoFit/>
+          </a:bodyPr>
+          <a:lstStyle/>
+          <a:p>
+            <a:pPr algn="l">
+              <a:defRPr sz="1400" b="0">
+                <a:solidFill>
+                  <a:srgbClr val="BBDEFB"/>
+                </a:solidFill>
+                <a:latin typeface="Calibri"/>
+              </a:defRPr>
+            </a:pPr>
+            <a:r>
+              <a:t>Chesapeake Bay Oyster Restoration Project</a:t>
             </a:r>
           </a:p>
         </p:txBody>
@@ -3242,7 +3413,7 @@
     <p:bg>
       <p:bgPr>
         <a:solidFill>
-          <a:srgbClr val="FFFFFF"/>
+          <a:srgbClr val="FAFAFA"/>
         </a:solidFill>
         <a:effectLst/>
       </p:bgPr>
@@ -3256,14 +3427,57 @@
       <p:grpSpPr/>
       <p:sp>
         <p:nvSpPr>
-          <p:cNvPr id="2" name="TextBox 1"/>
+          <p:cNvPr id="2" name="Rectangle 1"/>
+          <p:cNvSpPr/>
+          <p:nvPr/>
+        </p:nvSpPr>
+        <p:spPr>
+          <a:xfrm>
+            <a:off x="0" y="0"/>
+            <a:ext cx="12191695" cy="54864"/>
+          </a:xfrm>
+          <a:prstGeom prst="rect">
+            <a:avLst/>
+          </a:prstGeom>
+          <a:solidFill>
+            <a:srgbClr val="1E88E5"/>
+          </a:solidFill>
+          <a:ln>
+            <a:noFill/>
+          </a:ln>
+        </p:spPr>
+        <p:style>
+          <a:lnRef idx="1">
+            <a:schemeClr val="accent1"/>
+          </a:lnRef>
+          <a:fillRef idx="3">
+            <a:schemeClr val="accent1"/>
+          </a:fillRef>
+          <a:effectRef idx="2">
+            <a:schemeClr val="accent1"/>
+          </a:effectRef>
+          <a:fontRef idx="minor">
+            <a:schemeClr val="lt1"/>
+          </a:fontRef>
+        </p:style>
+        <p:txBody>
+          <a:bodyPr rtlCol="0" anchor="ctr"/>
+          <a:lstStyle/>
+          <a:p>
+            <a:pPr algn="ctr"/>
+          </a:p>
+        </p:txBody>
+      </p:sp>
+      <p:sp>
+        <p:nvSpPr>
+          <p:cNvPr id="3" name="TextBox 2"/>
           <p:cNvSpPr txBox="1"/>
           <p:nvPr/>
         </p:nvSpPr>
         <p:spPr>
           <a:xfrm>
-            <a:off x="457200" y="182880"/>
-            <a:ext cx="8229600" cy="457200"/>
+            <a:off x="731520" y="320040"/>
+            <a:ext cx="10515600" cy="640080"/>
           </a:xfrm>
           <a:prstGeom prst="rect">
             <a:avLst/>
@@ -3277,22 +3491,65 @@
           <a:lstStyle/>
           <a:p>
             <a:pPr algn="l">
-              <a:defRPr sz="2600" b="1">
-                <a:solidFill>
-                  <a:srgbClr val="1A237E"/>
-                </a:solidFill>
-                <a:latin typeface="Calibri"/>
-              </a:defRPr>
-            </a:pPr>
-            <a:r>
-              <a:t>Agreement Between Methods</a:t>
-            </a:r>
+              <a:defRPr sz="3000" b="1">
+                <a:solidFill>
+                  <a:srgbClr val="0D1B2A"/>
+                </a:solidFill>
+                <a:latin typeface="Calibri Light"/>
+              </a:defRPr>
+            </a:pPr>
+            <a:r>
+              <a:t>Method Agreement: Which Sites Overlap?</a:t>
+            </a:r>
+          </a:p>
+        </p:txBody>
+      </p:sp>
+      <p:sp>
+        <p:nvSpPr>
+          <p:cNvPr id="4" name="Rectangle 3"/>
+          <p:cNvSpPr/>
+          <p:nvPr/>
+        </p:nvSpPr>
+        <p:spPr>
+          <a:xfrm>
+            <a:off x="731520" y="868680"/>
+            <a:ext cx="1645920" cy="38100"/>
+          </a:xfrm>
+          <a:prstGeom prst="rect">
+            <a:avLst/>
+          </a:prstGeom>
+          <a:solidFill>
+            <a:srgbClr val="1E88E5"/>
+          </a:solidFill>
+          <a:ln>
+            <a:noFill/>
+          </a:ln>
+        </p:spPr>
+        <p:style>
+          <a:lnRef idx="1">
+            <a:schemeClr val="accent1"/>
+          </a:lnRef>
+          <a:fillRef idx="3">
+            <a:schemeClr val="accent1"/>
+          </a:fillRef>
+          <a:effectRef idx="2">
+            <a:schemeClr val="accent1"/>
+          </a:effectRef>
+          <a:fontRef idx="minor">
+            <a:schemeClr val="lt1"/>
+          </a:fontRef>
+        </p:style>
+        <p:txBody>
+          <a:bodyPr rtlCol="0" anchor="ctr"/>
+          <a:lstStyle/>
+          <a:p>
+            <a:pPr algn="ctr"/>
           </a:p>
         </p:txBody>
       </p:sp>
       <p:pic>
         <p:nvPicPr>
-          <p:cNvPr id="3" name="Picture 2" descr="fig2_site_overlap_heatmap.png"/>
+          <p:cNvPr id="5" name="Picture 4" descr="fig2_site_overlap_heatmap.png"/>
           <p:cNvPicPr>
             <a:picLocks noChangeAspect="1"/>
           </p:cNvPicPr>
@@ -3306,8 +3563,8 @@
         </p:blipFill>
         <p:spPr>
           <a:xfrm>
-            <a:off x="2057400" y="548640"/>
-            <a:ext cx="5029200" cy="4400550"/>
+            <a:off x="457200" y="1188720"/>
+            <a:ext cx="5943600" cy="5200650"/>
           </a:xfrm>
           <a:prstGeom prst="rect">
             <a:avLst/>
@@ -3316,14 +3573,59 @@
       </p:pic>
       <p:sp>
         <p:nvSpPr>
-          <p:cNvPr id="4" name="TextBox 3"/>
+          <p:cNvPr id="6" name="Rounded Rectangle 5"/>
+          <p:cNvSpPr/>
+          <p:nvPr/>
+        </p:nvSpPr>
+        <p:spPr>
+          <a:xfrm>
+            <a:off x="6858000" y="1371600"/>
+            <a:ext cx="4754880" cy="4754880"/>
+          </a:xfrm>
+          <a:prstGeom prst="roundRect">
+            <a:avLst/>
+          </a:prstGeom>
+          <a:solidFill>
+            <a:srgbClr val="FFFFFF"/>
+          </a:solidFill>
+          <a:ln w="12700">
+            <a:solidFill>
+              <a:srgbClr val="BDBDBD"/>
+            </a:solidFill>
+          </a:ln>
+        </p:spPr>
+        <p:style>
+          <a:lnRef idx="1">
+            <a:schemeClr val="accent1"/>
+          </a:lnRef>
+          <a:fillRef idx="3">
+            <a:schemeClr val="accent1"/>
+          </a:fillRef>
+          <a:effectRef idx="2">
+            <a:schemeClr val="accent1"/>
+          </a:effectRef>
+          <a:fontRef idx="minor">
+            <a:schemeClr val="lt1"/>
+          </a:fontRef>
+        </p:style>
+        <p:txBody>
+          <a:bodyPr rtlCol="0" anchor="ctr"/>
+          <a:lstStyle/>
+          <a:p>
+            <a:pPr algn="ctr"/>
+          </a:p>
+        </p:txBody>
+      </p:sp>
+      <p:sp>
+        <p:nvSpPr>
+          <p:cNvPr id="7" name="TextBox 6"/>
           <p:cNvSpPr txBox="1"/>
           <p:nvPr/>
         </p:nvSpPr>
         <p:spPr>
           <a:xfrm>
-            <a:off x="5486400" y="1097280"/>
-            <a:ext cx="3291840" cy="4114800"/>
+            <a:off x="7132320" y="1508760"/>
+            <a:ext cx="4206240" cy="365760"/>
           </a:xfrm>
           <a:prstGeom prst="rect">
             <a:avLst/>
@@ -3337,35 +3639,142 @@
           <a:lstStyle/>
           <a:p>
             <a:pPr algn="l">
-              <a:defRPr sz="1200" b="0">
-                <a:solidFill>
-                  <a:srgbClr val="333333"/>
+              <a:defRPr sz="1800" b="1">
+                <a:solidFill>
+                  <a:srgbClr val="0D1B2A"/>
                 </a:solidFill>
                 <a:latin typeface="Calibri"/>
               </a:defRPr>
             </a:pPr>
             <a:r>
-              <a:t>Jaccard similarity measures overlap.</a:t>
+              <a:t>Reading the Heatmap</a:t>
+            </a:r>
+          </a:p>
+        </p:txBody>
+      </p:sp>
+      <p:sp>
+        <p:nvSpPr>
+          <p:cNvPr id="8" name="TextBox 7"/>
+          <p:cNvSpPr txBox="1"/>
+          <p:nvPr/>
+        </p:nvSpPr>
+        <p:spPr>
+          <a:xfrm>
+            <a:off x="7132320" y="2011680"/>
+            <a:ext cx="4206240" cy="3840480"/>
+          </a:xfrm>
+          <a:prstGeom prst="rect">
+            <a:avLst/>
+          </a:prstGeom>
+          <a:noFill/>
+        </p:spPr>
+        <p:txBody>
+          <a:bodyPr wrap="square">
+            <a:spAutoFit/>
+          </a:bodyPr>
+          <a:lstStyle/>
+          <a:p>
+            <a:pPr>
+              <a:spcAft>
+                <a:spcPts val="1000"/>
+              </a:spcAft>
+              <a:defRPr sz="1300" b="1">
+                <a:solidFill>
+                  <a:srgbClr val="424242"/>
+                </a:solidFill>
+                <a:latin typeface="Calibri"/>
+              </a:defRPr>
+            </a:pPr>
+            <a:r>
+              <a:t>Jaccard = |intersection| / |union|</a:t>
+            </a:r>
+          </a:p>
+          <a:p>
+            <a:pPr>
+              <a:spcAft>
+                <a:spcPts val="1000"/>
+              </a:spcAft>
+              <a:defRPr sz="1300" b="0">
+                <a:solidFill>
+                  <a:srgbClr val="424242"/>
+                </a:solidFill>
+                <a:latin typeface="Calibri"/>
+              </a:defRPr>
+            </a:pPr>
+            <a:r>
+              <a:t>MIQP variants agree strongly</a:t>
             </a:r>
             <a:br/>
+            <a:r>
+              <a:t>with each other (J = 0.72)</a:t>
+            </a:r>
+          </a:p>
+          <a:p>
+            <a:pPr>
+              <a:spcAft>
+                <a:spcPts val="1000"/>
+              </a:spcAft>
+              <a:defRPr sz="1300" b="0">
+                <a:solidFill>
+                  <a:srgbClr val="424242"/>
+                </a:solidFill>
+                <a:latin typeface="Calibri"/>
+              </a:defRPr>
+            </a:pPr>
+            <a:r>
+              <a:t>Backward and MIQP are quite</a:t>
+            </a:r>
             <a:br/>
             <a:r>
-              <a:t>MIQP variants agree strongly with each other (0.72)</a:t>
+              <a:t>similar (J = 0.72) - they rank</a:t>
             </a:r>
             <a:br/>
+            <a:r>
+              <a:t>site importance similarly</a:t>
+            </a:r>
+          </a:p>
+          <a:p>
+            <a:pPr>
+              <a:spcAft>
+                <a:spcPts val="1000"/>
+              </a:spcAft>
+              <a:defRPr sz="1300" b="0">
+                <a:solidFill>
+                  <a:srgbClr val="424242"/>
+                </a:solidFill>
+                <a:latin typeface="Calibri"/>
+              </a:defRPr>
+            </a:pPr>
+            <a:r>
+              <a:t>Greedy+Local is most distinct</a:t>
+            </a:r>
             <a:br/>
             <a:r>
-              <a:t>Backward agrees with MIQP (0.72) - similar ranking of site importance</a:t>
+              <a:t>(J = 0.35-0.56) due to local</a:t>
             </a:r>
             <a:br/>
+            <a:r>
+              <a:t>search swaps</a:t>
+            </a:r>
+          </a:p>
+          <a:p>
+            <a:pPr>
+              <a:spcAft>
+                <a:spcPts val="1000"/>
+              </a:spcAft>
+              <a:defRPr sz="1300" b="1">
+                <a:solidFill>
+                  <a:srgbClr val="424242"/>
+                </a:solidFill>
+                <a:latin typeface="Calibri"/>
+              </a:defRPr>
+            </a:pPr>
+            <a:r>
+              <a:t>Despite different selections, all</a:t>
+            </a:r>
             <a:br/>
             <a:r>
-              <a:t>Greedy+Local is most different (0.35-0.56) - local search swaps change the set</a:t>
-            </a:r>
-            <a:br/>
-            <a:br/>
-            <a:r>
-              <a:t>Despite different selections, all methods share a consensus core of ~10 sites</a:t>
+              <a:t>methods share a consensus core</a:t>
             </a:r>
           </a:p>
         </p:txBody>
@@ -3384,7 +3793,7 @@
     <p:bg>
       <p:bgPr>
         <a:solidFill>
-          <a:srgbClr val="FFFFFF"/>
+          <a:srgbClr val="FAFAFA"/>
         </a:solidFill>
         <a:effectLst/>
       </p:bgPr>
@@ -3398,14 +3807,57 @@
       <p:grpSpPr/>
       <p:sp>
         <p:nvSpPr>
-          <p:cNvPr id="2" name="TextBox 1"/>
+          <p:cNvPr id="2" name="Rectangle 1"/>
+          <p:cNvSpPr/>
+          <p:nvPr/>
+        </p:nvSpPr>
+        <p:spPr>
+          <a:xfrm>
+            <a:off x="0" y="0"/>
+            <a:ext cx="12191695" cy="54864"/>
+          </a:xfrm>
+          <a:prstGeom prst="rect">
+            <a:avLst/>
+          </a:prstGeom>
+          <a:solidFill>
+            <a:srgbClr val="1E88E5"/>
+          </a:solidFill>
+          <a:ln>
+            <a:noFill/>
+          </a:ln>
+        </p:spPr>
+        <p:style>
+          <a:lnRef idx="1">
+            <a:schemeClr val="accent1"/>
+          </a:lnRef>
+          <a:fillRef idx="3">
+            <a:schemeClr val="accent1"/>
+          </a:fillRef>
+          <a:effectRef idx="2">
+            <a:schemeClr val="accent1"/>
+          </a:effectRef>
+          <a:fontRef idx="minor">
+            <a:schemeClr val="lt1"/>
+          </a:fontRef>
+        </p:style>
+        <p:txBody>
+          <a:bodyPr rtlCol="0" anchor="ctr"/>
+          <a:lstStyle/>
+          <a:p>
+            <a:pPr algn="ctr"/>
+          </a:p>
+        </p:txBody>
+      </p:sp>
+      <p:sp>
+        <p:nvSpPr>
+          <p:cNvPr id="3" name="TextBox 2"/>
           <p:cNvSpPr txBox="1"/>
           <p:nvPr/>
         </p:nvSpPr>
         <p:spPr>
           <a:xfrm>
-            <a:off x="457200" y="182880"/>
-            <a:ext cx="8229600" cy="457200"/>
+            <a:off x="731520" y="320040"/>
+            <a:ext cx="10515600" cy="640080"/>
           </a:xfrm>
           <a:prstGeom prst="rect">
             <a:avLst/>
@@ -3419,22 +3871,65 @@
           <a:lstStyle/>
           <a:p>
             <a:pPr algn="l">
-              <a:defRPr sz="2600" b="1">
-                <a:solidFill>
-                  <a:srgbClr val="1A237E"/>
-                </a:solidFill>
-                <a:latin typeface="Calibri"/>
-              </a:defRPr>
-            </a:pPr>
-            <a:r>
-              <a:t>Consensus Core: Sites All Methods Agree On</a:t>
-            </a:r>
+              <a:defRPr sz="3000" b="1">
+                <a:solidFill>
+                  <a:srgbClr val="0D1B2A"/>
+                </a:solidFill>
+                <a:latin typeface="Calibri Light"/>
+              </a:defRPr>
+            </a:pPr>
+            <a:r>
+              <a:t>Consensus Core: High-Confidence Restoration Targets</a:t>
+            </a:r>
+          </a:p>
+        </p:txBody>
+      </p:sp>
+      <p:sp>
+        <p:nvSpPr>
+          <p:cNvPr id="4" name="Rectangle 3"/>
+          <p:cNvSpPr/>
+          <p:nvPr/>
+        </p:nvSpPr>
+        <p:spPr>
+          <a:xfrm>
+            <a:off x="731520" y="868680"/>
+            <a:ext cx="1645920" cy="38100"/>
+          </a:xfrm>
+          <a:prstGeom prst="rect">
+            <a:avLst/>
+          </a:prstGeom>
+          <a:solidFill>
+            <a:srgbClr val="1E88E5"/>
+          </a:solidFill>
+          <a:ln>
+            <a:noFill/>
+          </a:ln>
+        </p:spPr>
+        <p:style>
+          <a:lnRef idx="1">
+            <a:schemeClr val="accent1"/>
+          </a:lnRef>
+          <a:fillRef idx="3">
+            <a:schemeClr val="accent1"/>
+          </a:fillRef>
+          <a:effectRef idx="2">
+            <a:schemeClr val="accent1"/>
+          </a:effectRef>
+          <a:fontRef idx="minor">
+            <a:schemeClr val="lt1"/>
+          </a:fontRef>
+        </p:style>
+        <p:txBody>
+          <a:bodyPr rtlCol="0" anchor="ctr"/>
+          <a:lstStyle/>
+          <a:p>
+            <a:pPr algn="ctr"/>
           </a:p>
         </p:txBody>
       </p:sp>
       <p:pic>
         <p:nvPicPr>
-          <p:cNvPr id="3" name="Picture 2" descr="fig4_consensus_sites.png"/>
+          <p:cNvPr id="5" name="Picture 4" descr="fig4_consensus_sites.png"/>
           <p:cNvPicPr>
             <a:picLocks noChangeAspect="1"/>
           </p:cNvPicPr>
@@ -3448,8 +3943,8 @@
         </p:blipFill>
         <p:spPr>
           <a:xfrm>
-            <a:off x="457200" y="640080"/>
-            <a:ext cx="8229600" cy="2939142"/>
+            <a:off x="1487271" y="1097280"/>
+            <a:ext cx="9217152" cy="3291840"/>
           </a:xfrm>
           <a:prstGeom prst="rect">
             <a:avLst/>
@@ -3458,14 +3953,59 @@
       </p:pic>
       <p:sp>
         <p:nvSpPr>
-          <p:cNvPr id="4" name="TextBox 3"/>
+          <p:cNvPr id="6" name="Rounded Rectangle 5"/>
+          <p:cNvSpPr/>
+          <p:nvPr/>
+        </p:nvSpPr>
+        <p:spPr>
+          <a:xfrm>
+            <a:off x="731520" y="4663440"/>
+            <a:ext cx="3383280" cy="1828800"/>
+          </a:xfrm>
+          <a:prstGeom prst="roundRect">
+            <a:avLst/>
+          </a:prstGeom>
+          <a:solidFill>
+            <a:srgbClr val="E8F5E9"/>
+          </a:solidFill>
+          <a:ln w="12700">
+            <a:solidFill>
+              <a:srgbClr val="2E7D32"/>
+            </a:solidFill>
+          </a:ln>
+        </p:spPr>
+        <p:style>
+          <a:lnRef idx="1">
+            <a:schemeClr val="accent1"/>
+          </a:lnRef>
+          <a:fillRef idx="3">
+            <a:schemeClr val="accent1"/>
+          </a:fillRef>
+          <a:effectRef idx="2">
+            <a:schemeClr val="accent1"/>
+          </a:effectRef>
+          <a:fontRef idx="minor">
+            <a:schemeClr val="lt1"/>
+          </a:fontRef>
+        </p:style>
+        <p:txBody>
+          <a:bodyPr rtlCol="0" anchor="ctr"/>
+          <a:lstStyle/>
+          <a:p>
+            <a:pPr algn="ctr"/>
+          </a:p>
+        </p:txBody>
+      </p:sp>
+      <p:sp>
+        <p:nvSpPr>
+          <p:cNvPr id="7" name="TextBox 6"/>
           <p:cNvSpPr txBox="1"/>
           <p:nvPr/>
         </p:nvSpPr>
         <p:spPr>
           <a:xfrm>
-            <a:off x="457200" y="4114800"/>
-            <a:ext cx="8229600" cy="2286000"/>
+            <a:off x="914400" y="4754880"/>
+            <a:ext cx="3017520" cy="274320"/>
           </a:xfrm>
           <a:prstGeom prst="rect">
             <a:avLst/>
@@ -3479,33 +4019,325 @@
           <a:lstStyle/>
           <a:p>
             <a:pPr algn="l">
-              <a:defRPr sz="1300" b="0">
-                <a:solidFill>
-                  <a:srgbClr val="333333"/>
+              <a:defRPr sz="1400" b="1">
+                <a:solidFill>
+                  <a:srgbClr val="2E7D32"/>
                 </a:solidFill>
                 <a:latin typeface="Calibri"/>
               </a:defRPr>
             </a:pPr>
             <a:r>
-              <a:t>10 sites selected by ALL 5 methods: 10, 15, 31, 32, 37, 40, 41, 49, 51, 52, 53</a:t>
+              <a:t>All 5 Methods (10 sites)</a:t>
+            </a:r>
+          </a:p>
+        </p:txBody>
+      </p:sp>
+      <p:sp>
+        <p:nvSpPr>
+          <p:cNvPr id="8" name="TextBox 7"/>
+          <p:cNvSpPr txBox="1"/>
+          <p:nvPr/>
+        </p:nvSpPr>
+        <p:spPr>
+          <a:xfrm>
+            <a:off x="914400" y="5074920"/>
+            <a:ext cx="3017520" cy="1188720"/>
+          </a:xfrm>
+          <a:prstGeom prst="rect">
+            <a:avLst/>
+          </a:prstGeom>
+          <a:noFill/>
+        </p:spPr>
+        <p:txBody>
+          <a:bodyPr wrap="square">
+            <a:spAutoFit/>
+          </a:bodyPr>
+          <a:lstStyle/>
+          <a:p>
+            <a:pPr algn="l">
+              <a:lnSpc>
+                <a:spcPts val="1600"/>
+              </a:lnSpc>
+              <a:defRPr sz="1200" b="0">
+                <a:solidFill>
+                  <a:srgbClr val="424242"/>
+                </a:solidFill>
+                <a:latin typeface="Calibri"/>
+              </a:defRPr>
+            </a:pPr>
+            <a:r>
+              <a:t>10, 15, 31, 32, 37, 40, 41,</a:t>
             </a:r>
             <a:br/>
             <a:r>
-              <a:t>These are the highest-confidence restoration targets regardless of methodology.</a:t>
+              <a:t>49, 51, 52, 53</a:t>
             </a:r>
             <a:br/>
             <a:br/>
             <a:r>
-              <a:t>7 more sites selected by 4/5 methods: 16, 17, 21, 27, 33, 36, 47, 59</a:t>
+              <a:t>Highest-confidence targets</a:t>
             </a:r>
             <a:br/>
             <a:r>
-              <a:t>Strong candidates with broad algorithmic support.</a:t>
+              <a:t>regardless of methodology</a:t>
+            </a:r>
+          </a:p>
+        </p:txBody>
+      </p:sp>
+      <p:sp>
+        <p:nvSpPr>
+          <p:cNvPr id="9" name="Rounded Rectangle 8"/>
+          <p:cNvSpPr/>
+          <p:nvPr/>
+        </p:nvSpPr>
+        <p:spPr>
+          <a:xfrm>
+            <a:off x="4389120" y="4663440"/>
+            <a:ext cx="3383280" cy="1828800"/>
+          </a:xfrm>
+          <a:prstGeom prst="roundRect">
+            <a:avLst/>
+          </a:prstGeom>
+          <a:solidFill>
+            <a:srgbClr val="FFF8E1"/>
+          </a:solidFill>
+          <a:ln w="12700">
+            <a:solidFill>
+              <a:srgbClr val="FFC107"/>
+            </a:solidFill>
+          </a:ln>
+        </p:spPr>
+        <p:style>
+          <a:lnRef idx="1">
+            <a:schemeClr val="accent1"/>
+          </a:lnRef>
+          <a:fillRef idx="3">
+            <a:schemeClr val="accent1"/>
+          </a:fillRef>
+          <a:effectRef idx="2">
+            <a:schemeClr val="accent1"/>
+          </a:effectRef>
+          <a:fontRef idx="minor">
+            <a:schemeClr val="lt1"/>
+          </a:fontRef>
+        </p:style>
+        <p:txBody>
+          <a:bodyPr rtlCol="0" anchor="ctr"/>
+          <a:lstStyle/>
+          <a:p>
+            <a:pPr algn="ctr"/>
+          </a:p>
+        </p:txBody>
+      </p:sp>
+      <p:sp>
+        <p:nvSpPr>
+          <p:cNvPr id="10" name="TextBox 9"/>
+          <p:cNvSpPr txBox="1"/>
+          <p:nvPr/>
+        </p:nvSpPr>
+        <p:spPr>
+          <a:xfrm>
+            <a:off x="4572000" y="4754880"/>
+            <a:ext cx="3017520" cy="274320"/>
+          </a:xfrm>
+          <a:prstGeom prst="rect">
+            <a:avLst/>
+          </a:prstGeom>
+          <a:noFill/>
+        </p:spPr>
+        <p:txBody>
+          <a:bodyPr wrap="square">
+            <a:spAutoFit/>
+          </a:bodyPr>
+          <a:lstStyle/>
+          <a:p>
+            <a:pPr algn="l">
+              <a:defRPr sz="1400" b="1">
+                <a:solidFill>
+                  <a:srgbClr val="F57F17"/>
+                </a:solidFill>
+                <a:latin typeface="Calibri"/>
+              </a:defRPr>
+            </a:pPr>
+            <a:r>
+              <a:t>4/5 Methods (7 sites)</a:t>
+            </a:r>
+          </a:p>
+        </p:txBody>
+      </p:sp>
+      <p:sp>
+        <p:nvSpPr>
+          <p:cNvPr id="11" name="TextBox 10"/>
+          <p:cNvSpPr txBox="1"/>
+          <p:nvPr/>
+        </p:nvSpPr>
+        <p:spPr>
+          <a:xfrm>
+            <a:off x="4572000" y="5074920"/>
+            <a:ext cx="3017520" cy="1188720"/>
+          </a:xfrm>
+          <a:prstGeom prst="rect">
+            <a:avLst/>
+          </a:prstGeom>
+          <a:noFill/>
+        </p:spPr>
+        <p:txBody>
+          <a:bodyPr wrap="square">
+            <a:spAutoFit/>
+          </a:bodyPr>
+          <a:lstStyle/>
+          <a:p>
+            <a:pPr algn="l">
+              <a:lnSpc>
+                <a:spcPts val="1600"/>
+              </a:lnSpc>
+              <a:defRPr sz="1200" b="0">
+                <a:solidFill>
+                  <a:srgbClr val="424242"/>
+                </a:solidFill>
+                <a:latin typeface="Calibri"/>
+              </a:defRPr>
+            </a:pPr>
+            <a:r>
+              <a:t>16, 17, 21, 27, 33, 36, 47, 59</a:t>
             </a:r>
             <a:br/>
             <a:br/>
             <a:r>
-              <a:t>Only 8 sites are contested (selected by 1-2 methods) - these are the edge cases where methodology choice matters most.</a:t>
+              <a:t>Strong candidates with</a:t>
+            </a:r>
+            <a:br/>
+            <a:r>
+              <a:t>broad algorithmic support</a:t>
+            </a:r>
+          </a:p>
+        </p:txBody>
+      </p:sp>
+      <p:sp>
+        <p:nvSpPr>
+          <p:cNvPr id="12" name="Rounded Rectangle 11"/>
+          <p:cNvSpPr/>
+          <p:nvPr/>
+        </p:nvSpPr>
+        <p:spPr>
+          <a:xfrm>
+            <a:off x="8046720" y="4663440"/>
+            <a:ext cx="3383280" cy="1828800"/>
+          </a:xfrm>
+          <a:prstGeom prst="roundRect">
+            <a:avLst/>
+          </a:prstGeom>
+          <a:solidFill>
+            <a:srgbClr val="FCE4EC"/>
+          </a:solidFill>
+          <a:ln w="12700">
+            <a:solidFill>
+              <a:srgbClr val="E06060"/>
+            </a:solidFill>
+          </a:ln>
+        </p:spPr>
+        <p:style>
+          <a:lnRef idx="1">
+            <a:schemeClr val="accent1"/>
+          </a:lnRef>
+          <a:fillRef idx="3">
+            <a:schemeClr val="accent1"/>
+          </a:fillRef>
+          <a:effectRef idx="2">
+            <a:schemeClr val="accent1"/>
+          </a:effectRef>
+          <a:fontRef idx="minor">
+            <a:schemeClr val="lt1"/>
+          </a:fontRef>
+        </p:style>
+        <p:txBody>
+          <a:bodyPr rtlCol="0" anchor="ctr"/>
+          <a:lstStyle/>
+          <a:p>
+            <a:pPr algn="ctr"/>
+          </a:p>
+        </p:txBody>
+      </p:sp>
+      <p:sp>
+        <p:nvSpPr>
+          <p:cNvPr id="13" name="TextBox 12"/>
+          <p:cNvSpPr txBox="1"/>
+          <p:nvPr/>
+        </p:nvSpPr>
+        <p:spPr>
+          <a:xfrm>
+            <a:off x="8229600" y="4754880"/>
+            <a:ext cx="3017520" cy="274320"/>
+          </a:xfrm>
+          <a:prstGeom prst="rect">
+            <a:avLst/>
+          </a:prstGeom>
+          <a:noFill/>
+        </p:spPr>
+        <p:txBody>
+          <a:bodyPr wrap="square">
+            <a:spAutoFit/>
+          </a:bodyPr>
+          <a:lstStyle/>
+          <a:p>
+            <a:pPr algn="l">
+              <a:defRPr sz="1400" b="1">
+                <a:solidFill>
+                  <a:srgbClr val="C62828"/>
+                </a:solidFill>
+                <a:latin typeface="Calibri"/>
+              </a:defRPr>
+            </a:pPr>
+            <a:r>
+              <a:t>1-2 Methods (8 sites)</a:t>
+            </a:r>
+          </a:p>
+        </p:txBody>
+      </p:sp>
+      <p:sp>
+        <p:nvSpPr>
+          <p:cNvPr id="14" name="TextBox 13"/>
+          <p:cNvSpPr txBox="1"/>
+          <p:nvPr/>
+        </p:nvSpPr>
+        <p:spPr>
+          <a:xfrm>
+            <a:off x="8229600" y="5074920"/>
+            <a:ext cx="3017520" cy="1188720"/>
+          </a:xfrm>
+          <a:prstGeom prst="rect">
+            <a:avLst/>
+          </a:prstGeom>
+          <a:noFill/>
+        </p:spPr>
+        <p:txBody>
+          <a:bodyPr wrap="square">
+            <a:spAutoFit/>
+          </a:bodyPr>
+          <a:lstStyle/>
+          <a:p>
+            <a:pPr algn="l">
+              <a:lnSpc>
+                <a:spcPts val="1600"/>
+              </a:lnSpc>
+              <a:defRPr sz="1200" b="0">
+                <a:solidFill>
+                  <a:srgbClr val="424242"/>
+                </a:solidFill>
+                <a:latin typeface="Calibri"/>
+              </a:defRPr>
+            </a:pPr>
+            <a:r>
+              <a:t>4, 6, 11, 19, 24, 30, 38, etc.</a:t>
+            </a:r>
+            <a:br/>
+            <a:br/>
+            <a:r>
+              <a:t>Contested sites where</a:t>
+            </a:r>
+            <a:br/>
+            <a:r>
+              <a:t>methodology choice matters</a:t>
             </a:r>
           </a:p>
         </p:txBody>
@@ -3524,7 +4356,7 @@
     <p:bg>
       <p:bgPr>
         <a:solidFill>
-          <a:srgbClr val="FFFFFF"/>
+          <a:srgbClr val="FAFAFA"/>
         </a:solidFill>
         <a:effectLst/>
       </p:bgPr>
@@ -3538,14 +4370,57 @@
       <p:grpSpPr/>
       <p:sp>
         <p:nvSpPr>
-          <p:cNvPr id="2" name="TextBox 1"/>
+          <p:cNvPr id="2" name="Rectangle 1"/>
+          <p:cNvSpPr/>
+          <p:nvPr/>
+        </p:nvSpPr>
+        <p:spPr>
+          <a:xfrm>
+            <a:off x="0" y="0"/>
+            <a:ext cx="12191695" cy="54864"/>
+          </a:xfrm>
+          <a:prstGeom prst="rect">
+            <a:avLst/>
+          </a:prstGeom>
+          <a:solidFill>
+            <a:srgbClr val="1E88E5"/>
+          </a:solidFill>
+          <a:ln>
+            <a:noFill/>
+          </a:ln>
+        </p:spPr>
+        <p:style>
+          <a:lnRef idx="1">
+            <a:schemeClr val="accent1"/>
+          </a:lnRef>
+          <a:fillRef idx="3">
+            <a:schemeClr val="accent1"/>
+          </a:fillRef>
+          <a:effectRef idx="2">
+            <a:schemeClr val="accent1"/>
+          </a:effectRef>
+          <a:fontRef idx="minor">
+            <a:schemeClr val="lt1"/>
+          </a:fontRef>
+        </p:style>
+        <p:txBody>
+          <a:bodyPr rtlCol="0" anchor="ctr"/>
+          <a:lstStyle/>
+          <a:p>
+            <a:pPr algn="ctr"/>
+          </a:p>
+        </p:txBody>
+      </p:sp>
+      <p:sp>
+        <p:nvSpPr>
+          <p:cNvPr id="3" name="TextBox 2"/>
           <p:cNvSpPr txBox="1"/>
           <p:nvPr/>
         </p:nvSpPr>
         <p:spPr>
           <a:xfrm>
-            <a:off x="457200" y="182880"/>
-            <a:ext cx="8229600" cy="457200"/>
+            <a:off x="731520" y="320040"/>
+            <a:ext cx="10515600" cy="640080"/>
           </a:xfrm>
           <a:prstGeom prst="rect">
             <a:avLst/>
@@ -3559,22 +4434,65 @@
           <a:lstStyle/>
           <a:p>
             <a:pPr algn="l">
-              <a:defRPr sz="2600" b="1">
-                <a:solidFill>
-                  <a:srgbClr val="1A237E"/>
-                </a:solidFill>
-                <a:latin typeface="Calibri"/>
-              </a:defRPr>
-            </a:pPr>
-            <a:r>
-              <a:t>Network Analysis: Why These Sites?</a:t>
-            </a:r>
+              <a:defRPr sz="3000" b="1">
+                <a:solidFill>
+                  <a:srgbClr val="0D1B2A"/>
+                </a:solidFill>
+                <a:latin typeface="Calibri Light"/>
+              </a:defRPr>
+            </a:pPr>
+            <a:r>
+              <a:t>Network Analysis: Why Are These Sites Selected?</a:t>
+            </a:r>
+          </a:p>
+        </p:txBody>
+      </p:sp>
+      <p:sp>
+        <p:nvSpPr>
+          <p:cNvPr id="4" name="Rectangle 3"/>
+          <p:cNvSpPr/>
+          <p:nvPr/>
+        </p:nvSpPr>
+        <p:spPr>
+          <a:xfrm>
+            <a:off x="731520" y="868680"/>
+            <a:ext cx="1645920" cy="38100"/>
+          </a:xfrm>
+          <a:prstGeom prst="rect">
+            <a:avLst/>
+          </a:prstGeom>
+          <a:solidFill>
+            <a:srgbClr val="1E88E5"/>
+          </a:solidFill>
+          <a:ln>
+            <a:noFill/>
+          </a:ln>
+        </p:spPr>
+        <p:style>
+          <a:lnRef idx="1">
+            <a:schemeClr val="accent1"/>
+          </a:lnRef>
+          <a:fillRef idx="3">
+            <a:schemeClr val="accent1"/>
+          </a:fillRef>
+          <a:effectRef idx="2">
+            <a:schemeClr val="accent1"/>
+          </a:effectRef>
+          <a:fontRef idx="minor">
+            <a:schemeClr val="lt1"/>
+          </a:fontRef>
+        </p:style>
+        <p:txBody>
+          <a:bodyPr rtlCol="0" anchor="ctr"/>
+          <a:lstStyle/>
+          <a:p>
+            <a:pPr algn="ctr"/>
           </a:p>
         </p:txBody>
       </p:sp>
       <p:pic>
         <p:nvPicPr>
-          <p:cNvPr id="3" name="Picture 2" descr="fig5_network_centrality.png"/>
+          <p:cNvPr id="5" name="Picture 4" descr="fig5_network_centrality.png"/>
           <p:cNvPicPr>
             <a:picLocks noChangeAspect="1"/>
           </p:cNvPicPr>
@@ -3588,8 +4506,8 @@
         </p:blipFill>
         <p:spPr>
           <a:xfrm>
-            <a:off x="457200" y="640080"/>
-            <a:ext cx="8229600" cy="2656962"/>
+            <a:off x="838047" y="1097280"/>
+            <a:ext cx="10515600" cy="3395008"/>
           </a:xfrm>
           <a:prstGeom prst="rect">
             <a:avLst/>
@@ -3598,14 +4516,59 @@
       </p:pic>
       <p:sp>
         <p:nvSpPr>
-          <p:cNvPr id="4" name="TextBox 3"/>
+          <p:cNvPr id="6" name="Rounded Rectangle 5"/>
+          <p:cNvSpPr/>
+          <p:nvPr/>
+        </p:nvSpPr>
+        <p:spPr>
+          <a:xfrm>
+            <a:off x="731520" y="5029200"/>
+            <a:ext cx="10698480" cy="1463040"/>
+          </a:xfrm>
+          <a:prstGeom prst="roundRect">
+            <a:avLst/>
+          </a:prstGeom>
+          <a:solidFill>
+            <a:srgbClr val="E3F2FD"/>
+          </a:solidFill>
+          <a:ln w="12700">
+            <a:solidFill>
+              <a:srgbClr val="1E88E5"/>
+            </a:solidFill>
+          </a:ln>
+        </p:spPr>
+        <p:style>
+          <a:lnRef idx="1">
+            <a:schemeClr val="accent1"/>
+          </a:lnRef>
+          <a:fillRef idx="3">
+            <a:schemeClr val="accent1"/>
+          </a:fillRef>
+          <a:effectRef idx="2">
+            <a:schemeClr val="accent1"/>
+          </a:effectRef>
+          <a:fontRef idx="minor">
+            <a:schemeClr val="lt1"/>
+          </a:fontRef>
+        </p:style>
+        <p:txBody>
+          <a:bodyPr rtlCol="0" anchor="ctr"/>
+          <a:lstStyle/>
+          <a:p>
+            <a:pPr algn="ctr"/>
+          </a:p>
+        </p:txBody>
+      </p:sp>
+      <p:sp>
+        <p:nvSpPr>
+          <p:cNvPr id="7" name="TextBox 6"/>
           <p:cNvSpPr txBox="1"/>
           <p:nvPr/>
         </p:nvSpPr>
         <p:spPr>
           <a:xfrm>
-            <a:off x="457200" y="4114800"/>
-            <a:ext cx="8229600" cy="2286000"/>
+            <a:off x="1005840" y="5120640"/>
+            <a:ext cx="10058400" cy="274320"/>
           </a:xfrm>
           <a:prstGeom prst="rect">
             <a:avLst/>
@@ -3619,36 +4582,54 @@
           <a:lstStyle/>
           <a:p>
             <a:pPr algn="l">
-              <a:defRPr sz="1300" b="0">
-                <a:solidFill>
-                  <a:srgbClr val="333333"/>
+              <a:defRPr sz="1600" b="1">
+                <a:solidFill>
+                  <a:srgbClr val="0D1B2A"/>
                 </a:solidFill>
                 <a:latin typeface="Calibri"/>
               </a:defRPr>
             </a:pPr>
             <a:r>
-              <a:t>MIQP-selected sites (blue) dominate all network centrality metrics:</a:t>
-            </a:r>
-            <a:br/>
-            <a:r>
-              <a:t>  - In-Strength: these sites receive the most larvae from the network</a:t>
-            </a:r>
-            <a:br/>
-            <a:r>
-              <a:t>  - Out-Strength: these sites export the most larvae to other sites</a:t>
-            </a:r>
-            <a:br/>
-            <a:r>
-              <a:t>  - PageRank: these sites are the most 'important' in the connectivity graph</a:t>
-            </a:r>
-            <a:br/>
-            <a:br/>
-            <a:r>
-              <a:t>Top network hubs (sites 10, 31, 32, 40, 41) are consensus picks across all methods.</a:t>
-            </a:r>
-            <a:br/>
-            <a:r>
-              <a:t>The optimization naturally selects network-central sites.</a:t>
+              <a:t>Key Insight</a:t>
+            </a:r>
+          </a:p>
+        </p:txBody>
+      </p:sp>
+      <p:sp>
+        <p:nvSpPr>
+          <p:cNvPr id="8" name="TextBox 7"/>
+          <p:cNvSpPr txBox="1"/>
+          <p:nvPr/>
+        </p:nvSpPr>
+        <p:spPr>
+          <a:xfrm>
+            <a:off x="1005840" y="5440680"/>
+            <a:ext cx="10058400" cy="914400"/>
+          </a:xfrm>
+          <a:prstGeom prst="rect">
+            <a:avLst/>
+          </a:prstGeom>
+          <a:noFill/>
+        </p:spPr>
+        <p:txBody>
+          <a:bodyPr wrap="square">
+            <a:spAutoFit/>
+          </a:bodyPr>
+          <a:lstStyle/>
+          <a:p>
+            <a:pPr algn="l">
+              <a:lnSpc>
+                <a:spcPts val="2000"/>
+              </a:lnSpc>
+              <a:defRPr sz="1400" b="0">
+                <a:solidFill>
+                  <a:srgbClr val="424242"/>
+                </a:solidFill>
+                <a:latin typeface="Calibri"/>
+              </a:defRPr>
+            </a:pPr>
+            <a:r>
+              <a:t>MIQP-selected sites (blue) dominate all network centrality metrics - they are the hubs that receive and export the most larvae. The optimization naturally discovers network-central sites. Top hubs (sites 10, 31, 32, 40, 41) are consensus picks across every method tested.</a:t>
             </a:r>
           </a:p>
         </p:txBody>
@@ -3667,7 +4648,7 @@
     <p:bg>
       <p:bgPr>
         <a:solidFill>
-          <a:srgbClr val="FFFFFF"/>
+          <a:srgbClr val="FAFAFA"/>
         </a:solidFill>
         <a:effectLst/>
       </p:bgPr>
@@ -3681,14 +4662,57 @@
       <p:grpSpPr/>
       <p:sp>
         <p:nvSpPr>
-          <p:cNvPr id="2" name="TextBox 1"/>
+          <p:cNvPr id="2" name="Rectangle 1"/>
+          <p:cNvSpPr/>
+          <p:nvPr/>
+        </p:nvSpPr>
+        <p:spPr>
+          <a:xfrm>
+            <a:off x="0" y="0"/>
+            <a:ext cx="12191695" cy="54864"/>
+          </a:xfrm>
+          <a:prstGeom prst="rect">
+            <a:avLst/>
+          </a:prstGeom>
+          <a:solidFill>
+            <a:srgbClr val="1E88E5"/>
+          </a:solidFill>
+          <a:ln>
+            <a:noFill/>
+          </a:ln>
+        </p:spPr>
+        <p:style>
+          <a:lnRef idx="1">
+            <a:schemeClr val="accent1"/>
+          </a:lnRef>
+          <a:fillRef idx="3">
+            <a:schemeClr val="accent1"/>
+          </a:fillRef>
+          <a:effectRef idx="2">
+            <a:schemeClr val="accent1"/>
+          </a:effectRef>
+          <a:fontRef idx="minor">
+            <a:schemeClr val="lt1"/>
+          </a:fontRef>
+        </p:style>
+        <p:txBody>
+          <a:bodyPr rtlCol="0" anchor="ctr"/>
+          <a:lstStyle/>
+          <a:p>
+            <a:pPr algn="ctr"/>
+          </a:p>
+        </p:txBody>
+      </p:sp>
+      <p:sp>
+        <p:nvSpPr>
+          <p:cNvPr id="3" name="TextBox 2"/>
           <p:cNvSpPr txBox="1"/>
           <p:nvPr/>
         </p:nvSpPr>
         <p:spPr>
           <a:xfrm>
-            <a:off x="457200" y="182880"/>
-            <a:ext cx="8229600" cy="457200"/>
+            <a:off x="731520" y="320040"/>
+            <a:ext cx="10515600" cy="640080"/>
           </a:xfrm>
           <a:prstGeom prst="rect">
             <a:avLst/>
@@ -3702,22 +4726,65 @@
           <a:lstStyle/>
           <a:p>
             <a:pPr algn="l">
-              <a:defRPr sz="2600" b="1">
-                <a:solidFill>
-                  <a:srgbClr val="1A237E"/>
-                </a:solidFill>
-                <a:latin typeface="Calibri"/>
+              <a:defRPr sz="3000" b="1">
+                <a:solidFill>
+                  <a:srgbClr val="0D1B2A"/>
+                </a:solidFill>
+                <a:latin typeface="Calibri Light"/>
               </a:defRPr>
             </a:pPr>
             <a:r>
               <a:t>MIQP Extension: Optimal Reef Size Allocation</a:t>
             </a:r>
+          </a:p>
+        </p:txBody>
+      </p:sp>
+      <p:sp>
+        <p:nvSpPr>
+          <p:cNvPr id="4" name="Rectangle 3"/>
+          <p:cNvSpPr/>
+          <p:nvPr/>
+        </p:nvSpPr>
+        <p:spPr>
+          <a:xfrm>
+            <a:off x="731520" y="868680"/>
+            <a:ext cx="1645920" cy="38100"/>
+          </a:xfrm>
+          <a:prstGeom prst="rect">
+            <a:avLst/>
+          </a:prstGeom>
+          <a:solidFill>
+            <a:srgbClr val="1E88E5"/>
+          </a:solidFill>
+          <a:ln>
+            <a:noFill/>
+          </a:ln>
+        </p:spPr>
+        <p:style>
+          <a:lnRef idx="1">
+            <a:schemeClr val="accent1"/>
+          </a:lnRef>
+          <a:fillRef idx="3">
+            <a:schemeClr val="accent1"/>
+          </a:fillRef>
+          <a:effectRef idx="2">
+            <a:schemeClr val="accent1"/>
+          </a:effectRef>
+          <a:fontRef idx="minor">
+            <a:schemeClr val="lt1"/>
+          </a:fontRef>
+        </p:style>
+        <p:txBody>
+          <a:bodyPr rtlCol="0" anchor="ctr"/>
+          <a:lstStyle/>
+          <a:p>
+            <a:pPr algn="ctr"/>
           </a:p>
         </p:txBody>
       </p:sp>
       <p:pic>
         <p:nvPicPr>
-          <p:cNvPr id="3" name="Picture 2" descr="fig6_reef_sizes.png"/>
+          <p:cNvPr id="5" name="Picture 4" descr="fig6_reef_sizes.png"/>
           <p:cNvPicPr>
             <a:picLocks noChangeAspect="1"/>
           </p:cNvPicPr>
@@ -3731,8 +4798,8 @@
         </p:blipFill>
         <p:spPr>
           <a:xfrm>
-            <a:off x="457200" y="640080"/>
-            <a:ext cx="8229600" cy="2939142"/>
+            <a:off x="838047" y="1097280"/>
+            <a:ext cx="10515600" cy="3755571"/>
           </a:xfrm>
           <a:prstGeom prst="rect">
             <a:avLst/>
@@ -3741,14 +4808,14 @@
       </p:pic>
       <p:sp>
         <p:nvSpPr>
-          <p:cNvPr id="4" name="TextBox 3"/>
+          <p:cNvPr id="6" name="TextBox 5"/>
           <p:cNvSpPr txBox="1"/>
           <p:nvPr/>
         </p:nvSpPr>
         <p:spPr>
           <a:xfrm>
-            <a:off x="457200" y="4389120"/>
-            <a:ext cx="8229600" cy="1828800"/>
+            <a:off x="731520" y="5303520"/>
+            <a:ext cx="10698480" cy="1097280"/>
           </a:xfrm>
           <a:prstGeom prst="rect">
             <a:avLst/>
@@ -3762,27 +4829,18 @@
           <a:lstStyle/>
           <a:p>
             <a:pPr algn="l">
+              <a:lnSpc>
+                <a:spcPts val="2000"/>
+              </a:lnSpc>
               <a:defRPr sz="1300" b="0">
                 <a:solidFill>
-                  <a:srgbClr val="333333"/>
+                  <a:srgbClr val="757575"/>
                 </a:solidFill>
                 <a:latin typeface="Calibri"/>
               </a:defRPr>
             </a:pPr>
             <a:r>
-              <a:t>The MIQP framework naturally extends to variable reef sizing.</a:t>
-            </a:r>
-            <a:br/>
-            <a:r>
-              <a:t>Network hubs (sites 10-17, 26-33) get maximum allocation.</a:t>
-            </a:r>
-            <a:br/>
-            <a:r>
-              <a:t>Peripheral sites (20, 36, 37) get minimal allocation - selected for connectivity, not size.</a:t>
-            </a:r>
-            <a:br/>
-            <a:r>
-              <a:t>Community constraints force inclusion of smaller sites (42, 47, 48) at minimum size.</a:t>
+              <a:t>The MIQP framework naturally extends to variable reef sizing under a total area budget. Network hubs get maximum allocation (50 units). Peripheral sites get minimal allocation - included for connectivity value, not local productivity. Community constraints force inclusion of smaller sites (42, 47, 48) at minimum size.</a:t>
             </a:r>
           </a:p>
         </p:txBody>
@@ -3801,7 +4859,7 @@
     <p:bg>
       <p:bgPr>
         <a:solidFill>
-          <a:srgbClr val="FFFFFF"/>
+          <a:srgbClr val="FAFAFA"/>
         </a:solidFill>
         <a:effectLst/>
       </p:bgPr>
@@ -3815,14 +4873,57 @@
       <p:grpSpPr/>
       <p:sp>
         <p:nvSpPr>
-          <p:cNvPr id="2" name="TextBox 1"/>
+          <p:cNvPr id="2" name="Rectangle 1"/>
+          <p:cNvSpPr/>
+          <p:nvPr/>
+        </p:nvSpPr>
+        <p:spPr>
+          <a:xfrm>
+            <a:off x="0" y="0"/>
+            <a:ext cx="12191695" cy="54864"/>
+          </a:xfrm>
+          <a:prstGeom prst="rect">
+            <a:avLst/>
+          </a:prstGeom>
+          <a:solidFill>
+            <a:srgbClr val="1E88E5"/>
+          </a:solidFill>
+          <a:ln>
+            <a:noFill/>
+          </a:ln>
+        </p:spPr>
+        <p:style>
+          <a:lnRef idx="1">
+            <a:schemeClr val="accent1"/>
+          </a:lnRef>
+          <a:fillRef idx="3">
+            <a:schemeClr val="accent1"/>
+          </a:fillRef>
+          <a:effectRef idx="2">
+            <a:schemeClr val="accent1"/>
+          </a:effectRef>
+          <a:fontRef idx="minor">
+            <a:schemeClr val="lt1"/>
+          </a:fontRef>
+        </p:style>
+        <p:txBody>
+          <a:bodyPr rtlCol="0" anchor="ctr"/>
+          <a:lstStyle/>
+          <a:p>
+            <a:pPr algn="ctr"/>
+          </a:p>
+        </p:txBody>
+      </p:sp>
+      <p:sp>
+        <p:nvSpPr>
+          <p:cNvPr id="3" name="TextBox 2"/>
           <p:cNvSpPr txBox="1"/>
           <p:nvPr/>
         </p:nvSpPr>
         <p:spPr>
           <a:xfrm>
-            <a:off x="457200" y="182880"/>
-            <a:ext cx="8229600" cy="457200"/>
+            <a:off x="731520" y="320040"/>
+            <a:ext cx="10515600" cy="640080"/>
           </a:xfrm>
           <a:prstGeom prst="rect">
             <a:avLst/>
@@ -3836,22 +4937,65 @@
           <a:lstStyle/>
           <a:p>
             <a:pPr algn="l">
-              <a:defRPr sz="2600" b="1">
-                <a:solidFill>
-                  <a:srgbClr val="1A237E"/>
-                </a:solidFill>
-                <a:latin typeface="Calibri"/>
+              <a:defRPr sz="3000" b="1">
+                <a:solidFill>
+                  <a:srgbClr val="0D1B2A"/>
+                </a:solidFill>
+                <a:latin typeface="Calibri Light"/>
               </a:defRPr>
             </a:pPr>
             <a:r>
               <a:t>Complete Site Selection Matrix</a:t>
             </a:r>
+          </a:p>
+        </p:txBody>
+      </p:sp>
+      <p:sp>
+        <p:nvSpPr>
+          <p:cNvPr id="4" name="Rectangle 3"/>
+          <p:cNvSpPr/>
+          <p:nvPr/>
+        </p:nvSpPr>
+        <p:spPr>
+          <a:xfrm>
+            <a:off x="731520" y="868680"/>
+            <a:ext cx="1645920" cy="38100"/>
+          </a:xfrm>
+          <a:prstGeom prst="rect">
+            <a:avLst/>
+          </a:prstGeom>
+          <a:solidFill>
+            <a:srgbClr val="1E88E5"/>
+          </a:solidFill>
+          <a:ln>
+            <a:noFill/>
+          </a:ln>
+        </p:spPr>
+        <p:style>
+          <a:lnRef idx="1">
+            <a:schemeClr val="accent1"/>
+          </a:lnRef>
+          <a:fillRef idx="3">
+            <a:schemeClr val="accent1"/>
+          </a:fillRef>
+          <a:effectRef idx="2">
+            <a:schemeClr val="accent1"/>
+          </a:effectRef>
+          <a:fontRef idx="minor">
+            <a:schemeClr val="lt1"/>
+          </a:fontRef>
+        </p:style>
+        <p:txBody>
+          <a:bodyPr rtlCol="0" anchor="ctr"/>
+          <a:lstStyle/>
+          <a:p>
+            <a:pPr algn="ctr"/>
           </a:p>
         </p:txBody>
       </p:sp>
       <p:pic>
         <p:nvPicPr>
-          <p:cNvPr id="3" name="Picture 2" descr="fig3_site_selection_matrix.png"/>
+          <p:cNvPr id="5" name="Picture 4" descr="fig3_site_selection_matrix.png"/>
           <p:cNvPicPr>
             <a:picLocks noChangeAspect="1"/>
           </p:cNvPicPr>
@@ -3865,8 +5009,8 @@
         </p:blipFill>
         <p:spPr>
           <a:xfrm>
-            <a:off x="457200" y="731520"/>
-            <a:ext cx="8229600" cy="2571750"/>
+            <a:off x="609447" y="1188720"/>
+            <a:ext cx="10972800" cy="3429000"/>
           </a:xfrm>
           <a:prstGeom prst="rect">
             <a:avLst/>
@@ -3875,14 +5019,14 @@
       </p:pic>
       <p:sp>
         <p:nvSpPr>
-          <p:cNvPr id="4" name="TextBox 3"/>
+          <p:cNvPr id="6" name="TextBox 5"/>
           <p:cNvSpPr txBox="1"/>
           <p:nvPr/>
         </p:nvSpPr>
         <p:spPr>
           <a:xfrm>
-            <a:off x="457200" y="4754880"/>
-            <a:ext cx="8229600" cy="1371600"/>
+            <a:off x="731520" y="5212080"/>
+            <a:ext cx="10698480" cy="1097280"/>
           </a:xfrm>
           <a:prstGeom prst="rect">
             <a:avLst/>
@@ -3896,15 +5040,18 @@
           <a:lstStyle/>
           <a:p>
             <a:pPr algn="ctr">
-              <a:defRPr sz="1200" b="0">
-                <a:solidFill>
-                  <a:srgbClr val="666666"/>
+              <a:lnSpc>
+                <a:spcPts val="2000"/>
+              </a:lnSpc>
+              <a:defRPr sz="1300" b="0">
+                <a:solidFill>
+                  <a:srgbClr val="757575"/>
                 </a:solidFill>
                 <a:latin typeface="Calibri"/>
               </a:defRPr>
             </a:pPr>
             <a:r>
-              <a:t>Blue = selected. Count row at top shows consensus level per site. The dense blue columns (sites 10, 15, 31, 32, 40, 41, 49, 51-53) form the indisputable core. Greedy+Local uniquely selects sites 6, 24, 30, 38, 39, 55, 60.</a:t>
+              <a:t>Blue = selected. Count row shows consensus level. Dense blue columns (10, 15, 31, 32, 40, 41, 49, 51-53) form the indisputable core. Greedy+Local uniquely selects sites 6, 24, 30, 38, 39, 55, 60.</a:t>
             </a:r>
           </a:p>
         </p:txBody>
@@ -3923,7 +5070,7 @@
     <p:bg>
       <p:bgPr>
         <a:solidFill>
-          <a:srgbClr val="FFFFFF"/>
+          <a:srgbClr val="FAFAFA"/>
         </a:solidFill>
         <a:effectLst/>
       </p:bgPr>
@@ -3937,14 +5084,57 @@
       <p:grpSpPr/>
       <p:sp>
         <p:nvSpPr>
-          <p:cNvPr id="2" name="TextBox 1"/>
+          <p:cNvPr id="2" name="Rectangle 1"/>
+          <p:cNvSpPr/>
+          <p:nvPr/>
+        </p:nvSpPr>
+        <p:spPr>
+          <a:xfrm>
+            <a:off x="0" y="0"/>
+            <a:ext cx="12191695" cy="54864"/>
+          </a:xfrm>
+          <a:prstGeom prst="rect">
+            <a:avLst/>
+          </a:prstGeom>
+          <a:solidFill>
+            <a:srgbClr val="1E88E5"/>
+          </a:solidFill>
+          <a:ln>
+            <a:noFill/>
+          </a:ln>
+        </p:spPr>
+        <p:style>
+          <a:lnRef idx="1">
+            <a:schemeClr val="accent1"/>
+          </a:lnRef>
+          <a:fillRef idx="3">
+            <a:schemeClr val="accent1"/>
+          </a:fillRef>
+          <a:effectRef idx="2">
+            <a:schemeClr val="accent1"/>
+          </a:effectRef>
+          <a:fontRef idx="minor">
+            <a:schemeClr val="lt1"/>
+          </a:fontRef>
+        </p:style>
+        <p:txBody>
+          <a:bodyPr rtlCol="0" anchor="ctr"/>
+          <a:lstStyle/>
+          <a:p>
+            <a:pPr algn="ctr"/>
+          </a:p>
+        </p:txBody>
+      </p:sp>
+      <p:sp>
+        <p:nvSpPr>
+          <p:cNvPr id="3" name="TextBox 2"/>
           <p:cNvSpPr txBox="1"/>
           <p:nvPr/>
         </p:nvSpPr>
         <p:spPr>
           <a:xfrm>
-            <a:off x="457200" y="274320"/>
-            <a:ext cx="8229600" cy="548640"/>
+            <a:off x="731520" y="320040"/>
+            <a:ext cx="10515600" cy="640080"/>
           </a:xfrm>
           <a:prstGeom prst="rect">
             <a:avLst/>
@@ -3958,30 +5148,73 @@
           <a:lstStyle/>
           <a:p>
             <a:pPr algn="l">
-              <a:defRPr sz="2800" b="1">
-                <a:solidFill>
-                  <a:srgbClr val="1A237E"/>
-                </a:solidFill>
-                <a:latin typeface="Calibri"/>
+              <a:defRPr sz="3000" b="1">
+                <a:solidFill>
+                  <a:srgbClr val="0D1B2A"/>
+                </a:solidFill>
+                <a:latin typeface="Calibri Light"/>
               </a:defRPr>
             </a:pPr>
             <a:r>
               <a:t>Summary of Results</a:t>
             </a:r>
+          </a:p>
+        </p:txBody>
+      </p:sp>
+      <p:sp>
+        <p:nvSpPr>
+          <p:cNvPr id="4" name="Rectangle 3"/>
+          <p:cNvSpPr/>
+          <p:nvPr/>
+        </p:nvSpPr>
+        <p:spPr>
+          <a:xfrm>
+            <a:off x="731520" y="868680"/>
+            <a:ext cx="1645920" cy="38100"/>
+          </a:xfrm>
+          <a:prstGeom prst="rect">
+            <a:avLst/>
+          </a:prstGeom>
+          <a:solidFill>
+            <a:srgbClr val="1E88E5"/>
+          </a:solidFill>
+          <a:ln>
+            <a:noFill/>
+          </a:ln>
+        </p:spPr>
+        <p:style>
+          <a:lnRef idx="1">
+            <a:schemeClr val="accent1"/>
+          </a:lnRef>
+          <a:fillRef idx="3">
+            <a:schemeClr val="accent1"/>
+          </a:fillRef>
+          <a:effectRef idx="2">
+            <a:schemeClr val="accent1"/>
+          </a:effectRef>
+          <a:fontRef idx="minor">
+            <a:schemeClr val="lt1"/>
+          </a:fontRef>
+        </p:style>
+        <p:txBody>
+          <a:bodyPr rtlCol="0" anchor="ctr"/>
+          <a:lstStyle/>
+          <a:p>
+            <a:pPr algn="ctr"/>
           </a:p>
         </p:txBody>
       </p:sp>
       <p:graphicFrame>
         <p:nvGraphicFramePr>
-          <p:cNvPr id="3" name="Table 2"/>
+          <p:cNvPr id="5" name="Table 4"/>
           <p:cNvGraphicFramePr>
             <a:graphicFrameLocks noGrp="1"/>
           </p:cNvGraphicFramePr>
           <p:nvPr/>
         </p:nvGraphicFramePr>
         <p:xfrm>
-          <a:off x="457200" y="1005840"/>
-          <a:ext cx="8229600" cy="2743200"/>
+          <a:off x="731520" y="1280160"/>
+          <a:ext cx="10698480" cy="2560320"/>
         </p:xfrm>
         <a:graphic>
           <a:graphicData uri="http://schemas.openxmlformats.org/drawingml/2006/table">
@@ -3990,13 +5223,13 @@
                 <a:tableStyleId>{5C22544A-7EE6-4342-B048-85BDC9FD1C3A}</a:tableStyleId>
               </a:tblPr>
               <a:tblGrid>
+                <a:gridCol w="2194560"/>
+                <a:gridCol w="1828800"/>
                 <a:gridCol w="1645920"/>
-                <a:gridCol w="1645920"/>
-                <a:gridCol w="1645920"/>
-                <a:gridCol w="1645920"/>
-                <a:gridCol w="1645920"/>
+                <a:gridCol w="2011680"/>
+                <a:gridCol w="3017520"/>
               </a:tblGrid>
-              <a:tr h="457200">
+              <a:tr h="426720">
                 <a:tc>
                   <a:txBody>
                     <a:bodyPr/>
@@ -4015,9 +5248,9 @@
                       </a:r>
                     </a:p>
                   </a:txBody>
-                  <a:tcPr>
+                  <a:tcPr anchor="ctr">
                     <a:solidFill>
-                      <a:srgbClr val="1A237E"/>
+                      <a:srgbClr val="0D1B2A"/>
                     </a:solidFill>
                   </a:tcPr>
                 </a:tc>
@@ -4039,9 +5272,9 @@
                       </a:r>
                     </a:p>
                   </a:txBody>
-                  <a:tcPr>
+                  <a:tcPr anchor="ctr">
                     <a:solidFill>
-                      <a:srgbClr val="1A237E"/>
+                      <a:srgbClr val="0D1B2A"/>
                     </a:solidFill>
                   </a:tcPr>
                 </a:tc>
@@ -4063,9 +5296,9 @@
                       </a:r>
                     </a:p>
                   </a:txBody>
-                  <a:tcPr>
+                  <a:tcPr anchor="ctr">
                     <a:solidFill>
-                      <a:srgbClr val="1A237E"/>
+                      <a:srgbClr val="0D1B2A"/>
                     </a:solidFill>
                   </a:tcPr>
                 </a:tc>
@@ -4087,9 +5320,9 @@
                       </a:r>
                     </a:p>
                   </a:txBody>
-                  <a:tcPr>
+                  <a:tcPr anchor="ctr">
                     <a:solidFill>
-                      <a:srgbClr val="1A237E"/>
+                      <a:srgbClr val="0D1B2A"/>
                     </a:solidFill>
                   </a:tcPr>
                 </a:tc>
@@ -4111,14 +5344,14 @@
                       </a:r>
                     </a:p>
                   </a:txBody>
-                  <a:tcPr>
+                  <a:tcPr anchor="ctr">
                     <a:solidFill>
-                      <a:srgbClr val="1A237E"/>
+                      <a:srgbClr val="0D1B2A"/>
                     </a:solidFill>
                   </a:tcPr>
                 </a:tc>
               </a:tr>
-              <a:tr h="457200">
+              <a:tr h="426720">
                 <a:tc>
                   <a:txBody>
                     <a:bodyPr/>
@@ -4127,17 +5360,17 @@
                       <a:pPr algn="ctr">
                         <a:defRPr sz="1200">
                           <a:solidFill>
-                            <a:srgbClr val="333333"/>
+                            <a:srgbClr val="212121"/>
                           </a:solidFill>
                           <a:latin typeface="Calibri"/>
                         </a:defRPr>
                       </a:pPr>
                       <a:r>
-                        <a:t>Greedy+Local</a:t>
+                        <a:t>Greedy + Local Search</a:t>
                       </a:r>
                     </a:p>
                   </a:txBody>
-                  <a:tcPr>
+                  <a:tcPr anchor="ctr">
                     <a:solidFill>
                       <a:srgbClr val="E3F2FD"/>
                     </a:solidFill>
@@ -4151,17 +5384,17 @@
                       <a:pPr algn="ctr">
                         <a:defRPr sz="1200">
                           <a:solidFill>
-                            <a:srgbClr val="333333"/>
+                            <a:srgbClr val="212121"/>
                           </a:solidFill>
                           <a:latin typeface="Calibri"/>
                         </a:defRPr>
                       </a:pPr>
                       <a:r>
-                        <a:t>1.862 (best)</a:t>
+                        <a:t>1.862  (best)</a:t>
                       </a:r>
                     </a:p>
                   </a:txBody>
-                  <a:tcPr>
+                  <a:tcPr anchor="ctr">
                     <a:solidFill>
                       <a:srgbClr val="E3F2FD"/>
                     </a:solidFill>
@@ -4175,7 +5408,7 @@
                       <a:pPr algn="ctr">
                         <a:defRPr sz="1200">
                           <a:solidFill>
-                            <a:srgbClr val="333333"/>
+                            <a:srgbClr val="212121"/>
                           </a:solidFill>
                           <a:latin typeface="Calibri"/>
                         </a:defRPr>
@@ -4185,7 +5418,7 @@
                       </a:r>
                     </a:p>
                   </a:txBody>
-                  <a:tcPr>
+                  <a:tcPr anchor="ctr">
                     <a:solidFill>
                       <a:srgbClr val="E3F2FD"/>
                     </a:solidFill>
@@ -4199,7 +5432,7 @@
                       <a:pPr algn="ctr">
                         <a:defRPr sz="1200">
                           <a:solidFill>
-                            <a:srgbClr val="333333"/>
+                            <a:srgbClr val="212121"/>
                           </a:solidFill>
                           <a:latin typeface="Calibri"/>
                         </a:defRPr>
@@ -4209,7 +5442,7 @@
                       </a:r>
                     </a:p>
                   </a:txBody>
-                  <a:tcPr>
+                  <a:tcPr anchor="ctr">
                     <a:solidFill>
                       <a:srgbClr val="E3F2FD"/>
                     </a:solidFill>
@@ -4223,24 +5456,24 @@
                       <a:pPr algn="ctr">
                         <a:defRPr sz="1200">
                           <a:solidFill>
-                            <a:srgbClr val="333333"/>
+                            <a:srgbClr val="212121"/>
                           </a:solidFill>
                           <a:latin typeface="Calibri"/>
                         </a:defRPr>
                       </a:pPr>
                       <a:r>
-                        <a:t>Best ODE score</a:t>
+                        <a:t>Best true ODE score</a:t>
                       </a:r>
                     </a:p>
                   </a:txBody>
-                  <a:tcPr>
+                  <a:tcPr anchor="ctr">
                     <a:solidFill>
                       <a:srgbClr val="E3F2FD"/>
                     </a:solidFill>
                   </a:tcPr>
                 </a:tc>
               </a:tr>
-              <a:tr h="457200">
+              <a:tr h="426720">
                 <a:tc>
                   <a:txBody>
                     <a:bodyPr/>
@@ -4249,17 +5482,21 @@
                       <a:pPr algn="ctr">
                         <a:defRPr sz="1200">
                           <a:solidFill>
-                            <a:srgbClr val="333333"/>
+                            <a:srgbClr val="212121"/>
                           </a:solidFill>
                           <a:latin typeface="Calibri"/>
                         </a:defRPr>
                       </a:pPr>
                       <a:r>
-                        <a:t>Backward</a:t>
+                        <a:t>Backward Elimination</a:t>
                       </a:r>
                     </a:p>
                   </a:txBody>
-                  <a:tcPr/>
+                  <a:tcPr anchor="ctr">
+                    <a:solidFill>
+                      <a:srgbClr val="FFFFFF"/>
+                    </a:solidFill>
+                  </a:tcPr>
                 </a:tc>
                 <a:tc>
                   <a:txBody>
@@ -4269,17 +5506,21 @@
                       <a:pPr algn="ctr">
                         <a:defRPr sz="1200">
                           <a:solidFill>
-                            <a:srgbClr val="333333"/>
+                            <a:srgbClr val="212121"/>
                           </a:solidFill>
                           <a:latin typeface="Calibri"/>
                         </a:defRPr>
                       </a:pPr>
                       <a:r>
-                        <a:t>1.819 (-2.3%)</a:t>
+                        <a:t>1.819  (-2.3%)</a:t>
                       </a:r>
                     </a:p>
                   </a:txBody>
-                  <a:tcPr/>
+                  <a:tcPr anchor="ctr">
+                    <a:solidFill>
+                      <a:srgbClr val="FFFFFF"/>
+                    </a:solidFill>
+                  </a:tcPr>
                 </a:tc>
                 <a:tc>
                   <a:txBody>
@@ -4289,7 +5530,7 @@
                       <a:pPr algn="ctr">
                         <a:defRPr sz="1200">
                           <a:solidFill>
-                            <a:srgbClr val="333333"/>
+                            <a:srgbClr val="212121"/>
                           </a:solidFill>
                           <a:latin typeface="Calibri"/>
                         </a:defRPr>
@@ -4299,7 +5540,11 @@
                       </a:r>
                     </a:p>
                   </a:txBody>
-                  <a:tcPr/>
+                  <a:tcPr anchor="ctr">
+                    <a:solidFill>
+                      <a:srgbClr val="FFFFFF"/>
+                    </a:solidFill>
+                  </a:tcPr>
                 </a:tc>
                 <a:tc>
                   <a:txBody>
@@ -4309,17 +5554,21 @@
                       <a:pPr algn="ctr">
                         <a:defRPr sz="1200">
                           <a:solidFill>
-                            <a:srgbClr val="333333"/>
+                            <a:srgbClr val="212121"/>
                           </a:solidFill>
                           <a:latin typeface="Calibri"/>
                         </a:defRPr>
                       </a:pPr>
                       <a:r>
-                        <a:t>18/25</a:t>
+                        <a:t>18 / 25</a:t>
                       </a:r>
                     </a:p>
                   </a:txBody>
-                  <a:tcPr/>
+                  <a:tcPr anchor="ctr">
+                    <a:solidFill>
+                      <a:srgbClr val="FFFFFF"/>
+                    </a:solidFill>
+                  </a:tcPr>
                 </a:tc>
                 <a:tc>
                   <a:txBody>
@@ -4329,20 +5578,24 @@
                       <a:pPr algn="ctr">
                         <a:defRPr sz="1200">
                           <a:solidFill>
-                            <a:srgbClr val="333333"/>
+                            <a:srgbClr val="212121"/>
                           </a:solidFill>
                           <a:latin typeface="Calibri"/>
                         </a:defRPr>
                       </a:pPr>
                       <a:r>
-                        <a:t>Fast, good quality</a:t>
+                        <a:t>Fast, strong quality</a:t>
                       </a:r>
                     </a:p>
                   </a:txBody>
-                  <a:tcPr/>
+                  <a:tcPr anchor="ctr">
+                    <a:solidFill>
+                      <a:srgbClr val="FFFFFF"/>
+                    </a:solidFill>
+                  </a:tcPr>
                 </a:tc>
               </a:tr>
-              <a:tr h="457200">
+              <a:tr h="426720">
                 <a:tc>
                   <a:txBody>
                     <a:bodyPr/>
@@ -4351,17 +5604,17 @@
                       <a:pPr algn="ctr">
                         <a:defRPr sz="1200">
                           <a:solidFill>
-                            <a:srgbClr val="333333"/>
+                            <a:srgbClr val="212121"/>
                           </a:solidFill>
                           <a:latin typeface="Calibri"/>
                         </a:defRPr>
                       </a:pPr>
                       <a:r>
-                        <a:t>MIQP</a:t>
+                        <a:t>MIQP (plain)</a:t>
                       </a:r>
                     </a:p>
                   </a:txBody>
-                  <a:tcPr>
+                  <a:tcPr anchor="ctr">
                     <a:solidFill>
                       <a:srgbClr val="E3F2FD"/>
                     </a:solidFill>
@@ -4375,17 +5628,17 @@
                       <a:pPr algn="ctr">
                         <a:defRPr sz="1200">
                           <a:solidFill>
-                            <a:srgbClr val="333333"/>
+                            <a:srgbClr val="212121"/>
                           </a:solidFill>
                           <a:latin typeface="Calibri"/>
                         </a:defRPr>
                       </a:pPr>
                       <a:r>
-                        <a:t>1.713 (-8.0%)</a:t>
+                        <a:t>1.713  (-8.0%)</a:t>
                       </a:r>
                     </a:p>
                   </a:txBody>
-                  <a:tcPr>
+                  <a:tcPr anchor="ctr">
                     <a:solidFill>
                       <a:srgbClr val="E3F2FD"/>
                     </a:solidFill>
@@ -4399,7 +5652,7 @@
                       <a:pPr algn="ctr">
                         <a:defRPr sz="1200">
                           <a:solidFill>
-                            <a:srgbClr val="333333"/>
+                            <a:srgbClr val="212121"/>
                           </a:solidFill>
                           <a:latin typeface="Calibri"/>
                         </a:defRPr>
@@ -4409,7 +5662,7 @@
                       </a:r>
                     </a:p>
                   </a:txBody>
-                  <a:tcPr>
+                  <a:tcPr anchor="ctr">
                     <a:solidFill>
                       <a:srgbClr val="E3F2FD"/>
                     </a:solidFill>
@@ -4423,17 +5676,17 @@
                       <a:pPr algn="ctr">
                         <a:defRPr sz="1200">
                           <a:solidFill>
-                            <a:srgbClr val="333333"/>
+                            <a:srgbClr val="212121"/>
                           </a:solidFill>
                           <a:latin typeface="Calibri"/>
                         </a:defRPr>
                       </a:pPr>
                       <a:r>
-                        <a:t>14/25</a:t>
+                        <a:t>14 / 25</a:t>
                       </a:r>
                     </a:p>
                   </a:txBody>
-                  <a:tcPr>
+                  <a:tcPr anchor="ctr">
                     <a:solidFill>
                       <a:srgbClr val="E3F2FD"/>
                     </a:solidFill>
@@ -4447,7 +5700,7 @@
                       <a:pPr algn="ctr">
                         <a:defRPr sz="1200">
                           <a:solidFill>
-                            <a:srgbClr val="333333"/>
+                            <a:srgbClr val="212121"/>
                           </a:solidFill>
                           <a:latin typeface="Calibri"/>
                         </a:defRPr>
@@ -4457,14 +5710,14 @@
                       </a:r>
                     </a:p>
                   </a:txBody>
-                  <a:tcPr>
+                  <a:tcPr anchor="ctr">
                     <a:solidFill>
                       <a:srgbClr val="E3F2FD"/>
                     </a:solidFill>
                   </a:tcPr>
                 </a:tc>
               </a:tr>
-              <a:tr h="457200">
+              <a:tr h="426720">
                 <a:tc>
                   <a:txBody>
                     <a:bodyPr/>
@@ -4473,17 +5726,21 @@
                       <a:pPr algn="ctr">
                         <a:defRPr sz="1200">
                           <a:solidFill>
-                            <a:srgbClr val="333333"/>
+                            <a:srgbClr val="212121"/>
                           </a:solidFill>
                           <a:latin typeface="Calibri"/>
                         </a:defRPr>
                       </a:pPr>
                       <a:r>
-                        <a:t>MIQP+Comm</a:t>
+                        <a:t>MIQP + Communities</a:t>
                       </a:r>
                     </a:p>
                   </a:txBody>
-                  <a:tcPr/>
+                  <a:tcPr anchor="ctr">
+                    <a:solidFill>
+                      <a:srgbClr val="FFFFFF"/>
+                    </a:solidFill>
+                  </a:tcPr>
                 </a:tc>
                 <a:tc>
                   <a:txBody>
@@ -4493,17 +5750,21 @@
                       <a:pPr algn="ctr">
                         <a:defRPr sz="1200">
                           <a:solidFill>
-                            <a:srgbClr val="333333"/>
+                            <a:srgbClr val="212121"/>
                           </a:solidFill>
                           <a:latin typeface="Calibri"/>
                         </a:defRPr>
                       </a:pPr>
                       <a:r>
-                        <a:t>1.383 (-25.7%)</a:t>
+                        <a:t>1.383  (-25.7%)</a:t>
                       </a:r>
                     </a:p>
                   </a:txBody>
-                  <a:tcPr/>
+                  <a:tcPr anchor="ctr">
+                    <a:solidFill>
+                      <a:srgbClr val="FFFFFF"/>
+                    </a:solidFill>
+                  </a:tcPr>
                 </a:tc>
                 <a:tc>
                   <a:txBody>
@@ -4513,17 +5774,21 @@
                       <a:pPr algn="ctr">
                         <a:defRPr sz="1200">
                           <a:solidFill>
-                            <a:srgbClr val="333333"/>
+                            <a:srgbClr val="212121"/>
                           </a:solidFill>
                           <a:latin typeface="Calibri"/>
                         </a:defRPr>
                       </a:pPr>
                       <a:r>
-                        <a:t>&lt;1 sec</a:t>
+                        <a:t>&lt; 1 sec</a:t>
                       </a:r>
                     </a:p>
                   </a:txBody>
-                  <a:tcPr/>
+                  <a:tcPr anchor="ctr">
+                    <a:solidFill>
+                      <a:srgbClr val="FFFFFF"/>
+                    </a:solidFill>
+                  </a:tcPr>
                 </a:tc>
                 <a:tc>
                   <a:txBody>
@@ -4533,17 +5798,21 @@
                       <a:pPr algn="ctr">
                         <a:defRPr sz="1200">
                           <a:solidFill>
-                            <a:srgbClr val="333333"/>
+                            <a:srgbClr val="212121"/>
                           </a:solidFill>
                           <a:latin typeface="Calibri"/>
                         </a:defRPr>
                       </a:pPr>
                       <a:r>
-                        <a:t>15/25</a:t>
+                        <a:t>15 / 25</a:t>
                       </a:r>
                     </a:p>
                   </a:txBody>
-                  <a:tcPr/>
+                  <a:tcPr anchor="ctr">
+                    <a:solidFill>
+                      <a:srgbClr val="FFFFFF"/>
+                    </a:solidFill>
+                  </a:tcPr>
                 </a:tc>
                 <a:tc>
                   <a:txBody>
@@ -4553,7 +5822,7 @@
                       <a:pPr algn="ctr">
                         <a:defRPr sz="1200">
                           <a:solidFill>
-                            <a:srgbClr val="333333"/>
+                            <a:srgbClr val="212121"/>
                           </a:solidFill>
                           <a:latin typeface="Calibri"/>
                         </a:defRPr>
@@ -4563,10 +5832,14 @@
                       </a:r>
                     </a:p>
                   </a:txBody>
-                  <a:tcPr/>
+                  <a:tcPr anchor="ctr">
+                    <a:solidFill>
+                      <a:srgbClr val="FFFFFF"/>
+                    </a:solidFill>
+                  </a:tcPr>
                 </a:tc>
               </a:tr>
-              <a:tr h="457200">
+              <a:tr h="426720">
                 <a:tc>
                   <a:txBody>
                     <a:bodyPr/>
@@ -4575,17 +5848,17 @@
                       <a:pPr algn="ctr">
                         <a:defRPr sz="1200">
                           <a:solidFill>
-                            <a:srgbClr val="333333"/>
+                            <a:srgbClr val="212121"/>
                           </a:solidFill>
                           <a:latin typeface="Calibri"/>
                         </a:defRPr>
                       </a:pPr>
                       <a:r>
-                        <a:t>MIQP+Comm+Size</a:t>
+                        <a:t>MIQP + Comm + Sizing</a:t>
                       </a:r>
                     </a:p>
                   </a:txBody>
-                  <a:tcPr>
+                  <a:tcPr anchor="ctr">
                     <a:solidFill>
                       <a:srgbClr val="E3F2FD"/>
                     </a:solidFill>
@@ -4599,17 +5872,17 @@
                       <a:pPr algn="ctr">
                         <a:defRPr sz="1200">
                           <a:solidFill>
-                            <a:srgbClr val="333333"/>
+                            <a:srgbClr val="212121"/>
                           </a:solidFill>
                           <a:latin typeface="Calibri"/>
                         </a:defRPr>
                       </a:pPr>
                       <a:r>
-                        <a:t>N/A*</a:t>
+                        <a:t>-</a:t>
                       </a:r>
                     </a:p>
                   </a:txBody>
-                  <a:tcPr>
+                  <a:tcPr anchor="ctr">
                     <a:solidFill>
                       <a:srgbClr val="E3F2FD"/>
                     </a:solidFill>
@@ -4623,17 +5896,17 @@
                       <a:pPr algn="ctr">
                         <a:defRPr sz="1200">
                           <a:solidFill>
-                            <a:srgbClr val="333333"/>
+                            <a:srgbClr val="212121"/>
                           </a:solidFill>
                           <a:latin typeface="Calibri"/>
                         </a:defRPr>
                       </a:pPr>
                       <a:r>
-                        <a:t>&lt;1 sec</a:t>
+                        <a:t>&lt; 1 sec</a:t>
                       </a:r>
                     </a:p>
                   </a:txBody>
-                  <a:tcPr>
+                  <a:tcPr anchor="ctr">
                     <a:solidFill>
                       <a:srgbClr val="E3F2FD"/>
                     </a:solidFill>
@@ -4647,17 +5920,17 @@
                       <a:pPr algn="ctr">
                         <a:defRPr sz="1200">
                           <a:solidFill>
-                            <a:srgbClr val="333333"/>
+                            <a:srgbClr val="212121"/>
                           </a:solidFill>
                           <a:latin typeface="Calibri"/>
                         </a:defRPr>
                       </a:pPr>
                       <a:r>
-                        <a:t>13/25</a:t>
+                        <a:t>13 / 25</a:t>
                       </a:r>
                     </a:p>
                   </a:txBody>
-                  <a:tcPr>
+                  <a:tcPr anchor="ctr">
                     <a:solidFill>
                       <a:srgbClr val="E3F2FD"/>
                     </a:solidFill>
@@ -4671,7 +5944,7 @@
                       <a:pPr algn="ctr">
                         <a:defRPr sz="1200">
                           <a:solidFill>
-                            <a:srgbClr val="333333"/>
+                            <a:srgbClr val="212121"/>
                           </a:solidFill>
                           <a:latin typeface="Calibri"/>
                         </a:defRPr>
@@ -4681,7 +5954,7 @@
                       </a:r>
                     </a:p>
                   </a:txBody>
-                  <a:tcPr>
+                  <a:tcPr anchor="ctr">
                     <a:solidFill>
                       <a:srgbClr val="E3F2FD"/>
                     </a:solidFill>
@@ -4694,14 +5967,59 @@
       </p:graphicFrame>
       <p:sp>
         <p:nvSpPr>
-          <p:cNvPr id="4" name="TextBox 3"/>
+          <p:cNvPr id="6" name="Rounded Rectangle 5"/>
+          <p:cNvSpPr/>
+          <p:nvPr/>
+        </p:nvSpPr>
+        <p:spPr>
+          <a:xfrm>
+            <a:off x="731520" y="4114800"/>
+            <a:ext cx="10698480" cy="2377440"/>
+          </a:xfrm>
+          <a:prstGeom prst="roundRect">
+            <a:avLst/>
+          </a:prstGeom>
+          <a:solidFill>
+            <a:srgbClr val="FFFFFF"/>
+          </a:solidFill>
+          <a:ln w="12700">
+            <a:solidFill>
+              <a:srgbClr val="1E88E5"/>
+            </a:solidFill>
+          </a:ln>
+        </p:spPr>
+        <p:style>
+          <a:lnRef idx="1">
+            <a:schemeClr val="accent1"/>
+          </a:lnRef>
+          <a:fillRef idx="3">
+            <a:schemeClr val="accent1"/>
+          </a:fillRef>
+          <a:effectRef idx="2">
+            <a:schemeClr val="accent1"/>
+          </a:effectRef>
+          <a:fontRef idx="minor">
+            <a:schemeClr val="lt1"/>
+          </a:fontRef>
+        </p:style>
+        <p:txBody>
+          <a:bodyPr rtlCol="0" anchor="ctr"/>
+          <a:lstStyle/>
+          <a:p>
+            <a:pPr algn="ctr"/>
+          </a:p>
+        </p:txBody>
+      </p:sp>
+      <p:sp>
+        <p:nvSpPr>
+          <p:cNvPr id="7" name="TextBox 6"/>
           <p:cNvSpPr txBox="1"/>
           <p:nvPr/>
         </p:nvSpPr>
         <p:spPr>
           <a:xfrm>
-            <a:off x="457200" y="3931920"/>
-            <a:ext cx="8229600" cy="365760"/>
+            <a:off x="1097280" y="4206240"/>
+            <a:ext cx="10058400" cy="365760"/>
           </a:xfrm>
           <a:prstGeom prst="rect">
             <a:avLst/>
@@ -4715,29 +6033,29 @@
           <a:lstStyle/>
           <a:p>
             <a:pPr algn="l">
-              <a:defRPr sz="1100" b="0">
-                <a:solidFill>
-                  <a:srgbClr val="666666"/>
+              <a:defRPr sz="2000" b="1">
+                <a:solidFill>
+                  <a:srgbClr val="0D1B2A"/>
                 </a:solidFill>
                 <a:latin typeface="Calibri"/>
               </a:defRPr>
             </a:pPr>
             <a:r>
-              <a:t>* MIQP+Comm+Size uses a different objective (total larvae) so ODE score is not directly comparable.</a:t>
-            </a:r>
-          </a:p>
-        </p:txBody>
-      </p:sp>
-      <p:sp>
-        <p:nvSpPr>
-          <p:cNvPr id="5" name="TextBox 4"/>
+              <a:t>Key Findings</a:t>
+            </a:r>
+          </a:p>
+        </p:txBody>
+      </p:sp>
+      <p:sp>
+        <p:nvSpPr>
+          <p:cNvPr id="8" name="TextBox 7"/>
           <p:cNvSpPr txBox="1"/>
           <p:nvPr/>
         </p:nvSpPr>
         <p:spPr>
           <a:xfrm>
-            <a:off x="457200" y="4389120"/>
-            <a:ext cx="8229600" cy="1828800"/>
+            <a:off x="1188720" y="4663440"/>
+            <a:ext cx="365760" cy="274320"/>
           </a:xfrm>
           <a:prstGeom prst="rect">
             <a:avLst/>
@@ -4751,35 +6069,339 @@
           <a:lstStyle/>
           <a:p>
             <a:pPr algn="l">
+              <a:defRPr sz="1300" b="1">
+                <a:solidFill>
+                  <a:srgbClr val="1E88E5"/>
+                </a:solidFill>
+                <a:latin typeface="Calibri"/>
+              </a:defRPr>
+            </a:pPr>
+            <a:r>
+              <a:t>1.</a:t>
+            </a:r>
+          </a:p>
+        </p:txBody>
+      </p:sp>
+      <p:sp>
+        <p:nvSpPr>
+          <p:cNvPr id="9" name="TextBox 8"/>
+          <p:cNvSpPr txBox="1"/>
+          <p:nvPr/>
+        </p:nvSpPr>
+        <p:spPr>
+          <a:xfrm>
+            <a:off x="1554480" y="4663440"/>
+            <a:ext cx="9144000" cy="274320"/>
+          </a:xfrm>
+          <a:prstGeom prst="rect">
+            <a:avLst/>
+          </a:prstGeom>
+          <a:noFill/>
+        </p:spPr>
+        <p:txBody>
+          <a:bodyPr wrap="square">
+            <a:spAutoFit/>
+          </a:bodyPr>
+          <a:lstStyle/>
+          <a:p>
+            <a:pPr algn="l">
               <a:defRPr sz="1300" b="0">
                 <a:solidFill>
-                  <a:srgbClr val="333333"/>
+                  <a:srgbClr val="424242"/>
                 </a:solidFill>
                 <a:latin typeface="Calibri"/>
               </a:defRPr>
             </a:pPr>
             <a:r>
-              <a:t>Key Findings:</a:t>
-            </a:r>
-            <a:br/>
-            <a:r>
-              <a:t>  1. Greedy+Local Search achieves the best ODE biomass but takes 32 minutes</a:t>
-            </a:r>
-            <a:br/>
-            <a:r>
-              <a:t>  2. MIQP solves in 0.3 seconds and provides a provably optimal surrogate solution</a:t>
-            </a:r>
-            <a:br/>
-            <a:r>
-              <a:t>  3. The 8% gap between MIQP and Greedy+Local quantifies the surrogate approximation error</a:t>
-            </a:r>
-            <a:br/>
-            <a:r>
-              <a:t>  4. All methods agree on a consensus core of ~10 high-value sites</a:t>
-            </a:r>
-            <a:br/>
-            <a:r>
-              <a:t>  5. MIQP framework naturally extends to handle real-world policy constraints</a:t>
+              <a:t>Greedy+Local achieves the best ODE biomass but requires 32 minutes of compute</a:t>
+            </a:r>
+          </a:p>
+        </p:txBody>
+      </p:sp>
+      <p:sp>
+        <p:nvSpPr>
+          <p:cNvPr id="10" name="TextBox 9"/>
+          <p:cNvSpPr txBox="1"/>
+          <p:nvPr/>
+        </p:nvSpPr>
+        <p:spPr>
+          <a:xfrm>
+            <a:off x="1188720" y="4983479"/>
+            <a:ext cx="365760" cy="274320"/>
+          </a:xfrm>
+          <a:prstGeom prst="rect">
+            <a:avLst/>
+          </a:prstGeom>
+          <a:noFill/>
+        </p:spPr>
+        <p:txBody>
+          <a:bodyPr wrap="square">
+            <a:spAutoFit/>
+          </a:bodyPr>
+          <a:lstStyle/>
+          <a:p>
+            <a:pPr algn="l">
+              <a:defRPr sz="1300" b="1">
+                <a:solidFill>
+                  <a:srgbClr val="1E88E5"/>
+                </a:solidFill>
+                <a:latin typeface="Calibri"/>
+              </a:defRPr>
+            </a:pPr>
+            <a:r>
+              <a:t>2.</a:t>
+            </a:r>
+          </a:p>
+        </p:txBody>
+      </p:sp>
+      <p:sp>
+        <p:nvSpPr>
+          <p:cNvPr id="11" name="TextBox 10"/>
+          <p:cNvSpPr txBox="1"/>
+          <p:nvPr/>
+        </p:nvSpPr>
+        <p:spPr>
+          <a:xfrm>
+            <a:off x="1554480" y="4983479"/>
+            <a:ext cx="9144000" cy="274320"/>
+          </a:xfrm>
+          <a:prstGeom prst="rect">
+            <a:avLst/>
+          </a:prstGeom>
+          <a:noFill/>
+        </p:spPr>
+        <p:txBody>
+          <a:bodyPr wrap="square">
+            <a:spAutoFit/>
+          </a:bodyPr>
+          <a:lstStyle/>
+          <a:p>
+            <a:pPr algn="l">
+              <a:defRPr sz="1300" b="0">
+                <a:solidFill>
+                  <a:srgbClr val="424242"/>
+                </a:solidFill>
+                <a:latin typeface="Calibri"/>
+              </a:defRPr>
+            </a:pPr>
+            <a:r>
+              <a:t>MIQP solves in 0.3 seconds - provably optimal under the quadratic surrogate</a:t>
+            </a:r>
+          </a:p>
+        </p:txBody>
+      </p:sp>
+      <p:sp>
+        <p:nvSpPr>
+          <p:cNvPr id="12" name="TextBox 11"/>
+          <p:cNvSpPr txBox="1"/>
+          <p:nvPr/>
+        </p:nvSpPr>
+        <p:spPr>
+          <a:xfrm>
+            <a:off x="1188720" y="5303520"/>
+            <a:ext cx="365760" cy="274320"/>
+          </a:xfrm>
+          <a:prstGeom prst="rect">
+            <a:avLst/>
+          </a:prstGeom>
+          <a:noFill/>
+        </p:spPr>
+        <p:txBody>
+          <a:bodyPr wrap="square">
+            <a:spAutoFit/>
+          </a:bodyPr>
+          <a:lstStyle/>
+          <a:p>
+            <a:pPr algn="l">
+              <a:defRPr sz="1300" b="1">
+                <a:solidFill>
+                  <a:srgbClr val="1E88E5"/>
+                </a:solidFill>
+                <a:latin typeface="Calibri"/>
+              </a:defRPr>
+            </a:pPr>
+            <a:r>
+              <a:t>3.</a:t>
+            </a:r>
+          </a:p>
+        </p:txBody>
+      </p:sp>
+      <p:sp>
+        <p:nvSpPr>
+          <p:cNvPr id="13" name="TextBox 12"/>
+          <p:cNvSpPr txBox="1"/>
+          <p:nvPr/>
+        </p:nvSpPr>
+        <p:spPr>
+          <a:xfrm>
+            <a:off x="1554480" y="5303520"/>
+            <a:ext cx="9144000" cy="274320"/>
+          </a:xfrm>
+          <a:prstGeom prst="rect">
+            <a:avLst/>
+          </a:prstGeom>
+          <a:noFill/>
+        </p:spPr>
+        <p:txBody>
+          <a:bodyPr wrap="square">
+            <a:spAutoFit/>
+          </a:bodyPr>
+          <a:lstStyle/>
+          <a:p>
+            <a:pPr algn="l">
+              <a:defRPr sz="1300" b="0">
+                <a:solidFill>
+                  <a:srgbClr val="424242"/>
+                </a:solidFill>
+                <a:latin typeface="Calibri"/>
+              </a:defRPr>
+            </a:pPr>
+            <a:r>
+              <a:t>The 8% gap between MIQP and Greedy quantifies the surrogate approximation error</a:t>
+            </a:r>
+          </a:p>
+        </p:txBody>
+      </p:sp>
+      <p:sp>
+        <p:nvSpPr>
+          <p:cNvPr id="14" name="TextBox 13"/>
+          <p:cNvSpPr txBox="1"/>
+          <p:nvPr/>
+        </p:nvSpPr>
+        <p:spPr>
+          <a:xfrm>
+            <a:off x="1188720" y="5623559"/>
+            <a:ext cx="365760" cy="274320"/>
+          </a:xfrm>
+          <a:prstGeom prst="rect">
+            <a:avLst/>
+          </a:prstGeom>
+          <a:noFill/>
+        </p:spPr>
+        <p:txBody>
+          <a:bodyPr wrap="square">
+            <a:spAutoFit/>
+          </a:bodyPr>
+          <a:lstStyle/>
+          <a:p>
+            <a:pPr algn="l">
+              <a:defRPr sz="1300" b="1">
+                <a:solidFill>
+                  <a:srgbClr val="1E88E5"/>
+                </a:solidFill>
+                <a:latin typeface="Calibri"/>
+              </a:defRPr>
+            </a:pPr>
+            <a:r>
+              <a:t>4.</a:t>
+            </a:r>
+          </a:p>
+        </p:txBody>
+      </p:sp>
+      <p:sp>
+        <p:nvSpPr>
+          <p:cNvPr id="15" name="TextBox 14"/>
+          <p:cNvSpPr txBox="1"/>
+          <p:nvPr/>
+        </p:nvSpPr>
+        <p:spPr>
+          <a:xfrm>
+            <a:off x="1554480" y="5623559"/>
+            <a:ext cx="9144000" cy="274320"/>
+          </a:xfrm>
+          <a:prstGeom prst="rect">
+            <a:avLst/>
+          </a:prstGeom>
+          <a:noFill/>
+        </p:spPr>
+        <p:txBody>
+          <a:bodyPr wrap="square">
+            <a:spAutoFit/>
+          </a:bodyPr>
+          <a:lstStyle/>
+          <a:p>
+            <a:pPr algn="l">
+              <a:defRPr sz="1300" b="0">
+                <a:solidFill>
+                  <a:srgbClr val="424242"/>
+                </a:solidFill>
+                <a:latin typeface="Calibri"/>
+              </a:defRPr>
+            </a:pPr>
+            <a:r>
+              <a:t>All methods agree on a consensus core of 10-11 high-value sites</a:t>
+            </a:r>
+          </a:p>
+        </p:txBody>
+      </p:sp>
+      <p:sp>
+        <p:nvSpPr>
+          <p:cNvPr id="16" name="TextBox 15"/>
+          <p:cNvSpPr txBox="1"/>
+          <p:nvPr/>
+        </p:nvSpPr>
+        <p:spPr>
+          <a:xfrm>
+            <a:off x="1188720" y="5943600"/>
+            <a:ext cx="365760" cy="274320"/>
+          </a:xfrm>
+          <a:prstGeom prst="rect">
+            <a:avLst/>
+          </a:prstGeom>
+          <a:noFill/>
+        </p:spPr>
+        <p:txBody>
+          <a:bodyPr wrap="square">
+            <a:spAutoFit/>
+          </a:bodyPr>
+          <a:lstStyle/>
+          <a:p>
+            <a:pPr algn="l">
+              <a:defRPr sz="1300" b="1">
+                <a:solidFill>
+                  <a:srgbClr val="1E88E5"/>
+                </a:solidFill>
+                <a:latin typeface="Calibri"/>
+              </a:defRPr>
+            </a:pPr>
+            <a:r>
+              <a:t>5.</a:t>
+            </a:r>
+          </a:p>
+        </p:txBody>
+      </p:sp>
+      <p:sp>
+        <p:nvSpPr>
+          <p:cNvPr id="17" name="TextBox 16"/>
+          <p:cNvSpPr txBox="1"/>
+          <p:nvPr/>
+        </p:nvSpPr>
+        <p:spPr>
+          <a:xfrm>
+            <a:off x="1554480" y="5943600"/>
+            <a:ext cx="9144000" cy="274320"/>
+          </a:xfrm>
+          <a:prstGeom prst="rect">
+            <a:avLst/>
+          </a:prstGeom>
+          <a:noFill/>
+        </p:spPr>
+        <p:txBody>
+          <a:bodyPr wrap="square">
+            <a:spAutoFit/>
+          </a:bodyPr>
+          <a:lstStyle/>
+          <a:p>
+            <a:pPr algn="l">
+              <a:defRPr sz="1300" b="0">
+                <a:solidFill>
+                  <a:srgbClr val="424242"/>
+                </a:solidFill>
+                <a:latin typeface="Calibri"/>
+              </a:defRPr>
+            </a:pPr>
+            <a:r>
+              <a:t>The MIQP framework naturally extends to community fairness and reef sizing constraints</a:t>
             </a:r>
           </a:p>
         </p:txBody>
@@ -4798,7 +6420,7 @@
     <p:bg>
       <p:bgPr>
         <a:solidFill>
-          <a:srgbClr val="1A237E"/>
+          <a:srgbClr val="0D1B2A"/>
         </a:solidFill>
         <a:effectLst/>
       </p:bgPr>
@@ -4812,14 +6434,57 @@
       <p:grpSpPr/>
       <p:sp>
         <p:nvSpPr>
-          <p:cNvPr id="2" name="TextBox 1"/>
+          <p:cNvPr id="2" name="Rectangle 1"/>
+          <p:cNvSpPr/>
+          <p:nvPr/>
+        </p:nvSpPr>
+        <p:spPr>
+          <a:xfrm>
+            <a:off x="0" y="0"/>
+            <a:ext cx="137160" cy="6858000"/>
+          </a:xfrm>
+          <a:prstGeom prst="rect">
+            <a:avLst/>
+          </a:prstGeom>
+          <a:solidFill>
+            <a:srgbClr val="1E88E5"/>
+          </a:solidFill>
+          <a:ln>
+            <a:noFill/>
+          </a:ln>
+        </p:spPr>
+        <p:style>
+          <a:lnRef idx="1">
+            <a:schemeClr val="accent1"/>
+          </a:lnRef>
+          <a:fillRef idx="3">
+            <a:schemeClr val="accent1"/>
+          </a:fillRef>
+          <a:effectRef idx="2">
+            <a:schemeClr val="accent1"/>
+          </a:effectRef>
+          <a:fontRef idx="minor">
+            <a:schemeClr val="lt1"/>
+          </a:fontRef>
+        </p:style>
+        <p:txBody>
+          <a:bodyPr rtlCol="0" anchor="ctr"/>
+          <a:lstStyle/>
+          <a:p>
+            <a:pPr algn="ctr"/>
+          </a:p>
+        </p:txBody>
+      </p:sp>
+      <p:sp>
+        <p:nvSpPr>
+          <p:cNvPr id="3" name="TextBox 2"/>
           <p:cNvSpPr txBox="1"/>
           <p:nvPr/>
         </p:nvSpPr>
         <p:spPr>
           <a:xfrm>
-            <a:off x="457200" y="457200"/>
-            <a:ext cx="8229600" cy="731520"/>
+            <a:off x="1371600" y="457200"/>
+            <a:ext cx="9144000" cy="640080"/>
           </a:xfrm>
           <a:prstGeom prst="rect">
             <a:avLst/>
@@ -4832,12 +6497,12 @@
           </a:bodyPr>
           <a:lstStyle/>
           <a:p>
-            <a:pPr algn="ctr">
-              <a:defRPr sz="3200" b="1">
+            <a:pPr algn="l">
+              <a:defRPr sz="3600" b="1">
                 <a:solidFill>
                   <a:srgbClr val="FFFFFF"/>
                 </a:solidFill>
-                <a:latin typeface="Calibri"/>
+                <a:latin typeface="Calibri Light"/>
               </a:defRPr>
             </a:pPr>
             <a:r>
@@ -4848,14 +6513,102 @@
       </p:sp>
       <p:sp>
         <p:nvSpPr>
-          <p:cNvPr id="3" name="TextBox 2"/>
+          <p:cNvPr id="4" name="Rectangle 3"/>
+          <p:cNvSpPr/>
+          <p:nvPr/>
+        </p:nvSpPr>
+        <p:spPr>
+          <a:xfrm>
+            <a:off x="1371600" y="1051560"/>
+            <a:ext cx="1828800" cy="38100"/>
+          </a:xfrm>
+          <a:prstGeom prst="rect">
+            <a:avLst/>
+          </a:prstGeom>
+          <a:solidFill>
+            <a:srgbClr val="1E88E5"/>
+          </a:solidFill>
+          <a:ln>
+            <a:noFill/>
+          </a:ln>
+        </p:spPr>
+        <p:style>
+          <a:lnRef idx="1">
+            <a:schemeClr val="accent1"/>
+          </a:lnRef>
+          <a:fillRef idx="3">
+            <a:schemeClr val="accent1"/>
+          </a:fillRef>
+          <a:effectRef idx="2">
+            <a:schemeClr val="accent1"/>
+          </a:effectRef>
+          <a:fontRef idx="minor">
+            <a:schemeClr val="lt1"/>
+          </a:fontRef>
+        </p:style>
+        <p:txBody>
+          <a:bodyPr rtlCol="0" anchor="ctr"/>
+          <a:lstStyle/>
+          <a:p>
+            <a:pPr algn="ctr"/>
+          </a:p>
+        </p:txBody>
+      </p:sp>
+      <p:sp>
+        <p:nvSpPr>
+          <p:cNvPr id="5" name="Rounded Rectangle 4"/>
+          <p:cNvSpPr/>
+          <p:nvPr/>
+        </p:nvSpPr>
+        <p:spPr>
+          <a:xfrm>
+            <a:off x="1371600" y="1371600"/>
+            <a:ext cx="9418320" cy="1188720"/>
+          </a:xfrm>
+          <a:prstGeom prst="roundRect">
+            <a:avLst/>
+          </a:prstGeom>
+          <a:solidFill>
+            <a:srgbClr val="1B2A4A"/>
+          </a:solidFill>
+          <a:ln w="12700">
+            <a:solidFill>
+              <a:srgbClr val="2A3F6A"/>
+            </a:solidFill>
+          </a:ln>
+        </p:spPr>
+        <p:style>
+          <a:lnRef idx="1">
+            <a:schemeClr val="accent1"/>
+          </a:lnRef>
+          <a:fillRef idx="3">
+            <a:schemeClr val="accent1"/>
+          </a:fillRef>
+          <a:effectRef idx="2">
+            <a:schemeClr val="accent1"/>
+          </a:effectRef>
+          <a:fontRef idx="minor">
+            <a:schemeClr val="lt1"/>
+          </a:fontRef>
+        </p:style>
+        <p:txBody>
+          <a:bodyPr rtlCol="0" anchor="ctr"/>
+          <a:lstStyle/>
+          <a:p>
+            <a:pPr algn="ctr"/>
+          </a:p>
+        </p:txBody>
+      </p:sp>
+      <p:sp>
+        <p:nvSpPr>
+          <p:cNvPr id="6" name="TextBox 5"/>
           <p:cNvSpPr txBox="1"/>
           <p:nvPr/>
         </p:nvSpPr>
         <p:spPr>
           <a:xfrm>
-            <a:off x="640080" y="1280160"/>
-            <a:ext cx="7772400" cy="5029200"/>
+            <a:off x="1737360" y="1463040"/>
+            <a:ext cx="8686800" cy="320040"/>
           </a:xfrm>
           <a:prstGeom prst="rect">
             <a:avLst/>
@@ -4868,234 +6621,431 @@
           </a:bodyPr>
           <a:lstStyle/>
           <a:p>
-            <a:pPr>
-              <a:spcAft>
-                <a:spcPts val="400"/>
-              </a:spcAft>
-              <a:defRPr sz="1400" b="1">
-                <a:solidFill>
-                  <a:srgbClr val="E3F2FD"/>
+            <a:pPr algn="l">
+              <a:defRPr sz="1600" b="1">
+                <a:solidFill>
+                  <a:srgbClr val="BBDEFB"/>
                 </a:solidFill>
                 <a:latin typeface="Calibri"/>
               </a:defRPr>
             </a:pPr>
             <a:r>
-              <a:t>The MIQP surrogate provides a fast, exact benchmark</a:t>
-            </a:r>
-          </a:p>
-          <a:p>
-            <a:pPr lvl="1">
-              <a:spcAft>
-                <a:spcPts val="400"/>
-              </a:spcAft>
-              <a:defRPr sz="1400" b="0">
-                <a:solidFill>
-                  <a:srgbClr val="E3F2FD"/>
+              <a:t>MIQP surrogate = fast, exact benchmark</a:t>
+            </a:r>
+          </a:p>
+        </p:txBody>
+      </p:sp>
+      <p:sp>
+        <p:nvSpPr>
+          <p:cNvPr id="7" name="TextBox 6"/>
+          <p:cNvSpPr txBox="1"/>
+          <p:nvPr/>
+        </p:nvSpPr>
+        <p:spPr>
+          <a:xfrm>
+            <a:off x="1737360" y="1828800"/>
+            <a:ext cx="8686800" cy="640080"/>
+          </a:xfrm>
+          <a:prstGeom prst="rect">
+            <a:avLst/>
+          </a:prstGeom>
+          <a:noFill/>
+        </p:spPr>
+        <p:txBody>
+          <a:bodyPr wrap="square">
+            <a:spAutoFit/>
+          </a:bodyPr>
+          <a:lstStyle/>
+          <a:p>
+            <a:pPr algn="l">
+              <a:lnSpc>
+                <a:spcPts val="1800"/>
+              </a:lnSpc>
+              <a:defRPr sz="1300" b="0">
+                <a:solidFill>
+                  <a:srgbClr val="B0BEC5"/>
                 </a:solidFill>
                 <a:latin typeface="Calibri"/>
               </a:defRPr>
             </a:pPr>
             <a:r>
-              <a:t>Solves in 0.3s what heuristics need 32 minutes for</a:t>
-            </a:r>
-          </a:p>
-          <a:p>
-            <a:pPr lvl="1">
-              <a:spcAft>
-                <a:spcPts val="400"/>
-              </a:spcAft>
-              <a:defRPr sz="1400" b="0">
-                <a:solidFill>
-                  <a:srgbClr val="E3F2FD"/>
+              <a:t>Solves in 0.3 seconds what heuristics need 32 minutes for.</a:t>
+            </a:r>
+            <a:br/>
+            <a:r>
+              <a:t>Enables rapid exploration of constraints and scenarios.</a:t>
+            </a:r>
+          </a:p>
+        </p:txBody>
+      </p:sp>
+      <p:sp>
+        <p:nvSpPr>
+          <p:cNvPr id="8" name="Rounded Rectangle 7"/>
+          <p:cNvSpPr/>
+          <p:nvPr/>
+        </p:nvSpPr>
+        <p:spPr>
+          <a:xfrm>
+            <a:off x="1371600" y="2697480"/>
+            <a:ext cx="9418320" cy="1188720"/>
+          </a:xfrm>
+          <a:prstGeom prst="roundRect">
+            <a:avLst/>
+          </a:prstGeom>
+          <a:solidFill>
+            <a:srgbClr val="1B2A4A"/>
+          </a:solidFill>
+          <a:ln w="12700">
+            <a:solidFill>
+              <a:srgbClr val="2A3F6A"/>
+            </a:solidFill>
+          </a:ln>
+        </p:spPr>
+        <p:style>
+          <a:lnRef idx="1">
+            <a:schemeClr val="accent1"/>
+          </a:lnRef>
+          <a:fillRef idx="3">
+            <a:schemeClr val="accent1"/>
+          </a:fillRef>
+          <a:effectRef idx="2">
+            <a:schemeClr val="accent1"/>
+          </a:effectRef>
+          <a:fontRef idx="minor">
+            <a:schemeClr val="lt1"/>
+          </a:fontRef>
+        </p:style>
+        <p:txBody>
+          <a:bodyPr rtlCol="0" anchor="ctr"/>
+          <a:lstStyle/>
+          <a:p>
+            <a:pPr algn="ctr"/>
+          </a:p>
+        </p:txBody>
+      </p:sp>
+      <p:sp>
+        <p:nvSpPr>
+          <p:cNvPr id="9" name="TextBox 8"/>
+          <p:cNvSpPr txBox="1"/>
+          <p:nvPr/>
+        </p:nvSpPr>
+        <p:spPr>
+          <a:xfrm>
+            <a:off x="1737360" y="2788920"/>
+            <a:ext cx="8686800" cy="320040"/>
+          </a:xfrm>
+          <a:prstGeom prst="rect">
+            <a:avLst/>
+          </a:prstGeom>
+          <a:noFill/>
+        </p:spPr>
+        <p:txBody>
+          <a:bodyPr wrap="square">
+            <a:spAutoFit/>
+          </a:bodyPr>
+          <a:lstStyle/>
+          <a:p>
+            <a:pPr algn="l">
+              <a:defRPr sz="1600" b="1">
+                <a:solidFill>
+                  <a:srgbClr val="BBDEFB"/>
                 </a:solidFill>
                 <a:latin typeface="Calibri"/>
               </a:defRPr>
             </a:pPr>
             <a:r>
-              <a:t>Enables rapid exploration of constraints and scenarios</a:t>
-            </a:r>
-          </a:p>
-          <a:p>
-            <a:pPr>
-              <a:spcAft>
-                <a:spcPts val="400"/>
-              </a:spcAft>
-              <a:defRPr sz="1400" b="0">
-                <a:solidFill>
-                  <a:srgbClr val="E3F2FD"/>
+              <a:t>Heuristics outperform the surrogate on true ODE</a:t>
+            </a:r>
+          </a:p>
+        </p:txBody>
+      </p:sp>
+      <p:sp>
+        <p:nvSpPr>
+          <p:cNvPr id="10" name="TextBox 9"/>
+          <p:cNvSpPr txBox="1"/>
+          <p:nvPr/>
+        </p:nvSpPr>
+        <p:spPr>
+          <a:xfrm>
+            <a:off x="1737360" y="3154680"/>
+            <a:ext cx="8686800" cy="640080"/>
+          </a:xfrm>
+          <a:prstGeom prst="rect">
+            <a:avLst/>
+          </a:prstGeom>
+          <a:noFill/>
+        </p:spPr>
+        <p:txBody>
+          <a:bodyPr wrap="square">
+            <a:spAutoFit/>
+          </a:bodyPr>
+          <a:lstStyle/>
+          <a:p>
+            <a:pPr algn="l">
+              <a:lnSpc>
+                <a:spcPts val="1800"/>
+              </a:lnSpc>
+              <a:defRPr sz="1300" b="0">
+                <a:solidFill>
+                  <a:srgbClr val="B0BEC5"/>
                 </a:solidFill>
                 <a:latin typeface="Calibri"/>
               </a:defRPr>
             </a:pPr>
-          </a:p>
-          <a:p>
-            <a:pPr>
-              <a:spcAft>
-                <a:spcPts val="400"/>
-              </a:spcAft>
-              <a:defRPr sz="1400" b="1">
-                <a:solidFill>
-                  <a:srgbClr val="E3F2FD"/>
+            <a:r>
+              <a:t>Greedy+Local achieves 8% better ODE score than MIQP.</a:t>
+            </a:r>
+            <a:br/>
+            <a:r>
+              <a:t>The surrogate approximation is the limiting factor, not the solver.</a:t>
+            </a:r>
+          </a:p>
+        </p:txBody>
+      </p:sp>
+      <p:sp>
+        <p:nvSpPr>
+          <p:cNvPr id="11" name="Rounded Rectangle 10"/>
+          <p:cNvSpPr/>
+          <p:nvPr/>
+        </p:nvSpPr>
+        <p:spPr>
+          <a:xfrm>
+            <a:off x="1371600" y="4023360"/>
+            <a:ext cx="9418320" cy="1188720"/>
+          </a:xfrm>
+          <a:prstGeom prst="roundRect">
+            <a:avLst/>
+          </a:prstGeom>
+          <a:solidFill>
+            <a:srgbClr val="1B2A4A"/>
+          </a:solidFill>
+          <a:ln w="12700">
+            <a:solidFill>
+              <a:srgbClr val="2A3F6A"/>
+            </a:solidFill>
+          </a:ln>
+        </p:spPr>
+        <p:style>
+          <a:lnRef idx="1">
+            <a:schemeClr val="accent1"/>
+          </a:lnRef>
+          <a:fillRef idx="3">
+            <a:schemeClr val="accent1"/>
+          </a:fillRef>
+          <a:effectRef idx="2">
+            <a:schemeClr val="accent1"/>
+          </a:effectRef>
+          <a:fontRef idx="minor">
+            <a:schemeClr val="lt1"/>
+          </a:fontRef>
+        </p:style>
+        <p:txBody>
+          <a:bodyPr rtlCol="0" anchor="ctr"/>
+          <a:lstStyle/>
+          <a:p>
+            <a:pPr algn="ctr"/>
+          </a:p>
+        </p:txBody>
+      </p:sp>
+      <p:sp>
+        <p:nvSpPr>
+          <p:cNvPr id="12" name="TextBox 11"/>
+          <p:cNvSpPr txBox="1"/>
+          <p:nvPr/>
+        </p:nvSpPr>
+        <p:spPr>
+          <a:xfrm>
+            <a:off x="1737360" y="4114800"/>
+            <a:ext cx="8686800" cy="320040"/>
+          </a:xfrm>
+          <a:prstGeom prst="rect">
+            <a:avLst/>
+          </a:prstGeom>
+          <a:noFill/>
+        </p:spPr>
+        <p:txBody>
+          <a:bodyPr wrap="square">
+            <a:spAutoFit/>
+          </a:bodyPr>
+          <a:lstStyle/>
+          <a:p>
+            <a:pPr algn="l">
+              <a:defRPr sz="1600" b="1">
+                <a:solidFill>
+                  <a:srgbClr val="BBDEFB"/>
                 </a:solidFill>
                 <a:latin typeface="Calibri"/>
               </a:defRPr>
             </a:pPr>
             <a:r>
-              <a:t>Heuristics outperform the surrogate on the true ODE</a:t>
-            </a:r>
-          </a:p>
-          <a:p>
-            <a:pPr lvl="1">
-              <a:spcAft>
-                <a:spcPts val="400"/>
-              </a:spcAft>
-              <a:defRPr sz="1400" b="0">
-                <a:solidFill>
-                  <a:srgbClr val="E3F2FD"/>
+              <a:t>All methods converge on a consensus core</a:t>
+            </a:r>
+          </a:p>
+        </p:txBody>
+      </p:sp>
+      <p:sp>
+        <p:nvSpPr>
+          <p:cNvPr id="13" name="TextBox 12"/>
+          <p:cNvSpPr txBox="1"/>
+          <p:nvPr/>
+        </p:nvSpPr>
+        <p:spPr>
+          <a:xfrm>
+            <a:off x="1737360" y="4480560"/>
+            <a:ext cx="8686800" cy="640080"/>
+          </a:xfrm>
+          <a:prstGeom prst="rect">
+            <a:avLst/>
+          </a:prstGeom>
+          <a:noFill/>
+        </p:spPr>
+        <p:txBody>
+          <a:bodyPr wrap="square">
+            <a:spAutoFit/>
+          </a:bodyPr>
+          <a:lstStyle/>
+          <a:p>
+            <a:pPr algn="l">
+              <a:lnSpc>
+                <a:spcPts val="1800"/>
+              </a:lnSpc>
+              <a:defRPr sz="1300" b="0">
+                <a:solidFill>
+                  <a:srgbClr val="B0BEC5"/>
                 </a:solidFill>
                 <a:latin typeface="Calibri"/>
               </a:defRPr>
             </a:pPr>
             <a:r>
-              <a:t>Greedy+Local Search achieves 8% better ODE score than MIQP</a:t>
-            </a:r>
-          </a:p>
-          <a:p>
-            <a:pPr lvl="1">
-              <a:spcAft>
-                <a:spcPts val="400"/>
-              </a:spcAft>
-              <a:defRPr sz="1400" b="0">
-                <a:solidFill>
-                  <a:srgbClr val="E3F2FD"/>
+              <a:t>Sites 10, 15, 31, 32, 37, 40, 41, 49, 51, 52, 53</a:t>
+            </a:r>
+            <a:br/>
+            <a:r>
+              <a:t>are robust picks regardless of methodology. These are network hubs.</a:t>
+            </a:r>
+          </a:p>
+        </p:txBody>
+      </p:sp>
+      <p:sp>
+        <p:nvSpPr>
+          <p:cNvPr id="14" name="Rounded Rectangle 13"/>
+          <p:cNvSpPr/>
+          <p:nvPr/>
+        </p:nvSpPr>
+        <p:spPr>
+          <a:xfrm>
+            <a:off x="1371600" y="5349240"/>
+            <a:ext cx="9418320" cy="1188720"/>
+          </a:xfrm>
+          <a:prstGeom prst="roundRect">
+            <a:avLst/>
+          </a:prstGeom>
+          <a:solidFill>
+            <a:srgbClr val="1B2A4A"/>
+          </a:solidFill>
+          <a:ln w="12700">
+            <a:solidFill>
+              <a:srgbClr val="2A3F6A"/>
+            </a:solidFill>
+          </a:ln>
+        </p:spPr>
+        <p:style>
+          <a:lnRef idx="1">
+            <a:schemeClr val="accent1"/>
+          </a:lnRef>
+          <a:fillRef idx="3">
+            <a:schemeClr val="accent1"/>
+          </a:fillRef>
+          <a:effectRef idx="2">
+            <a:schemeClr val="accent1"/>
+          </a:effectRef>
+          <a:fontRef idx="minor">
+            <a:schemeClr val="lt1"/>
+          </a:fontRef>
+        </p:style>
+        <p:txBody>
+          <a:bodyPr rtlCol="0" anchor="ctr"/>
+          <a:lstStyle/>
+          <a:p>
+            <a:pPr algn="ctr"/>
+          </a:p>
+        </p:txBody>
+      </p:sp>
+      <p:sp>
+        <p:nvSpPr>
+          <p:cNvPr id="15" name="TextBox 14"/>
+          <p:cNvSpPr txBox="1"/>
+          <p:nvPr/>
+        </p:nvSpPr>
+        <p:spPr>
+          <a:xfrm>
+            <a:off x="1737360" y="5440679"/>
+            <a:ext cx="8686800" cy="320040"/>
+          </a:xfrm>
+          <a:prstGeom prst="rect">
+            <a:avLst/>
+          </a:prstGeom>
+          <a:noFill/>
+        </p:spPr>
+        <p:txBody>
+          <a:bodyPr wrap="square">
+            <a:spAutoFit/>
+          </a:bodyPr>
+          <a:lstStyle/>
+          <a:p>
+            <a:pPr algn="l">
+              <a:defRPr sz="1600" b="1">
+                <a:solidFill>
+                  <a:srgbClr val="BBDEFB"/>
                 </a:solidFill>
                 <a:latin typeface="Calibri"/>
               </a:defRPr>
             </a:pPr>
             <a:r>
-              <a:t>The surrogate approximation is the limiting factor, not the solver</a:t>
-            </a:r>
-          </a:p>
-          <a:p>
-            <a:pPr>
-              <a:spcAft>
-                <a:spcPts val="400"/>
-              </a:spcAft>
-              <a:defRPr sz="1400" b="0">
-                <a:solidFill>
-                  <a:srgbClr val="E3F2FD"/>
+              <a:t>MIQP framework is extensible to real policy</a:t>
+            </a:r>
+          </a:p>
+        </p:txBody>
+      </p:sp>
+      <p:sp>
+        <p:nvSpPr>
+          <p:cNvPr id="16" name="TextBox 15"/>
+          <p:cNvSpPr txBox="1"/>
+          <p:nvPr/>
+        </p:nvSpPr>
+        <p:spPr>
+          <a:xfrm>
+            <a:off x="1737360" y="5806440"/>
+            <a:ext cx="8686800" cy="640080"/>
+          </a:xfrm>
+          <a:prstGeom prst="rect">
+            <a:avLst/>
+          </a:prstGeom>
+          <a:noFill/>
+        </p:spPr>
+        <p:txBody>
+          <a:bodyPr wrap="square">
+            <a:spAutoFit/>
+          </a:bodyPr>
+          <a:lstStyle/>
+          <a:p>
+            <a:pPr algn="l">
+              <a:lnSpc>
+                <a:spcPts val="1800"/>
+              </a:lnSpc>
+              <a:defRPr sz="1300" b="0">
+                <a:solidFill>
+                  <a:srgbClr val="B0BEC5"/>
                 </a:solidFill>
                 <a:latin typeface="Calibri"/>
               </a:defRPr>
             </a:pPr>
-          </a:p>
-          <a:p>
-            <a:pPr>
-              <a:spcAft>
-                <a:spcPts val="400"/>
-              </a:spcAft>
-              <a:defRPr sz="1400" b="1">
-                <a:solidFill>
-                  <a:srgbClr val="E3F2FD"/>
-                </a:solidFill>
-                <a:latin typeface="Calibri"/>
-              </a:defRPr>
-            </a:pPr>
-            <a:r>
-              <a:t>All methods converge on a consensus core of ~10 sites</a:t>
-            </a:r>
-          </a:p>
-          <a:p>
-            <a:pPr lvl="1">
-              <a:spcAft>
-                <a:spcPts val="400"/>
-              </a:spcAft>
-              <a:defRPr sz="1400" b="0">
-                <a:solidFill>
-                  <a:srgbClr val="E3F2FD"/>
-                </a:solidFill>
-                <a:latin typeface="Calibri"/>
-              </a:defRPr>
-            </a:pPr>
-            <a:r>
-              <a:t>Sites 10, 15, 31, 32, 37, 40, 41, 49, 51, 52, 53 are robust picks</a:t>
-            </a:r>
-          </a:p>
-          <a:p>
-            <a:pPr lvl="1">
-              <a:spcAft>
-                <a:spcPts val="400"/>
-              </a:spcAft>
-              <a:defRPr sz="1400" b="0">
-                <a:solidFill>
-                  <a:srgbClr val="E3F2FD"/>
-                </a:solidFill>
-                <a:latin typeface="Calibri"/>
-              </a:defRPr>
-            </a:pPr>
-            <a:r>
-              <a:t>These are the network hubs with highest centrality metrics</a:t>
-            </a:r>
-          </a:p>
-          <a:p>
-            <a:pPr>
-              <a:spcAft>
-                <a:spcPts val="400"/>
-              </a:spcAft>
-              <a:defRPr sz="1400" b="0">
-                <a:solidFill>
-                  <a:srgbClr val="E3F2FD"/>
-                </a:solidFill>
-                <a:latin typeface="Calibri"/>
-              </a:defRPr>
-            </a:pPr>
-          </a:p>
-          <a:p>
-            <a:pPr>
-              <a:spcAft>
-                <a:spcPts val="400"/>
-              </a:spcAft>
-              <a:defRPr sz="1400" b="1">
-                <a:solidFill>
-                  <a:srgbClr val="E3F2FD"/>
-                </a:solidFill>
-                <a:latin typeface="Calibri"/>
-              </a:defRPr>
-            </a:pPr>
-            <a:r>
-              <a:t>The MIQP framework is extensible to real policy needs</a:t>
-            </a:r>
-          </a:p>
-          <a:p>
-            <a:pPr lvl="1">
-              <a:spcAft>
-                <a:spcPts val="400"/>
-              </a:spcAft>
-              <a:defRPr sz="1400" b="0">
-                <a:solidFill>
-                  <a:srgbClr val="E3F2FD"/>
-                </a:solidFill>
-                <a:latin typeface="Calibri"/>
-              </a:defRPr>
-            </a:pPr>
-            <a:r>
-              <a:t>Community fairness, reef sizing, budget constraints all integrate naturally</a:t>
-            </a:r>
-          </a:p>
-          <a:p>
-            <a:pPr lvl="1">
-              <a:spcAft>
-                <a:spcPts val="400"/>
-              </a:spcAft>
-              <a:defRPr sz="1400" b="0">
-                <a:solidFill>
-                  <a:srgbClr val="E3F2FD"/>
-                </a:solidFill>
-                <a:latin typeface="Calibri"/>
-              </a:defRPr>
-            </a:pPr>
-            <a:r>
-              <a:t>Quantifies the cost of policy: geographic fairness costs ~26% biomass</a:t>
+            <a:r>
+              <a:t>Community fairness, reef sizing, budget constraints integrate naturally.</a:t>
+            </a:r>
+            <a:br/>
+            <a:r>
+              <a:t>Quantifies the cost of policy: geographic fairness costs ~26% biomass.</a:t>
             </a:r>
           </a:p>
         </p:txBody>
@@ -5114,7 +7064,7 @@
     <p:bg>
       <p:bgPr>
         <a:solidFill>
-          <a:srgbClr val="FFFFFF"/>
+          <a:srgbClr val="0D1B2A"/>
         </a:solidFill>
         <a:effectLst/>
       </p:bgPr>
@@ -5128,14 +7078,57 @@
       <p:grpSpPr/>
       <p:sp>
         <p:nvSpPr>
-          <p:cNvPr id="2" name="TextBox 1"/>
+          <p:cNvPr id="2" name="Rectangle 1"/>
+          <p:cNvSpPr/>
+          <p:nvPr/>
+        </p:nvSpPr>
+        <p:spPr>
+          <a:xfrm>
+            <a:off x="0" y="0"/>
+            <a:ext cx="137160" cy="6858000"/>
+          </a:xfrm>
+          <a:prstGeom prst="rect">
+            <a:avLst/>
+          </a:prstGeom>
+          <a:solidFill>
+            <a:srgbClr val="1E88E5"/>
+          </a:solidFill>
+          <a:ln>
+            <a:noFill/>
+          </a:ln>
+        </p:spPr>
+        <p:style>
+          <a:lnRef idx="1">
+            <a:schemeClr val="accent1"/>
+          </a:lnRef>
+          <a:fillRef idx="3">
+            <a:schemeClr val="accent1"/>
+          </a:fillRef>
+          <a:effectRef idx="2">
+            <a:schemeClr val="accent1"/>
+          </a:effectRef>
+          <a:fontRef idx="minor">
+            <a:schemeClr val="lt1"/>
+          </a:fontRef>
+        </p:style>
+        <p:txBody>
+          <a:bodyPr rtlCol="0" anchor="ctr"/>
+          <a:lstStyle/>
+          <a:p>
+            <a:pPr algn="ctr"/>
+          </a:p>
+        </p:txBody>
+      </p:sp>
+      <p:sp>
+        <p:nvSpPr>
+          <p:cNvPr id="3" name="TextBox 2"/>
           <p:cNvSpPr txBox="1"/>
           <p:nvPr/>
         </p:nvSpPr>
         <p:spPr>
           <a:xfrm>
-            <a:off x="457200" y="457200"/>
-            <a:ext cx="8229600" cy="731520"/>
+            <a:off x="1371600" y="1371600"/>
+            <a:ext cx="9601200" cy="914400"/>
           </a:xfrm>
           <a:prstGeom prst="rect">
             <a:avLst/>
@@ -5148,30 +7141,73 @@
           </a:bodyPr>
           <a:lstStyle/>
           <a:p>
-            <a:pPr algn="ctr">
-              <a:defRPr sz="2800" b="1">
-                <a:solidFill>
-                  <a:srgbClr val="1A237E"/>
-                </a:solidFill>
-                <a:latin typeface="Calibri"/>
-              </a:defRPr>
-            </a:pPr>
-            <a:r>
-              <a:t>Future Work &amp; Questions</a:t>
-            </a:r>
-          </a:p>
-        </p:txBody>
-      </p:sp>
-      <p:sp>
-        <p:nvSpPr>
-          <p:cNvPr id="3" name="TextBox 2"/>
+            <a:pPr algn="l">
+              <a:defRPr sz="3200" b="1">
+                <a:solidFill>
+                  <a:srgbClr val="FFFFFF"/>
+                </a:solidFill>
+                <a:latin typeface="Calibri Light"/>
+              </a:defRPr>
+            </a:pPr>
+            <a:r>
+              <a:t>Future Work</a:t>
+            </a:r>
+          </a:p>
+        </p:txBody>
+      </p:sp>
+      <p:sp>
+        <p:nvSpPr>
+          <p:cNvPr id="4" name="Rectangle 3"/>
+          <p:cNvSpPr/>
+          <p:nvPr/>
+        </p:nvSpPr>
+        <p:spPr>
+          <a:xfrm>
+            <a:off x="1371600" y="2011680"/>
+            <a:ext cx="1828800" cy="38100"/>
+          </a:xfrm>
+          <a:prstGeom prst="rect">
+            <a:avLst/>
+          </a:prstGeom>
+          <a:solidFill>
+            <a:srgbClr val="1E88E5"/>
+          </a:solidFill>
+          <a:ln>
+            <a:noFill/>
+          </a:ln>
+        </p:spPr>
+        <p:style>
+          <a:lnRef idx="1">
+            <a:schemeClr val="accent1"/>
+          </a:lnRef>
+          <a:fillRef idx="3">
+            <a:schemeClr val="accent1"/>
+          </a:fillRef>
+          <a:effectRef idx="2">
+            <a:schemeClr val="accent1"/>
+          </a:effectRef>
+          <a:fontRef idx="minor">
+            <a:schemeClr val="lt1"/>
+          </a:fontRef>
+        </p:style>
+        <p:txBody>
+          <a:bodyPr rtlCol="0" anchor="ctr"/>
+          <a:lstStyle/>
+          <a:p>
+            <a:pPr algn="ctr"/>
+          </a:p>
+        </p:txBody>
+      </p:sp>
+      <p:sp>
+        <p:nvSpPr>
+          <p:cNvPr id="5" name="TextBox 4"/>
           <p:cNvSpPr txBox="1"/>
           <p:nvPr/>
         </p:nvSpPr>
         <p:spPr>
           <a:xfrm>
-            <a:off x="640080" y="1371600"/>
-            <a:ext cx="7772400" cy="4114800"/>
+            <a:off x="1645920" y="2286000"/>
+            <a:ext cx="9144000" cy="2743200"/>
           </a:xfrm>
           <a:prstGeom prst="rect">
             <a:avLst/>
@@ -5186,159 +7222,122 @@
           <a:p>
             <a:pPr>
               <a:spcAft>
-                <a:spcPts val="800"/>
+                <a:spcPts val="1400"/>
               </a:spcAft>
-              <a:defRPr sz="1600" b="1">
-                <a:solidFill>
-                  <a:srgbClr val="333333"/>
+              <a:defRPr sz="1500" b="0">
+                <a:solidFill>
+                  <a:srgbClr val="B0BEC5"/>
                 </a:solidFill>
                 <a:latin typeface="Calibri"/>
               </a:defRPr>
             </a:pPr>
             <a:r>
-              <a:t>Improve the surrogate approximation</a:t>
-            </a:r>
-          </a:p>
-          <a:p>
-            <a:pPr lvl="1">
-              <a:spcAft>
-                <a:spcPts val="800"/>
-              </a:spcAft>
-              <a:defRPr sz="1600" b="0">
-                <a:solidFill>
-                  <a:srgbClr val="333333"/>
-                </a:solidFill>
-                <a:latin typeface="Calibri"/>
-              </a:defRPr>
-            </a:pPr>
-            <a:r>
-              <a:t>Better A* estimate (per-site instead of median)</a:t>
-            </a:r>
-          </a:p>
-          <a:p>
-            <a:pPr lvl="1">
-              <a:spcAft>
-                <a:spcPts val="800"/>
-              </a:spcAft>
-              <a:defRPr sz="1600" b="0">
-                <a:solidFill>
-                  <a:srgbClr val="333333"/>
-                </a:solidFill>
-                <a:latin typeface="Calibri"/>
-              </a:defRPr>
-            </a:pPr>
-            <a:r>
-              <a:t>Higher-order terms or piecewise linearization</a:t>
+              <a:t>Improve surrogate approximation (per-site A* instead of median)</a:t>
             </a:r>
           </a:p>
           <a:p>
             <a:pPr>
               <a:spcAft>
-                <a:spcPts val="800"/>
+                <a:spcPts val="1400"/>
               </a:spcAft>
-              <a:defRPr sz="1600" b="1">
-                <a:solidFill>
-                  <a:srgbClr val="333333"/>
+              <a:defRPr sz="1500" b="0">
+                <a:solidFill>
+                  <a:srgbClr val="B0BEC5"/>
                 </a:solidFill>
                 <a:latin typeface="Calibri"/>
               </a:defRPr>
             </a:pPr>
             <a:r>
-              <a:t>Robustness analysis</a:t>
-            </a:r>
-          </a:p>
-          <a:p>
-            <a:pPr lvl="1">
-              <a:spcAft>
-                <a:spcPts val="800"/>
-              </a:spcAft>
-              <a:defRPr sz="1600" b="0">
-                <a:solidFill>
-                  <a:srgbClr val="333333"/>
-                </a:solidFill>
-                <a:latin typeface="Calibri"/>
-              </a:defRPr>
-            </a:pPr>
-            <a:r>
-              <a:t>Test with both connectivity matrices (different tidal conditions)</a:t>
-            </a:r>
-          </a:p>
-          <a:p>
-            <a:pPr lvl="1">
-              <a:spcAft>
-                <a:spcPts val="800"/>
-              </a:spcAft>
-              <a:defRPr sz="1600" b="0">
-                <a:solidFill>
-                  <a:srgbClr val="333333"/>
-                </a:solidFill>
-                <a:latin typeface="Calibri"/>
-              </a:defRPr>
-            </a:pPr>
-            <a:r>
-              <a:t>Sensitivity to P1 scaling factor and P0 mode</a:t>
+              <a:t>Robustness analysis across connectivity matrices and parameters</a:t>
             </a:r>
           </a:p>
           <a:p>
             <a:pPr>
               <a:spcAft>
-                <a:spcPts val="800"/>
+                <a:spcPts val="1400"/>
               </a:spcAft>
-              <a:defRPr sz="1600" b="1">
-                <a:solidFill>
-                  <a:srgbClr val="333333"/>
+              <a:defRPr sz="1500" b="0">
+                <a:solidFill>
+                  <a:srgbClr val="B0BEC5"/>
                 </a:solidFill>
                 <a:latin typeface="Calibri"/>
               </a:defRPr>
             </a:pPr>
             <a:r>
-              <a:t>Scalability</a:t>
-            </a:r>
-          </a:p>
-          <a:p>
-            <a:pPr lvl="1">
+              <a:t>Parallelize ODE evaluations for faster heuristic convergence</a:t>
+            </a:r>
+          </a:p>
+          <a:p>
+            <a:pPr>
               <a:spcAft>
-                <a:spcPts val="800"/>
+                <a:spcPts val="1400"/>
               </a:spcAft>
-              <a:defRPr sz="1600" b="0">
-                <a:solidFill>
-                  <a:srgbClr val="333333"/>
+              <a:defRPr sz="1500" b="0">
+                <a:solidFill>
+                  <a:srgbClr val="B0BEC5"/>
                 </a:solidFill>
                 <a:latin typeface="Calibri"/>
               </a:defRPr>
             </a:pPr>
             <a:r>
-              <a:t>Parallelize ODE evaluations for faster heuristic runs</a:t>
-            </a:r>
-          </a:p>
-          <a:p>
-            <a:pPr lvl="1">
-              <a:spcAft>
-                <a:spcPts val="800"/>
-              </a:spcAft>
-              <a:defRPr sz="1600" b="0">
-                <a:solidFill>
-                  <a:srgbClr val="333333"/>
-                </a:solidFill>
-                <a:latin typeface="Calibri"/>
-              </a:defRPr>
-            </a:pPr>
-            <a:r>
-              <a:t>Extend to larger candidate sets or multi-objective formulations</a:t>
-            </a:r>
-          </a:p>
-        </p:txBody>
-      </p:sp>
-      <p:sp>
-        <p:nvSpPr>
-          <p:cNvPr id="4" name="TextBox 3"/>
+              <a:t>Extend to multi-objective formulations (biomass + biodiversity)</a:t>
+            </a:r>
+          </a:p>
+        </p:txBody>
+      </p:sp>
+      <p:sp>
+        <p:nvSpPr>
+          <p:cNvPr id="6" name="Rectangle 5"/>
+          <p:cNvSpPr/>
+          <p:nvPr/>
+        </p:nvSpPr>
+        <p:spPr>
+          <a:xfrm>
+            <a:off x="1371600" y="4389120"/>
+            <a:ext cx="9418320" cy="12700"/>
+          </a:xfrm>
+          <a:prstGeom prst="rect">
+            <a:avLst/>
+          </a:prstGeom>
+          <a:solidFill>
+            <a:srgbClr val="2A3F6A"/>
+          </a:solidFill>
+          <a:ln>
+            <a:noFill/>
+          </a:ln>
+        </p:spPr>
+        <p:style>
+          <a:lnRef idx="1">
+            <a:schemeClr val="accent1"/>
+          </a:lnRef>
+          <a:fillRef idx="3">
+            <a:schemeClr val="accent1"/>
+          </a:fillRef>
+          <a:effectRef idx="2">
+            <a:schemeClr val="accent1"/>
+          </a:effectRef>
+          <a:fontRef idx="minor">
+            <a:schemeClr val="lt1"/>
+          </a:fontRef>
+        </p:style>
+        <p:txBody>
+          <a:bodyPr rtlCol="0" anchor="ctr"/>
+          <a:lstStyle/>
+          <a:p>
+            <a:pPr algn="ctr"/>
+          </a:p>
+        </p:txBody>
+      </p:sp>
+      <p:sp>
+        <p:nvSpPr>
+          <p:cNvPr id="7" name="TextBox 6"/>
           <p:cNvSpPr txBox="1"/>
           <p:nvPr/>
         </p:nvSpPr>
         <p:spPr>
           <a:xfrm>
-            <a:off x="457200" y="5029200"/>
-            <a:ext cx="8229600" cy="914400"/>
+            <a:off x="1371600" y="4754880"/>
+            <a:ext cx="9601200" cy="914400"/>
           </a:xfrm>
           <a:prstGeom prst="rect">
             <a:avLst/>
@@ -5352,15 +7351,51 @@
           <a:lstStyle/>
           <a:p>
             <a:pPr algn="ctr">
-              <a:defRPr sz="2800" b="1">
-                <a:solidFill>
-                  <a:srgbClr val="1A237E"/>
+              <a:defRPr sz="4000" b="1">
+                <a:solidFill>
+                  <a:srgbClr val="FFFFFF"/>
+                </a:solidFill>
+                <a:latin typeface="Calibri Light"/>
+              </a:defRPr>
+            </a:pPr>
+            <a:r>
+              <a:t>Thank You</a:t>
+            </a:r>
+          </a:p>
+        </p:txBody>
+      </p:sp>
+      <p:sp>
+        <p:nvSpPr>
+          <p:cNvPr id="8" name="TextBox 7"/>
+          <p:cNvSpPr txBox="1"/>
+          <p:nvPr/>
+        </p:nvSpPr>
+        <p:spPr>
+          <a:xfrm>
+            <a:off x="1371600" y="5577840"/>
+            <a:ext cx="9601200" cy="457200"/>
+          </a:xfrm>
+          <a:prstGeom prst="rect">
+            <a:avLst/>
+          </a:prstGeom>
+          <a:noFill/>
+        </p:spPr>
+        <p:txBody>
+          <a:bodyPr wrap="square">
+            <a:spAutoFit/>
+          </a:bodyPr>
+          <a:lstStyle/>
+          <a:p>
+            <a:pPr algn="ctr">
+              <a:defRPr sz="2200" b="0">
+                <a:solidFill>
+                  <a:srgbClr val="BBDEFB"/>
                 </a:solidFill>
                 <a:latin typeface="Calibri"/>
               </a:defRPr>
             </a:pPr>
             <a:r>
-              <a:t>Thank you! Questions?</a:t>
+              <a:t>Questions?</a:t>
             </a:r>
           </a:p>
         </p:txBody>
@@ -5379,7 +7414,7 @@
     <p:bg>
       <p:bgPr>
         <a:solidFill>
-          <a:srgbClr val="FFFFFF"/>
+          <a:srgbClr val="FAFAFA"/>
         </a:solidFill>
         <a:effectLst/>
       </p:bgPr>
@@ -5393,14 +7428,57 @@
       <p:grpSpPr/>
       <p:sp>
         <p:nvSpPr>
-          <p:cNvPr id="2" name="TextBox 1"/>
+          <p:cNvPr id="2" name="Rectangle 1"/>
+          <p:cNvSpPr/>
+          <p:nvPr/>
+        </p:nvSpPr>
+        <p:spPr>
+          <a:xfrm>
+            <a:off x="0" y="0"/>
+            <a:ext cx="12191695" cy="54864"/>
+          </a:xfrm>
+          <a:prstGeom prst="rect">
+            <a:avLst/>
+          </a:prstGeom>
+          <a:solidFill>
+            <a:srgbClr val="1E88E5"/>
+          </a:solidFill>
+          <a:ln>
+            <a:noFill/>
+          </a:ln>
+        </p:spPr>
+        <p:style>
+          <a:lnRef idx="1">
+            <a:schemeClr val="accent1"/>
+          </a:lnRef>
+          <a:fillRef idx="3">
+            <a:schemeClr val="accent1"/>
+          </a:fillRef>
+          <a:effectRef idx="2">
+            <a:schemeClr val="accent1"/>
+          </a:effectRef>
+          <a:fontRef idx="minor">
+            <a:schemeClr val="lt1"/>
+          </a:fontRef>
+        </p:style>
+        <p:txBody>
+          <a:bodyPr rtlCol="0" anchor="ctr"/>
+          <a:lstStyle/>
+          <a:p>
+            <a:pPr algn="ctr"/>
+          </a:p>
+        </p:txBody>
+      </p:sp>
+      <p:sp>
+        <p:nvSpPr>
+          <p:cNvPr id="3" name="TextBox 2"/>
           <p:cNvSpPr txBox="1"/>
           <p:nvPr/>
         </p:nvSpPr>
         <p:spPr>
           <a:xfrm>
-            <a:off x="457200" y="274320"/>
-            <a:ext cx="8229600" cy="548640"/>
+            <a:off x="731520" y="320040"/>
+            <a:ext cx="10515600" cy="640080"/>
           </a:xfrm>
           <a:prstGeom prst="rect">
             <a:avLst/>
@@ -5414,29 +7492,115 @@
           <a:lstStyle/>
           <a:p>
             <a:pPr algn="l">
-              <a:defRPr sz="2800" b="1">
-                <a:solidFill>
-                  <a:srgbClr val="1A237E"/>
-                </a:solidFill>
-                <a:latin typeface="Calibri"/>
-              </a:defRPr>
-            </a:pPr>
-            <a:r>
-              <a:t>The Problem: Oyster Reef Restoration</a:t>
-            </a:r>
-          </a:p>
-        </p:txBody>
-      </p:sp>
-      <p:sp>
-        <p:nvSpPr>
-          <p:cNvPr id="3" name="TextBox 2"/>
+              <a:defRPr sz="3000" b="1">
+                <a:solidFill>
+                  <a:srgbClr val="0D1B2A"/>
+                </a:solidFill>
+                <a:latin typeface="Calibri Light"/>
+              </a:defRPr>
+            </a:pPr>
+            <a:r>
+              <a:t>The Problem</a:t>
+            </a:r>
+          </a:p>
+        </p:txBody>
+      </p:sp>
+      <p:sp>
+        <p:nvSpPr>
+          <p:cNvPr id="4" name="Rectangle 3"/>
+          <p:cNvSpPr/>
+          <p:nvPr/>
+        </p:nvSpPr>
+        <p:spPr>
+          <a:xfrm>
+            <a:off x="731520" y="868680"/>
+            <a:ext cx="1645920" cy="38100"/>
+          </a:xfrm>
+          <a:prstGeom prst="rect">
+            <a:avLst/>
+          </a:prstGeom>
+          <a:solidFill>
+            <a:srgbClr val="1E88E5"/>
+          </a:solidFill>
+          <a:ln>
+            <a:noFill/>
+          </a:ln>
+        </p:spPr>
+        <p:style>
+          <a:lnRef idx="1">
+            <a:schemeClr val="accent1"/>
+          </a:lnRef>
+          <a:fillRef idx="3">
+            <a:schemeClr val="accent1"/>
+          </a:fillRef>
+          <a:effectRef idx="2">
+            <a:schemeClr val="accent1"/>
+          </a:effectRef>
+          <a:fontRef idx="minor">
+            <a:schemeClr val="lt1"/>
+          </a:fontRef>
+        </p:style>
+        <p:txBody>
+          <a:bodyPr rtlCol="0" anchor="ctr"/>
+          <a:lstStyle/>
+          <a:p>
+            <a:pPr algn="ctr"/>
+          </a:p>
+        </p:txBody>
+      </p:sp>
+      <p:sp>
+        <p:nvSpPr>
+          <p:cNvPr id="5" name="Rounded Rectangle 4"/>
+          <p:cNvSpPr/>
+          <p:nvPr/>
+        </p:nvSpPr>
+        <p:spPr>
+          <a:xfrm>
+            <a:off x="731520" y="1371600"/>
+            <a:ext cx="3291840" cy="1463040"/>
+          </a:xfrm>
+          <a:prstGeom prst="roundRect">
+            <a:avLst/>
+          </a:prstGeom>
+          <a:solidFill>
+            <a:srgbClr val="FFEBEE"/>
+          </a:solidFill>
+          <a:ln>
+            <a:noFill/>
+          </a:ln>
+        </p:spPr>
+        <p:style>
+          <a:lnRef idx="1">
+            <a:schemeClr val="accent1"/>
+          </a:lnRef>
+          <a:fillRef idx="3">
+            <a:schemeClr val="accent1"/>
+          </a:fillRef>
+          <a:effectRef idx="2">
+            <a:schemeClr val="accent1"/>
+          </a:effectRef>
+          <a:fontRef idx="minor">
+            <a:schemeClr val="lt1"/>
+          </a:fontRef>
+        </p:style>
+        <p:txBody>
+          <a:bodyPr rtlCol="0" anchor="ctr"/>
+          <a:lstStyle/>
+          <a:p>
+            <a:pPr algn="ctr"/>
+          </a:p>
+        </p:txBody>
+      </p:sp>
+      <p:sp>
+        <p:nvSpPr>
+          <p:cNvPr id="6" name="TextBox 5"/>
           <p:cNvSpPr txBox="1"/>
           <p:nvPr/>
         </p:nvSpPr>
         <p:spPr>
           <a:xfrm>
-            <a:off x="640080" y="1005840"/>
-            <a:ext cx="7772400" cy="5029200"/>
+            <a:off x="1005840" y="1508760"/>
+            <a:ext cx="2743200" cy="548640"/>
           </a:xfrm>
           <a:prstGeom prst="rect">
             <a:avLst/>
@@ -5449,163 +7613,465 @@
           </a:bodyPr>
           <a:lstStyle/>
           <a:p>
-            <a:pPr>
-              <a:spcAft>
-                <a:spcPts val="800"/>
-              </a:spcAft>
-              <a:defRPr sz="1600" b="1">
-                <a:solidFill>
-                  <a:srgbClr val="333333"/>
+            <a:pPr algn="ctr">
+              <a:defRPr sz="4800" b="1">
+                <a:solidFill>
+                  <a:srgbClr val="C62828"/>
                 </a:solidFill>
                 <a:latin typeface="Calibri"/>
               </a:defRPr>
             </a:pPr>
             <a:r>
-              <a:t>Chesapeake Bay has lost ~99% of its oyster population</a:t>
-            </a:r>
-          </a:p>
-          <a:p>
-            <a:pPr lvl="1">
-              <a:spcAft>
-                <a:spcPts val="800"/>
-              </a:spcAft>
-              <a:defRPr sz="1600" b="0">
-                <a:solidFill>
-                  <a:srgbClr val="333333"/>
+              <a:t>99%</a:t>
+            </a:r>
+          </a:p>
+        </p:txBody>
+      </p:sp>
+      <p:sp>
+        <p:nvSpPr>
+          <p:cNvPr id="7" name="TextBox 6"/>
+          <p:cNvSpPr txBox="1"/>
+          <p:nvPr/>
+        </p:nvSpPr>
+        <p:spPr>
+          <a:xfrm>
+            <a:off x="1005840" y="2148840"/>
+            <a:ext cx="2743200" cy="457200"/>
+          </a:xfrm>
+          <a:prstGeom prst="rect">
+            <a:avLst/>
+          </a:prstGeom>
+          <a:noFill/>
+        </p:spPr>
+        <p:txBody>
+          <a:bodyPr wrap="square">
+            <a:spAutoFit/>
+          </a:bodyPr>
+          <a:lstStyle/>
+          <a:p>
+            <a:pPr algn="ctr">
+              <a:defRPr sz="1300" b="0">
+                <a:solidFill>
+                  <a:srgbClr val="424242"/>
                 </a:solidFill>
                 <a:latin typeface="Calibri"/>
               </a:defRPr>
             </a:pPr>
             <a:r>
-              <a:t>From ~10 billion to fewer than 100 million</a:t>
-            </a:r>
-          </a:p>
-          <a:p>
-            <a:pPr>
-              <a:spcAft>
-                <a:spcPts val="800"/>
-              </a:spcAft>
-              <a:defRPr sz="1600" b="1">
-                <a:solidFill>
-                  <a:srgbClr val="333333"/>
+              <a:t>of Chesapeake Bay oysters lost</a:t>
+            </a:r>
+            <a:br/>
+            <a:r>
+              <a:t>10 billion  -&gt;  &lt; 100 million</a:t>
+            </a:r>
+          </a:p>
+        </p:txBody>
+      </p:sp>
+      <p:sp>
+        <p:nvSpPr>
+          <p:cNvPr id="8" name="Rounded Rectangle 7"/>
+          <p:cNvSpPr/>
+          <p:nvPr/>
+        </p:nvSpPr>
+        <p:spPr>
+          <a:xfrm>
+            <a:off x="4389120" y="1371600"/>
+            <a:ext cx="3291840" cy="1463040"/>
+          </a:xfrm>
+          <a:prstGeom prst="roundRect">
+            <a:avLst/>
+          </a:prstGeom>
+          <a:solidFill>
+            <a:srgbClr val="E3F2FD"/>
+          </a:solidFill>
+          <a:ln>
+            <a:noFill/>
+          </a:ln>
+        </p:spPr>
+        <p:style>
+          <a:lnRef idx="1">
+            <a:schemeClr val="accent1"/>
+          </a:lnRef>
+          <a:fillRef idx="3">
+            <a:schemeClr val="accent1"/>
+          </a:fillRef>
+          <a:effectRef idx="2">
+            <a:schemeClr val="accent1"/>
+          </a:effectRef>
+          <a:fontRef idx="minor">
+            <a:schemeClr val="lt1"/>
+          </a:fontRef>
+        </p:style>
+        <p:txBody>
+          <a:bodyPr rtlCol="0" anchor="ctr"/>
+          <a:lstStyle/>
+          <a:p>
+            <a:pPr algn="ctr"/>
+          </a:p>
+        </p:txBody>
+      </p:sp>
+      <p:sp>
+        <p:nvSpPr>
+          <p:cNvPr id="9" name="TextBox 8"/>
+          <p:cNvSpPr txBox="1"/>
+          <p:nvPr/>
+        </p:nvSpPr>
+        <p:spPr>
+          <a:xfrm>
+            <a:off x="4663440" y="1508760"/>
+            <a:ext cx="2743200" cy="548640"/>
+          </a:xfrm>
+          <a:prstGeom prst="rect">
+            <a:avLst/>
+          </a:prstGeom>
+          <a:noFill/>
+        </p:spPr>
+        <p:txBody>
+          <a:bodyPr wrap="square">
+            <a:spAutoFit/>
+          </a:bodyPr>
+          <a:lstStyle/>
+          <a:p>
+            <a:pPr algn="ctr">
+              <a:defRPr sz="4800" b="1">
+                <a:solidFill>
+                  <a:srgbClr val="1B2A4A"/>
                 </a:solidFill>
                 <a:latin typeface="Calibri"/>
               </a:defRPr>
             </a:pPr>
             <a:r>
-              <a:t>Restoration is expensive and resource-constrained</a:t>
-            </a:r>
-          </a:p>
-          <a:p>
-            <a:pPr lvl="1">
-              <a:spcAft>
-                <a:spcPts val="800"/>
-              </a:spcAft>
-              <a:defRPr sz="1600" b="0">
-                <a:solidFill>
-                  <a:srgbClr val="333333"/>
+              <a:t>25 / 48</a:t>
+            </a:r>
+          </a:p>
+        </p:txBody>
+      </p:sp>
+      <p:sp>
+        <p:nvSpPr>
+          <p:cNvPr id="10" name="TextBox 9"/>
+          <p:cNvSpPr txBox="1"/>
+          <p:nvPr/>
+        </p:nvSpPr>
+        <p:spPr>
+          <a:xfrm>
+            <a:off x="4663440" y="2148840"/>
+            <a:ext cx="2743200" cy="457200"/>
+          </a:xfrm>
+          <a:prstGeom prst="rect">
+            <a:avLst/>
+          </a:prstGeom>
+          <a:noFill/>
+        </p:spPr>
+        <p:txBody>
+          <a:bodyPr wrap="square">
+            <a:spAutoFit/>
+          </a:bodyPr>
+          <a:lstStyle/>
+          <a:p>
+            <a:pPr algn="ctr">
+              <a:defRPr sz="1300" b="0">
+                <a:solidFill>
+                  <a:srgbClr val="424242"/>
                 </a:solidFill>
                 <a:latin typeface="Calibri"/>
               </a:defRPr>
             </a:pPr>
             <a:r>
-              <a:t>We can only restore 25 of 48 candidate reef sites</a:t>
-            </a:r>
-          </a:p>
-          <a:p>
-            <a:pPr>
-              <a:spcAft>
-                <a:spcPts val="800"/>
-              </a:spcAft>
-              <a:defRPr sz="1600" b="1">
-                <a:solidFill>
-                  <a:srgbClr val="333333"/>
+              <a:t>sites we can restore</a:t>
+            </a:r>
+            <a:br/>
+            <a:r>
+              <a:t>out of 48 candidates</a:t>
+            </a:r>
+          </a:p>
+        </p:txBody>
+      </p:sp>
+      <p:sp>
+        <p:nvSpPr>
+          <p:cNvPr id="11" name="Rounded Rectangle 10"/>
+          <p:cNvSpPr/>
+          <p:nvPr/>
+        </p:nvSpPr>
+        <p:spPr>
+          <a:xfrm>
+            <a:off x="8046720" y="1371600"/>
+            <a:ext cx="3291840" cy="1463040"/>
+          </a:xfrm>
+          <a:prstGeom prst="roundRect">
+            <a:avLst/>
+          </a:prstGeom>
+          <a:solidFill>
+            <a:srgbClr val="E8F5E9"/>
+          </a:solidFill>
+          <a:ln>
+            <a:noFill/>
+          </a:ln>
+        </p:spPr>
+        <p:style>
+          <a:lnRef idx="1">
+            <a:schemeClr val="accent1"/>
+          </a:lnRef>
+          <a:fillRef idx="3">
+            <a:schemeClr val="accent1"/>
+          </a:fillRef>
+          <a:effectRef idx="2">
+            <a:schemeClr val="accent1"/>
+          </a:effectRef>
+          <a:fontRef idx="minor">
+            <a:schemeClr val="lt1"/>
+          </a:fontRef>
+        </p:style>
+        <p:txBody>
+          <a:bodyPr rtlCol="0" anchor="ctr"/>
+          <a:lstStyle/>
+          <a:p>
+            <a:pPr algn="ctr"/>
+          </a:p>
+        </p:txBody>
+      </p:sp>
+      <p:sp>
+        <p:nvSpPr>
+          <p:cNvPr id="12" name="TextBox 11"/>
+          <p:cNvSpPr txBox="1"/>
+          <p:nvPr/>
+        </p:nvSpPr>
+        <p:spPr>
+          <a:xfrm>
+            <a:off x="8321040" y="1508760"/>
+            <a:ext cx="2743200" cy="548640"/>
+          </a:xfrm>
+          <a:prstGeom prst="rect">
+            <a:avLst/>
+          </a:prstGeom>
+          <a:noFill/>
+        </p:spPr>
+        <p:txBody>
+          <a:bodyPr wrap="square">
+            <a:spAutoFit/>
+          </a:bodyPr>
+          <a:lstStyle/>
+          <a:p>
+            <a:pPr algn="ctr">
+              <a:defRPr sz="4800" b="1">
+                <a:solidFill>
+                  <a:srgbClr val="2E7D32"/>
                 </a:solidFill>
                 <a:latin typeface="Calibri"/>
               </a:defRPr>
             </a:pPr>
             <a:r>
-              <a:t>Key question:</a:t>
-            </a:r>
-          </a:p>
-          <a:p>
-            <a:pPr lvl="1">
-              <a:spcAft>
-                <a:spcPts val="800"/>
-              </a:spcAft>
-              <a:defRPr sz="1600" b="0">
-                <a:solidFill>
-                  <a:srgbClr val="333333"/>
+              <a:t>1.4T</a:t>
+            </a:r>
+          </a:p>
+        </p:txBody>
+      </p:sp>
+      <p:sp>
+        <p:nvSpPr>
+          <p:cNvPr id="13" name="TextBox 12"/>
+          <p:cNvSpPr txBox="1"/>
+          <p:nvPr/>
+        </p:nvSpPr>
+        <p:spPr>
+          <a:xfrm>
+            <a:off x="8321040" y="2148840"/>
+            <a:ext cx="2743200" cy="457200"/>
+          </a:xfrm>
+          <a:prstGeom prst="rect">
+            <a:avLst/>
+          </a:prstGeom>
+          <a:noFill/>
+        </p:spPr>
+        <p:txBody>
+          <a:bodyPr wrap="square">
+            <a:spAutoFit/>
+          </a:bodyPr>
+          <a:lstStyle/>
+          <a:p>
+            <a:pPr algn="ctr">
+              <a:defRPr sz="1300" b="0">
+                <a:solidFill>
+                  <a:srgbClr val="424242"/>
                 </a:solidFill>
                 <a:latin typeface="Calibri"/>
               </a:defRPr>
             </a:pPr>
             <a:r>
-              <a:t>Which 25 sites maximize total adult oyster biomass,</a:t>
-            </a:r>
-          </a:p>
-          <a:p>
-            <a:pPr lvl="1">
-              <a:spcAft>
-                <a:spcPts val="800"/>
-              </a:spcAft>
-              <a:defRPr sz="1600" b="0">
-                <a:solidFill>
-                  <a:srgbClr val="333333"/>
+              <a:t>possible combinations</a:t>
+            </a:r>
+            <a:br/>
+            <a:r>
+              <a:t>C(48, 25) - brute force impossible</a:t>
+            </a:r>
+          </a:p>
+        </p:txBody>
+      </p:sp>
+      <p:sp>
+        <p:nvSpPr>
+          <p:cNvPr id="14" name="Rounded Rectangle 13"/>
+          <p:cNvSpPr/>
+          <p:nvPr/>
+        </p:nvSpPr>
+        <p:spPr>
+          <a:xfrm>
+            <a:off x="731520" y="3291840"/>
+            <a:ext cx="10698480" cy="1645920"/>
+          </a:xfrm>
+          <a:prstGeom prst="roundRect">
+            <a:avLst/>
+          </a:prstGeom>
+          <a:solidFill>
+            <a:srgbClr val="FFFFFF"/>
+          </a:solidFill>
+          <a:ln w="12700">
+            <a:solidFill>
+              <a:srgbClr val="1E88E5"/>
+            </a:solidFill>
+          </a:ln>
+        </p:spPr>
+        <p:style>
+          <a:lnRef idx="1">
+            <a:schemeClr val="accent1"/>
+          </a:lnRef>
+          <a:fillRef idx="3">
+            <a:schemeClr val="accent1"/>
+          </a:fillRef>
+          <a:effectRef idx="2">
+            <a:schemeClr val="accent1"/>
+          </a:effectRef>
+          <a:fontRef idx="minor">
+            <a:schemeClr val="lt1"/>
+          </a:fontRef>
+        </p:style>
+        <p:txBody>
+          <a:bodyPr rtlCol="0" anchor="ctr"/>
+          <a:lstStyle/>
+          <a:p>
+            <a:pPr algn="ctr"/>
+          </a:p>
+        </p:txBody>
+      </p:sp>
+      <p:sp>
+        <p:nvSpPr>
+          <p:cNvPr id="15" name="TextBox 14"/>
+          <p:cNvSpPr txBox="1"/>
+          <p:nvPr/>
+        </p:nvSpPr>
+        <p:spPr>
+          <a:xfrm>
+            <a:off x="1097280" y="3429000"/>
+            <a:ext cx="10058400" cy="457200"/>
+          </a:xfrm>
+          <a:prstGeom prst="rect">
+            <a:avLst/>
+          </a:prstGeom>
+          <a:noFill/>
+        </p:spPr>
+        <p:txBody>
+          <a:bodyPr wrap="square">
+            <a:spAutoFit/>
+          </a:bodyPr>
+          <a:lstStyle/>
+          <a:p>
+            <a:pPr algn="l">
+              <a:defRPr sz="2000" b="1">
+                <a:solidFill>
+                  <a:srgbClr val="0D1B2A"/>
                 </a:solidFill>
                 <a:latin typeface="Calibri"/>
               </a:defRPr>
             </a:pPr>
             <a:r>
-              <a:t>given the larval connectivity network between reefs?</a:t>
-            </a:r>
-          </a:p>
-          <a:p>
-            <a:pPr>
-              <a:spcAft>
-                <a:spcPts val="800"/>
-              </a:spcAft>
-              <a:defRPr sz="1600" b="1">
-                <a:solidFill>
-                  <a:srgbClr val="333333"/>
+              <a:t>The Optimization Question</a:t>
+            </a:r>
+          </a:p>
+        </p:txBody>
+      </p:sp>
+      <p:sp>
+        <p:nvSpPr>
+          <p:cNvPr id="16" name="TextBox 15"/>
+          <p:cNvSpPr txBox="1"/>
+          <p:nvPr/>
+        </p:nvSpPr>
+        <p:spPr>
+          <a:xfrm>
+            <a:off x="1097280" y="3931920"/>
+            <a:ext cx="10058400" cy="822960"/>
+          </a:xfrm>
+          <a:prstGeom prst="rect">
+            <a:avLst/>
+          </a:prstGeom>
+          <a:noFill/>
+        </p:spPr>
+        <p:txBody>
+          <a:bodyPr wrap="square">
+            <a:spAutoFit/>
+          </a:bodyPr>
+          <a:lstStyle/>
+          <a:p>
+            <a:pPr algn="l">
+              <a:lnSpc>
+                <a:spcPts val="2400"/>
+              </a:lnSpc>
+              <a:defRPr sz="1700" b="0">
+                <a:solidFill>
+                  <a:srgbClr val="424242"/>
                 </a:solidFill>
                 <a:latin typeface="Calibri"/>
               </a:defRPr>
             </a:pPr>
             <a:r>
-              <a:t>This is a combinatorial optimization problem</a:t>
-            </a:r>
-          </a:p>
-          <a:p>
-            <a:pPr lvl="1">
-              <a:spcAft>
-                <a:spcPts val="800"/>
-              </a:spcAft>
-              <a:defRPr sz="1600" b="0">
-                <a:solidFill>
-                  <a:srgbClr val="333333"/>
+              <a:t>Which 25 reef sites should be restored to maximize total adult oyster biomass,</a:t>
+            </a:r>
+            <a:br/>
+            <a:r>
+              <a:t>given the larval connectivity network between sites?</a:t>
+            </a:r>
+          </a:p>
+        </p:txBody>
+      </p:sp>
+      <p:sp>
+        <p:nvSpPr>
+          <p:cNvPr id="17" name="TextBox 16"/>
+          <p:cNvSpPr txBox="1"/>
+          <p:nvPr/>
+        </p:nvSpPr>
+        <p:spPr>
+          <a:xfrm>
+            <a:off x="731520" y="5212080"/>
+            <a:ext cx="10698480" cy="1097280"/>
+          </a:xfrm>
+          <a:prstGeom prst="rect">
+            <a:avLst/>
+          </a:prstGeom>
+          <a:noFill/>
+        </p:spPr>
+        <p:txBody>
+          <a:bodyPr wrap="square">
+            <a:spAutoFit/>
+          </a:bodyPr>
+          <a:lstStyle/>
+          <a:p>
+            <a:pPr algn="l">
+              <a:lnSpc>
+                <a:spcPts val="2000"/>
+              </a:lnSpc>
+              <a:defRPr sz="1400" b="0">
+                <a:solidFill>
+                  <a:srgbClr val="757575"/>
                 </a:solidFill>
                 <a:latin typeface="Calibri"/>
               </a:defRPr>
             </a:pPr>
             <a:r>
-              <a:t>C(48, 25) = 1.4 trillion possible selections</a:t>
-            </a:r>
-          </a:p>
-          <a:p>
-            <a:pPr lvl="1">
-              <a:spcAft>
-                <a:spcPts val="800"/>
-              </a:spcAft>
-              <a:defRPr sz="1600" b="0">
-                <a:solidFill>
-                  <a:srgbClr val="333333"/>
-                </a:solidFill>
-                <a:latin typeface="Calibri"/>
-              </a:defRPr>
-            </a:pPr>
-            <a:r>
-              <a:t>Brute force is impossible - need smart algorithms</a:t>
+              <a:t>Challenge: Each site's value depends on which other sites are also restored.</a:t>
+            </a:r>
+            <a:br/>
+            <a:r>
+              <a:t>Larvae flow between reefs through ocean currents, creating network effects</a:t>
+            </a:r>
+            <a:br/>
+            <a:r>
+              <a:t>that make this a nonlinear combinatorial problem.</a:t>
             </a:r>
           </a:p>
         </p:txBody>
@@ -5624,7 +8090,7 @@
     <p:bg>
       <p:bgPr>
         <a:solidFill>
-          <a:srgbClr val="FFFFFF"/>
+          <a:srgbClr val="FAFAFA"/>
         </a:solidFill>
         <a:effectLst/>
       </p:bgPr>
@@ -5638,14 +8104,57 @@
       <p:grpSpPr/>
       <p:sp>
         <p:nvSpPr>
-          <p:cNvPr id="2" name="TextBox 1"/>
+          <p:cNvPr id="2" name="Rectangle 1"/>
+          <p:cNvSpPr/>
+          <p:nvPr/>
+        </p:nvSpPr>
+        <p:spPr>
+          <a:xfrm>
+            <a:off x="0" y="0"/>
+            <a:ext cx="12191695" cy="54864"/>
+          </a:xfrm>
+          <a:prstGeom prst="rect">
+            <a:avLst/>
+          </a:prstGeom>
+          <a:solidFill>
+            <a:srgbClr val="1E88E5"/>
+          </a:solidFill>
+          <a:ln>
+            <a:noFill/>
+          </a:ln>
+        </p:spPr>
+        <p:style>
+          <a:lnRef idx="1">
+            <a:schemeClr val="accent1"/>
+          </a:lnRef>
+          <a:fillRef idx="3">
+            <a:schemeClr val="accent1"/>
+          </a:fillRef>
+          <a:effectRef idx="2">
+            <a:schemeClr val="accent1"/>
+          </a:effectRef>
+          <a:fontRef idx="minor">
+            <a:schemeClr val="lt1"/>
+          </a:fontRef>
+        </p:style>
+        <p:txBody>
+          <a:bodyPr rtlCol="0" anchor="ctr"/>
+          <a:lstStyle/>
+          <a:p>
+            <a:pPr algn="ctr"/>
+          </a:p>
+        </p:txBody>
+      </p:sp>
+      <p:sp>
+        <p:nvSpPr>
+          <p:cNvPr id="3" name="TextBox 2"/>
           <p:cNvSpPr txBox="1"/>
           <p:nvPr/>
         </p:nvSpPr>
         <p:spPr>
           <a:xfrm>
-            <a:off x="457200" y="274320"/>
-            <a:ext cx="8229600" cy="548640"/>
+            <a:off x="731520" y="320040"/>
+            <a:ext cx="10515600" cy="640080"/>
           </a:xfrm>
           <a:prstGeom prst="rect">
             <a:avLst/>
@@ -5659,29 +8168,72 @@
           <a:lstStyle/>
           <a:p>
             <a:pPr algn="l">
-              <a:defRPr sz="2600" b="1">
-                <a:solidFill>
-                  <a:srgbClr val="1A237E"/>
-                </a:solidFill>
-                <a:latin typeface="Calibri"/>
-              </a:defRPr>
-            </a:pPr>
-            <a:r>
-              <a:t>The Biological Model: JARS ODE (Provided by Dr. Shaw)</a:t>
-            </a:r>
-          </a:p>
-        </p:txBody>
-      </p:sp>
-      <p:sp>
-        <p:nvSpPr>
-          <p:cNvPr id="3" name="TextBox 2"/>
+              <a:defRPr sz="3000" b="1">
+                <a:solidFill>
+                  <a:srgbClr val="0D1B2A"/>
+                </a:solidFill>
+                <a:latin typeface="Calibri Light"/>
+              </a:defRPr>
+            </a:pPr>
+            <a:r>
+              <a:t>The Biological Model</a:t>
+            </a:r>
+          </a:p>
+        </p:txBody>
+      </p:sp>
+      <p:sp>
+        <p:nvSpPr>
+          <p:cNvPr id="4" name="Rectangle 3"/>
+          <p:cNvSpPr/>
+          <p:nvPr/>
+        </p:nvSpPr>
+        <p:spPr>
+          <a:xfrm>
+            <a:off x="731520" y="868680"/>
+            <a:ext cx="1645920" cy="38100"/>
+          </a:xfrm>
+          <a:prstGeom prst="rect">
+            <a:avLst/>
+          </a:prstGeom>
+          <a:solidFill>
+            <a:srgbClr val="1E88E5"/>
+          </a:solidFill>
+          <a:ln>
+            <a:noFill/>
+          </a:ln>
+        </p:spPr>
+        <p:style>
+          <a:lnRef idx="1">
+            <a:schemeClr val="accent1"/>
+          </a:lnRef>
+          <a:fillRef idx="3">
+            <a:schemeClr val="accent1"/>
+          </a:fillRef>
+          <a:effectRef idx="2">
+            <a:schemeClr val="accent1"/>
+          </a:effectRef>
+          <a:fontRef idx="minor">
+            <a:schemeClr val="lt1"/>
+          </a:fontRef>
+        </p:style>
+        <p:txBody>
+          <a:bodyPr rtlCol="0" anchor="ctr"/>
+          <a:lstStyle/>
+          <a:p>
+            <a:pPr algn="ctr"/>
+          </a:p>
+        </p:txBody>
+      </p:sp>
+      <p:sp>
+        <p:nvSpPr>
+          <p:cNvPr id="5" name="TextBox 4"/>
           <p:cNvSpPr txBox="1"/>
           <p:nvPr/>
         </p:nvSpPr>
         <p:spPr>
           <a:xfrm>
-            <a:off x="457200" y="1005840"/>
-            <a:ext cx="8229600" cy="5029200"/>
+            <a:off x="731520" y="960120"/>
+            <a:ext cx="10515600" cy="365760"/>
           </a:xfrm>
           <a:prstGeom prst="rect">
             <a:avLst/>
@@ -5694,163 +8246,1004 @@
           </a:bodyPr>
           <a:lstStyle/>
           <a:p>
+            <a:pPr algn="l">
+              <a:defRPr sz="1400" b="0">
+                <a:solidFill>
+                  <a:srgbClr val="757575"/>
+                </a:solidFill>
+                <a:latin typeface="Calibri"/>
+              </a:defRPr>
+            </a:pPr>
+            <a:r>
+              <a:t>JARS ODE System  |  Provided by Dr. Leah Shaw</a:t>
+            </a:r>
+          </a:p>
+        </p:txBody>
+      </p:sp>
+      <p:sp>
+        <p:nvSpPr>
+          <p:cNvPr id="6" name="Rounded Rectangle 5"/>
+          <p:cNvSpPr/>
+          <p:nvPr/>
+        </p:nvSpPr>
+        <p:spPr>
+          <a:xfrm>
+            <a:off x="731520" y="1371600"/>
+            <a:ext cx="2468880" cy="1645920"/>
+          </a:xfrm>
+          <a:prstGeom prst="roundRect">
+            <a:avLst/>
+          </a:prstGeom>
+          <a:solidFill>
+            <a:srgbClr val="E3F2FD"/>
+          </a:solidFill>
+          <a:ln>
+            <a:noFill/>
+          </a:ln>
+        </p:spPr>
+        <p:style>
+          <a:lnRef idx="1">
+            <a:schemeClr val="accent1"/>
+          </a:lnRef>
+          <a:fillRef idx="3">
+            <a:schemeClr val="accent1"/>
+          </a:fillRef>
+          <a:effectRef idx="2">
+            <a:schemeClr val="accent1"/>
+          </a:effectRef>
+          <a:fontRef idx="minor">
+            <a:schemeClr val="lt1"/>
+          </a:fontRef>
+        </p:style>
+        <p:txBody>
+          <a:bodyPr rtlCol="0" anchor="ctr"/>
+          <a:lstStyle/>
+          <a:p>
+            <a:pPr algn="ctr"/>
+          </a:p>
+        </p:txBody>
+      </p:sp>
+      <p:sp>
+        <p:nvSpPr>
+          <p:cNvPr id="7" name="TextBox 6"/>
+          <p:cNvSpPr txBox="1"/>
+          <p:nvPr/>
+        </p:nvSpPr>
+        <p:spPr>
+          <a:xfrm>
+            <a:off x="914400" y="1463040"/>
+            <a:ext cx="2103120" cy="640080"/>
+          </a:xfrm>
+          <a:prstGeom prst="rect">
+            <a:avLst/>
+          </a:prstGeom>
+          <a:noFill/>
+        </p:spPr>
+        <p:txBody>
+          <a:bodyPr wrap="square">
+            <a:spAutoFit/>
+          </a:bodyPr>
+          <a:lstStyle/>
+          <a:p>
+            <a:pPr algn="ctr">
+              <a:defRPr sz="3600" b="1">
+                <a:solidFill>
+                  <a:srgbClr val="0D1B2A"/>
+                </a:solidFill>
+                <a:latin typeface="Calibri"/>
+              </a:defRPr>
+            </a:pPr>
+            <a:r>
+              <a:t>J</a:t>
+            </a:r>
+          </a:p>
+        </p:txBody>
+      </p:sp>
+      <p:sp>
+        <p:nvSpPr>
+          <p:cNvPr id="8" name="TextBox 7"/>
+          <p:cNvSpPr txBox="1"/>
+          <p:nvPr/>
+        </p:nvSpPr>
+        <p:spPr>
+          <a:xfrm>
+            <a:off x="914400" y="2011680"/>
+            <a:ext cx="2103120" cy="274320"/>
+          </a:xfrm>
+          <a:prstGeom prst="rect">
+            <a:avLst/>
+          </a:prstGeom>
+          <a:noFill/>
+        </p:spPr>
+        <p:txBody>
+          <a:bodyPr wrap="square">
+            <a:spAutoFit/>
+          </a:bodyPr>
+          <a:lstStyle/>
+          <a:p>
+            <a:pPr algn="ctr">
+              <a:defRPr sz="1400" b="1">
+                <a:solidFill>
+                  <a:srgbClr val="424242"/>
+                </a:solidFill>
+                <a:latin typeface="Calibri"/>
+              </a:defRPr>
+            </a:pPr>
+            <a:r>
+              <a:t>Juveniles</a:t>
+            </a:r>
+          </a:p>
+        </p:txBody>
+      </p:sp>
+      <p:sp>
+        <p:nvSpPr>
+          <p:cNvPr id="9" name="TextBox 8"/>
+          <p:cNvSpPr txBox="1"/>
+          <p:nvPr/>
+        </p:nvSpPr>
+        <p:spPr>
+          <a:xfrm>
+            <a:off x="914400" y="2331720"/>
+            <a:ext cx="2103120" cy="457200"/>
+          </a:xfrm>
+          <a:prstGeom prst="rect">
+            <a:avLst/>
+          </a:prstGeom>
+          <a:noFill/>
+        </p:spPr>
+        <p:txBody>
+          <a:bodyPr wrap="square">
+            <a:spAutoFit/>
+          </a:bodyPr>
+          <a:lstStyle/>
+          <a:p>
+            <a:pPr algn="ctr">
+              <a:defRPr sz="1100" b="0">
+                <a:solidFill>
+                  <a:srgbClr val="757575"/>
+                </a:solidFill>
+                <a:latin typeface="Calibri"/>
+              </a:defRPr>
+            </a:pPr>
+            <a:r>
+              <a:t>Newly settled</a:t>
+            </a:r>
+            <a:br/>
+            <a:r>
+              <a:t>larvae</a:t>
+            </a:r>
+          </a:p>
+        </p:txBody>
+      </p:sp>
+      <p:sp>
+        <p:nvSpPr>
+          <p:cNvPr id="10" name="Rounded Rectangle 9"/>
+          <p:cNvSpPr/>
+          <p:nvPr/>
+        </p:nvSpPr>
+        <p:spPr>
+          <a:xfrm>
+            <a:off x="3566160" y="1371600"/>
+            <a:ext cx="2468880" cy="1645920"/>
+          </a:xfrm>
+          <a:prstGeom prst="roundRect">
+            <a:avLst/>
+          </a:prstGeom>
+          <a:solidFill>
+            <a:srgbClr val="E8F5E9"/>
+          </a:solidFill>
+          <a:ln>
+            <a:noFill/>
+          </a:ln>
+        </p:spPr>
+        <p:style>
+          <a:lnRef idx="1">
+            <a:schemeClr val="accent1"/>
+          </a:lnRef>
+          <a:fillRef idx="3">
+            <a:schemeClr val="accent1"/>
+          </a:fillRef>
+          <a:effectRef idx="2">
+            <a:schemeClr val="accent1"/>
+          </a:effectRef>
+          <a:fontRef idx="minor">
+            <a:schemeClr val="lt1"/>
+          </a:fontRef>
+        </p:style>
+        <p:txBody>
+          <a:bodyPr rtlCol="0" anchor="ctr"/>
+          <a:lstStyle/>
+          <a:p>
+            <a:pPr algn="ctr"/>
+          </a:p>
+        </p:txBody>
+      </p:sp>
+      <p:sp>
+        <p:nvSpPr>
+          <p:cNvPr id="11" name="TextBox 10"/>
+          <p:cNvSpPr txBox="1"/>
+          <p:nvPr/>
+        </p:nvSpPr>
+        <p:spPr>
+          <a:xfrm>
+            <a:off x="3749040" y="1463040"/>
+            <a:ext cx="2103120" cy="640080"/>
+          </a:xfrm>
+          <a:prstGeom prst="rect">
+            <a:avLst/>
+          </a:prstGeom>
+          <a:noFill/>
+        </p:spPr>
+        <p:txBody>
+          <a:bodyPr wrap="square">
+            <a:spAutoFit/>
+          </a:bodyPr>
+          <a:lstStyle/>
+          <a:p>
+            <a:pPr algn="ctr">
+              <a:defRPr sz="3600" b="1">
+                <a:solidFill>
+                  <a:srgbClr val="0D1B2A"/>
+                </a:solidFill>
+                <a:latin typeface="Calibri"/>
+              </a:defRPr>
+            </a:pPr>
+            <a:r>
+              <a:t>A</a:t>
+            </a:r>
+          </a:p>
+        </p:txBody>
+      </p:sp>
+      <p:sp>
+        <p:nvSpPr>
+          <p:cNvPr id="12" name="TextBox 11"/>
+          <p:cNvSpPr txBox="1"/>
+          <p:nvPr/>
+        </p:nvSpPr>
+        <p:spPr>
+          <a:xfrm>
+            <a:off x="3749040" y="2011680"/>
+            <a:ext cx="2103120" cy="274320"/>
+          </a:xfrm>
+          <a:prstGeom prst="rect">
+            <a:avLst/>
+          </a:prstGeom>
+          <a:noFill/>
+        </p:spPr>
+        <p:txBody>
+          <a:bodyPr wrap="square">
+            <a:spAutoFit/>
+          </a:bodyPr>
+          <a:lstStyle/>
+          <a:p>
+            <a:pPr algn="ctr">
+              <a:defRPr sz="1400" b="1">
+                <a:solidFill>
+                  <a:srgbClr val="424242"/>
+                </a:solidFill>
+                <a:latin typeface="Calibri"/>
+              </a:defRPr>
+            </a:pPr>
+            <a:r>
+              <a:t>Adults</a:t>
+            </a:r>
+          </a:p>
+        </p:txBody>
+      </p:sp>
+      <p:sp>
+        <p:nvSpPr>
+          <p:cNvPr id="13" name="TextBox 12"/>
+          <p:cNvSpPr txBox="1"/>
+          <p:nvPr/>
+        </p:nvSpPr>
+        <p:spPr>
+          <a:xfrm>
+            <a:off x="3749040" y="2331720"/>
+            <a:ext cx="2103120" cy="457200"/>
+          </a:xfrm>
+          <a:prstGeom prst="rect">
+            <a:avLst/>
+          </a:prstGeom>
+          <a:noFill/>
+        </p:spPr>
+        <p:txBody>
+          <a:bodyPr wrap="square">
+            <a:spAutoFit/>
+          </a:bodyPr>
+          <a:lstStyle/>
+          <a:p>
+            <a:pPr algn="ctr">
+              <a:defRPr sz="1100" b="0">
+                <a:solidFill>
+                  <a:srgbClr val="757575"/>
+                </a:solidFill>
+                <a:latin typeface="Calibri"/>
+              </a:defRPr>
+            </a:pPr>
+            <a:r>
+              <a:t>Biomass</a:t>
+            </a:r>
+            <a:br/>
+            <a:r>
+              <a:t>(our objective)</a:t>
+            </a:r>
+          </a:p>
+        </p:txBody>
+      </p:sp>
+      <p:sp>
+        <p:nvSpPr>
+          <p:cNvPr id="14" name="Rounded Rectangle 13"/>
+          <p:cNvSpPr/>
+          <p:nvPr/>
+        </p:nvSpPr>
+        <p:spPr>
+          <a:xfrm>
+            <a:off x="6400800" y="1371600"/>
+            <a:ext cx="2468880" cy="1645920"/>
+          </a:xfrm>
+          <a:prstGeom prst="roundRect">
+            <a:avLst/>
+          </a:prstGeom>
+          <a:solidFill>
+            <a:srgbClr val="FFF3E0"/>
+          </a:solidFill>
+          <a:ln>
+            <a:noFill/>
+          </a:ln>
+        </p:spPr>
+        <p:style>
+          <a:lnRef idx="1">
+            <a:schemeClr val="accent1"/>
+          </a:lnRef>
+          <a:fillRef idx="3">
+            <a:schemeClr val="accent1"/>
+          </a:fillRef>
+          <a:effectRef idx="2">
+            <a:schemeClr val="accent1"/>
+          </a:effectRef>
+          <a:fontRef idx="minor">
+            <a:schemeClr val="lt1"/>
+          </a:fontRef>
+        </p:style>
+        <p:txBody>
+          <a:bodyPr rtlCol="0" anchor="ctr"/>
+          <a:lstStyle/>
+          <a:p>
+            <a:pPr algn="ctr"/>
+          </a:p>
+        </p:txBody>
+      </p:sp>
+      <p:sp>
+        <p:nvSpPr>
+          <p:cNvPr id="15" name="TextBox 14"/>
+          <p:cNvSpPr txBox="1"/>
+          <p:nvPr/>
+        </p:nvSpPr>
+        <p:spPr>
+          <a:xfrm>
+            <a:off x="6583680" y="1463040"/>
+            <a:ext cx="2103120" cy="640080"/>
+          </a:xfrm>
+          <a:prstGeom prst="rect">
+            <a:avLst/>
+          </a:prstGeom>
+          <a:noFill/>
+        </p:spPr>
+        <p:txBody>
+          <a:bodyPr wrap="square">
+            <a:spAutoFit/>
+          </a:bodyPr>
+          <a:lstStyle/>
+          <a:p>
+            <a:pPr algn="ctr">
+              <a:defRPr sz="3600" b="1">
+                <a:solidFill>
+                  <a:srgbClr val="0D1B2A"/>
+                </a:solidFill>
+                <a:latin typeface="Calibri"/>
+              </a:defRPr>
+            </a:pPr>
+            <a:r>
+              <a:t>R</a:t>
+            </a:r>
+          </a:p>
+        </p:txBody>
+      </p:sp>
+      <p:sp>
+        <p:nvSpPr>
+          <p:cNvPr id="16" name="TextBox 15"/>
+          <p:cNvSpPr txBox="1"/>
+          <p:nvPr/>
+        </p:nvSpPr>
+        <p:spPr>
+          <a:xfrm>
+            <a:off x="6583680" y="2011680"/>
+            <a:ext cx="2103120" cy="274320"/>
+          </a:xfrm>
+          <a:prstGeom prst="rect">
+            <a:avLst/>
+          </a:prstGeom>
+          <a:noFill/>
+        </p:spPr>
+        <p:txBody>
+          <a:bodyPr wrap="square">
+            <a:spAutoFit/>
+          </a:bodyPr>
+          <a:lstStyle/>
+          <a:p>
+            <a:pPr algn="ctr">
+              <a:defRPr sz="1400" b="1">
+                <a:solidFill>
+                  <a:srgbClr val="424242"/>
+                </a:solidFill>
+                <a:latin typeface="Calibri"/>
+              </a:defRPr>
+            </a:pPr>
+            <a:r>
+              <a:t>Reef / Shell</a:t>
+            </a:r>
+          </a:p>
+        </p:txBody>
+      </p:sp>
+      <p:sp>
+        <p:nvSpPr>
+          <p:cNvPr id="17" name="TextBox 16"/>
+          <p:cNvSpPr txBox="1"/>
+          <p:nvPr/>
+        </p:nvSpPr>
+        <p:spPr>
+          <a:xfrm>
+            <a:off x="6583680" y="2331720"/>
+            <a:ext cx="2103120" cy="457200"/>
+          </a:xfrm>
+          <a:prstGeom prst="rect">
+            <a:avLst/>
+          </a:prstGeom>
+          <a:noFill/>
+        </p:spPr>
+        <p:txBody>
+          <a:bodyPr wrap="square">
+            <a:spAutoFit/>
+          </a:bodyPr>
+          <a:lstStyle/>
+          <a:p>
+            <a:pPr algn="ctr">
+              <a:defRPr sz="1100" b="0">
+                <a:solidFill>
+                  <a:srgbClr val="757575"/>
+                </a:solidFill>
+                <a:latin typeface="Calibri"/>
+              </a:defRPr>
+            </a:pPr>
+            <a:r>
+              <a:t>Habitat</a:t>
+            </a:r>
+            <a:br/>
+            <a:r>
+              <a:t>structure</a:t>
+            </a:r>
+          </a:p>
+        </p:txBody>
+      </p:sp>
+      <p:sp>
+        <p:nvSpPr>
+          <p:cNvPr id="18" name="Rounded Rectangle 17"/>
+          <p:cNvSpPr/>
+          <p:nvPr/>
+        </p:nvSpPr>
+        <p:spPr>
+          <a:xfrm>
+            <a:off x="9235440" y="1371600"/>
+            <a:ext cx="2468880" cy="1645920"/>
+          </a:xfrm>
+          <a:prstGeom prst="roundRect">
+            <a:avLst/>
+          </a:prstGeom>
+          <a:solidFill>
+            <a:srgbClr val="FCE4EC"/>
+          </a:solidFill>
+          <a:ln>
+            <a:noFill/>
+          </a:ln>
+        </p:spPr>
+        <p:style>
+          <a:lnRef idx="1">
+            <a:schemeClr val="accent1"/>
+          </a:lnRef>
+          <a:fillRef idx="3">
+            <a:schemeClr val="accent1"/>
+          </a:fillRef>
+          <a:effectRef idx="2">
+            <a:schemeClr val="accent1"/>
+          </a:effectRef>
+          <a:fontRef idx="minor">
+            <a:schemeClr val="lt1"/>
+          </a:fontRef>
+        </p:style>
+        <p:txBody>
+          <a:bodyPr rtlCol="0" anchor="ctr"/>
+          <a:lstStyle/>
+          <a:p>
+            <a:pPr algn="ctr"/>
+          </a:p>
+        </p:txBody>
+      </p:sp>
+      <p:sp>
+        <p:nvSpPr>
+          <p:cNvPr id="19" name="TextBox 18"/>
+          <p:cNvSpPr txBox="1"/>
+          <p:nvPr/>
+        </p:nvSpPr>
+        <p:spPr>
+          <a:xfrm>
+            <a:off x="9418320" y="1463040"/>
+            <a:ext cx="2103120" cy="640080"/>
+          </a:xfrm>
+          <a:prstGeom prst="rect">
+            <a:avLst/>
+          </a:prstGeom>
+          <a:noFill/>
+        </p:spPr>
+        <p:txBody>
+          <a:bodyPr wrap="square">
+            <a:spAutoFit/>
+          </a:bodyPr>
+          <a:lstStyle/>
+          <a:p>
+            <a:pPr algn="ctr">
+              <a:defRPr sz="3600" b="1">
+                <a:solidFill>
+                  <a:srgbClr val="0D1B2A"/>
+                </a:solidFill>
+                <a:latin typeface="Calibri"/>
+              </a:defRPr>
+            </a:pPr>
+            <a:r>
+              <a:t>S</a:t>
+            </a:r>
+          </a:p>
+        </p:txBody>
+      </p:sp>
+      <p:sp>
+        <p:nvSpPr>
+          <p:cNvPr id="20" name="TextBox 19"/>
+          <p:cNvSpPr txBox="1"/>
+          <p:nvPr/>
+        </p:nvSpPr>
+        <p:spPr>
+          <a:xfrm>
+            <a:off x="9418320" y="2011680"/>
+            <a:ext cx="2103120" cy="274320"/>
+          </a:xfrm>
+          <a:prstGeom prst="rect">
+            <a:avLst/>
+          </a:prstGeom>
+          <a:noFill/>
+        </p:spPr>
+        <p:txBody>
+          <a:bodyPr wrap="square">
+            <a:spAutoFit/>
+          </a:bodyPr>
+          <a:lstStyle/>
+          <a:p>
+            <a:pPr algn="ctr">
+              <a:defRPr sz="1400" b="1">
+                <a:solidFill>
+                  <a:srgbClr val="424242"/>
+                </a:solidFill>
+                <a:latin typeface="Calibri"/>
+              </a:defRPr>
+            </a:pPr>
+            <a:r>
+              <a:t>Sediment</a:t>
+            </a:r>
+          </a:p>
+        </p:txBody>
+      </p:sp>
+      <p:sp>
+        <p:nvSpPr>
+          <p:cNvPr id="21" name="TextBox 20"/>
+          <p:cNvSpPr txBox="1"/>
+          <p:nvPr/>
+        </p:nvSpPr>
+        <p:spPr>
+          <a:xfrm>
+            <a:off x="9418320" y="2331720"/>
+            <a:ext cx="2103120" cy="457200"/>
+          </a:xfrm>
+          <a:prstGeom prst="rect">
+            <a:avLst/>
+          </a:prstGeom>
+          <a:noFill/>
+        </p:spPr>
+        <p:txBody>
+          <a:bodyPr wrap="square">
+            <a:spAutoFit/>
+          </a:bodyPr>
+          <a:lstStyle/>
+          <a:p>
+            <a:pPr algn="ctr">
+              <a:defRPr sz="1100" b="0">
+                <a:solidFill>
+                  <a:srgbClr val="757575"/>
+                </a:solidFill>
+                <a:latin typeface="Calibri"/>
+              </a:defRPr>
+            </a:pPr>
+            <a:r>
+              <a:t>Smothering</a:t>
+            </a:r>
+            <a:br/>
+            <a:r>
+              <a:t>factor</a:t>
+            </a:r>
+          </a:p>
+        </p:txBody>
+      </p:sp>
+      <p:sp>
+        <p:nvSpPr>
+          <p:cNvPr id="22" name="Rounded Rectangle 21"/>
+          <p:cNvSpPr/>
+          <p:nvPr/>
+        </p:nvSpPr>
+        <p:spPr>
+          <a:xfrm>
+            <a:off x="731520" y="3383280"/>
+            <a:ext cx="5120640" cy="2743200"/>
+          </a:xfrm>
+          <a:prstGeom prst="roundRect">
+            <a:avLst/>
+          </a:prstGeom>
+          <a:solidFill>
+            <a:srgbClr val="FFFFFF"/>
+          </a:solidFill>
+          <a:ln w="12700">
+            <a:solidFill>
+              <a:srgbClr val="BDBDBD"/>
+            </a:solidFill>
+          </a:ln>
+        </p:spPr>
+        <p:style>
+          <a:lnRef idx="1">
+            <a:schemeClr val="accent1"/>
+          </a:lnRef>
+          <a:fillRef idx="3">
+            <a:schemeClr val="accent1"/>
+          </a:fillRef>
+          <a:effectRef idx="2">
+            <a:schemeClr val="accent1"/>
+          </a:effectRef>
+          <a:fontRef idx="minor">
+            <a:schemeClr val="lt1"/>
+          </a:fontRef>
+        </p:style>
+        <p:txBody>
+          <a:bodyPr rtlCol="0" anchor="ctr"/>
+          <a:lstStyle/>
+          <a:p>
+            <a:pPr algn="ctr"/>
+          </a:p>
+        </p:txBody>
+      </p:sp>
+      <p:sp>
+        <p:nvSpPr>
+          <p:cNvPr id="23" name="TextBox 22"/>
+          <p:cNvSpPr txBox="1"/>
+          <p:nvPr/>
+        </p:nvSpPr>
+        <p:spPr>
+          <a:xfrm>
+            <a:off x="1005840" y="3520440"/>
+            <a:ext cx="4572000" cy="365760"/>
+          </a:xfrm>
+          <a:prstGeom prst="rect">
+            <a:avLst/>
+          </a:prstGeom>
+          <a:noFill/>
+        </p:spPr>
+        <p:txBody>
+          <a:bodyPr wrap="square">
+            <a:spAutoFit/>
+          </a:bodyPr>
+          <a:lstStyle/>
+          <a:p>
+            <a:pPr algn="l">
+              <a:defRPr sz="1800" b="1">
+                <a:solidFill>
+                  <a:srgbClr val="0D1B2A"/>
+                </a:solidFill>
+                <a:latin typeface="Calibri"/>
+              </a:defRPr>
+            </a:pPr>
+            <a:r>
+              <a:t>How Sites Interact</a:t>
+            </a:r>
+          </a:p>
+        </p:txBody>
+      </p:sp>
+      <p:sp>
+        <p:nvSpPr>
+          <p:cNvPr id="24" name="TextBox 23"/>
+          <p:cNvSpPr txBox="1"/>
+          <p:nvPr/>
+        </p:nvSpPr>
+        <p:spPr>
+          <a:xfrm>
+            <a:off x="1005840" y="3977639"/>
+            <a:ext cx="4572000" cy="2011680"/>
+          </a:xfrm>
+          <a:prstGeom prst="rect">
+            <a:avLst/>
+          </a:prstGeom>
+          <a:noFill/>
+        </p:spPr>
+        <p:txBody>
+          <a:bodyPr wrap="square">
+            <a:spAutoFit/>
+          </a:bodyPr>
+          <a:lstStyle/>
+          <a:p>
             <a:pPr>
               <a:spcAft>
-                <a:spcPts val="800"/>
+                <a:spcPts val="400"/>
               </a:spcAft>
-              <a:defRPr sz="1500" b="1">
-                <a:solidFill>
-                  <a:srgbClr val="333333"/>
+              <a:defRPr sz="1300" b="0">
+                <a:solidFill>
+                  <a:srgbClr val="424242"/>
                 </a:solidFill>
                 <a:latin typeface="Calibri"/>
               </a:defRPr>
             </a:pPr>
             <a:r>
-              <a:t>4-state ODE system simulates oyster life stages across reef patches:</a:t>
-            </a:r>
-          </a:p>
-          <a:p>
-            <a:pPr lvl="1">
-              <a:spcAft>
-                <a:spcPts val="800"/>
-              </a:spcAft>
-              <a:defRPr sz="1500" b="0">
-                <a:solidFill>
-                  <a:srgbClr val="333333"/>
-                </a:solidFill>
-                <a:latin typeface="Calibri"/>
-              </a:defRPr>
-            </a:pPr>
-            <a:r>
-              <a:t>J = Juveniles  |  A = Adults (biomass)  |  R = Reef/shell  |  S = Sediment</a:t>
+              <a:t>Larval input = (P0 + P1' |A|^1.72) * L * f</a:t>
             </a:r>
           </a:p>
           <a:p>
             <a:pPr>
               <a:spcAft>
-                <a:spcPts val="800"/>
+                <a:spcPts val="400"/>
               </a:spcAft>
-              <a:defRPr sz="1500" b="1">
-                <a:solidFill>
-                  <a:srgbClr val="333333"/>
+              <a:defRPr sz="1300" b="0">
+                <a:solidFill>
+                  <a:srgbClr val="424242"/>
                 </a:solidFill>
                 <a:latin typeface="Calibri"/>
               </a:defRPr>
             </a:pPr>
             <a:r>
-              <a:t>Sites are coupled through larval dispersal:</a:t>
-            </a:r>
-          </a:p>
-          <a:p>
-            <a:pPr lvl="1">
-              <a:spcAft>
-                <a:spcPts val="800"/>
-              </a:spcAft>
-              <a:defRPr sz="1500" b="0">
-                <a:solidFill>
-                  <a:srgbClr val="333333"/>
-                </a:solidFill>
-                <a:latin typeface="Calibri"/>
-              </a:defRPr>
-            </a:pPr>
-            <a:r>
-              <a:t>P0 = external larvae input (from outside the network)</a:t>
-            </a:r>
-          </a:p>
-          <a:p>
-            <a:pPr lvl="1">
-              <a:spcAft>
-                <a:spcPts val="800"/>
-              </a:spcAft>
-              <a:defRPr sz="1500" b="0">
-                <a:solidFill>
-                  <a:srgbClr val="333333"/>
-                </a:solidFill>
-                <a:latin typeface="Calibri"/>
-              </a:defRPr>
-            </a:pPr>
-            <a:r>
-              <a:t>P1 = internal connectivity matrix (larvae exchanged between sites)</a:t>
-            </a:r>
-          </a:p>
-          <a:p>
-            <a:pPr lvl="1">
-              <a:spcAft>
-                <a:spcPts val="800"/>
-              </a:spcAft>
-              <a:defRPr sz="1500" b="0">
-                <a:solidFill>
-                  <a:srgbClr val="333333"/>
-                </a:solidFill>
-                <a:latin typeface="Calibri"/>
-              </a:defRPr>
-            </a:pPr>
-            <a:r>
-              <a:t>Larval input = (P0 + P1' * |A|^1.72) * L(A,R) * f(A,R,S)</a:t>
+              <a:t>P0 = external larvae (from outside the network)</a:t>
             </a:r>
           </a:p>
           <a:p>
             <a:pPr>
               <a:spcAft>
-                <a:spcPts val="800"/>
+                <a:spcPts val="400"/>
               </a:spcAft>
-              <a:defRPr sz="1500" b="1">
-                <a:solidFill>
-                  <a:srgbClr val="333333"/>
+              <a:defRPr sz="1300" b="0">
+                <a:solidFill>
+                  <a:srgbClr val="424242"/>
                 </a:solidFill>
                 <a:latin typeface="Calibri"/>
               </a:defRPr>
             </a:pPr>
             <a:r>
-              <a:t>Key property: nonlinear interactions between sites</a:t>
-            </a:r>
-          </a:p>
-          <a:p>
-            <a:pPr lvl="1">
-              <a:spcAft>
-                <a:spcPts val="800"/>
-              </a:spcAft>
-              <a:defRPr sz="1500" b="0">
-                <a:solidFill>
-                  <a:srgbClr val="333333"/>
-                </a:solidFill>
-                <a:latin typeface="Calibri"/>
-              </a:defRPr>
-            </a:pPr>
-            <a:r>
-              <a:t>A site's value depends on which OTHER sites are also active</a:t>
-            </a:r>
-          </a:p>
-          <a:p>
-            <a:pPr lvl="1">
-              <a:spcAft>
-                <a:spcPts val="800"/>
-              </a:spcAft>
-              <a:defRPr sz="1500" b="0">
-                <a:solidFill>
-                  <a:srgbClr val="333333"/>
-                </a:solidFill>
-                <a:latin typeface="Calibri"/>
-              </a:defRPr>
-            </a:pPr>
-            <a:r>
-              <a:t>Evaluating one subset = solving a 4N-dimensional ODE to t=1000</a:t>
+              <a:t>P1 = internal connectivity matrix (56 x 56)</a:t>
             </a:r>
           </a:p>
           <a:p>
             <a:pPr>
               <a:spcAft>
-                <a:spcPts val="800"/>
+                <a:spcPts val="400"/>
               </a:spcAft>
-              <a:defRPr sz="1500" b="1">
-                <a:solidFill>
-                  <a:srgbClr val="333333"/>
+              <a:defRPr sz="1300" b="0">
+                <a:solidFill>
+                  <a:srgbClr val="424242"/>
                 </a:solidFill>
                 <a:latin typeface="Calibri"/>
               </a:defRPr>
             </a:pPr>
             <a:r>
-              <a:t>Objective: maximize total adult biomass sum(A) at equilibrium</a:t>
+              <a:t>|A|^1.72 = nonlinear adult biomass scaling</a:t>
+            </a:r>
+          </a:p>
+          <a:p>
+            <a:pPr>
+              <a:spcAft>
+                <a:spcPts val="400"/>
+              </a:spcAft>
+              <a:defRPr sz="1300" b="0">
+                <a:solidFill>
+                  <a:srgbClr val="424242"/>
+                </a:solidFill>
+                <a:latin typeface="Calibri"/>
+              </a:defRPr>
+            </a:pPr>
+            <a:r>
+              <a:t>L, f = habitat quality and survival functions</a:t>
+            </a:r>
+          </a:p>
+        </p:txBody>
+      </p:sp>
+      <p:sp>
+        <p:nvSpPr>
+          <p:cNvPr id="25" name="Rounded Rectangle 24"/>
+          <p:cNvSpPr/>
+          <p:nvPr/>
+        </p:nvSpPr>
+        <p:spPr>
+          <a:xfrm>
+            <a:off x="6217920" y="3383280"/>
+            <a:ext cx="5212080" cy="2743200"/>
+          </a:xfrm>
+          <a:prstGeom prst="roundRect">
+            <a:avLst/>
+          </a:prstGeom>
+          <a:solidFill>
+            <a:srgbClr val="FFFFFF"/>
+          </a:solidFill>
+          <a:ln w="12700">
+            <a:solidFill>
+              <a:srgbClr val="BDBDBD"/>
+            </a:solidFill>
+          </a:ln>
+        </p:spPr>
+        <p:style>
+          <a:lnRef idx="1">
+            <a:schemeClr val="accent1"/>
+          </a:lnRef>
+          <a:fillRef idx="3">
+            <a:schemeClr val="accent1"/>
+          </a:fillRef>
+          <a:effectRef idx="2">
+            <a:schemeClr val="accent1"/>
+          </a:effectRef>
+          <a:fontRef idx="minor">
+            <a:schemeClr val="lt1"/>
+          </a:fontRef>
+        </p:style>
+        <p:txBody>
+          <a:bodyPr rtlCol="0" anchor="ctr"/>
+          <a:lstStyle/>
+          <a:p>
+            <a:pPr algn="ctr"/>
+          </a:p>
+        </p:txBody>
+      </p:sp>
+      <p:sp>
+        <p:nvSpPr>
+          <p:cNvPr id="26" name="TextBox 25"/>
+          <p:cNvSpPr txBox="1"/>
+          <p:nvPr/>
+        </p:nvSpPr>
+        <p:spPr>
+          <a:xfrm>
+            <a:off x="6492240" y="3520440"/>
+            <a:ext cx="4572000" cy="365760"/>
+          </a:xfrm>
+          <a:prstGeom prst="rect">
+            <a:avLst/>
+          </a:prstGeom>
+          <a:noFill/>
+        </p:spPr>
+        <p:txBody>
+          <a:bodyPr wrap="square">
+            <a:spAutoFit/>
+          </a:bodyPr>
+          <a:lstStyle/>
+          <a:p>
+            <a:pPr algn="l">
+              <a:defRPr sz="1800" b="1">
+                <a:solidFill>
+                  <a:srgbClr val="0D1B2A"/>
+                </a:solidFill>
+                <a:latin typeface="Calibri"/>
+              </a:defRPr>
+            </a:pPr>
+            <a:r>
+              <a:t>Computational Cost</a:t>
+            </a:r>
+          </a:p>
+        </p:txBody>
+      </p:sp>
+      <p:sp>
+        <p:nvSpPr>
+          <p:cNvPr id="27" name="TextBox 26"/>
+          <p:cNvSpPr txBox="1"/>
+          <p:nvPr/>
+        </p:nvSpPr>
+        <p:spPr>
+          <a:xfrm>
+            <a:off x="6492240" y="3977639"/>
+            <a:ext cx="4572000" cy="2011680"/>
+          </a:xfrm>
+          <a:prstGeom prst="rect">
+            <a:avLst/>
+          </a:prstGeom>
+          <a:noFill/>
+        </p:spPr>
+        <p:txBody>
+          <a:bodyPr wrap="square">
+            <a:spAutoFit/>
+          </a:bodyPr>
+          <a:lstStyle/>
+          <a:p>
+            <a:pPr>
+              <a:spcAft>
+                <a:spcPts val="400"/>
+              </a:spcAft>
+              <a:defRPr sz="1300" b="0">
+                <a:solidFill>
+                  <a:srgbClr val="424242"/>
+                </a:solidFill>
+                <a:latin typeface="Calibri"/>
+              </a:defRPr>
+            </a:pPr>
+            <a:r>
+              <a:t>Each evaluation = solve 4N-dim ODE to t=1000</a:t>
+            </a:r>
+          </a:p>
+          <a:p>
+            <a:pPr>
+              <a:spcAft>
+                <a:spcPts val="400"/>
+              </a:spcAft>
+              <a:defRPr sz="1300" b="0">
+                <a:solidFill>
+                  <a:srgbClr val="424242"/>
+                </a:solidFill>
+                <a:latin typeface="Calibri"/>
+              </a:defRPr>
+            </a:pPr>
+            <a:r>
+              <a:t>N = number of sites in the subset (up to 48)</a:t>
+            </a:r>
+          </a:p>
+          <a:p>
+            <a:pPr>
+              <a:spcAft>
+                <a:spcPts val="400"/>
+              </a:spcAft>
+              <a:defRPr sz="1300" b="0">
+                <a:solidFill>
+                  <a:srgbClr val="424242"/>
+                </a:solidFill>
+                <a:latin typeface="Calibri"/>
+              </a:defRPr>
+            </a:pPr>
+            <a:r>
+              <a:t>One ODE solve takes ~0.1-0.2 seconds</a:t>
+            </a:r>
+          </a:p>
+          <a:p>
+            <a:pPr>
+              <a:spcAft>
+                <a:spcPts val="400"/>
+              </a:spcAft>
+              <a:defRPr sz="1300" b="0">
+                <a:solidFill>
+                  <a:srgbClr val="424242"/>
+                </a:solidFill>
+                <a:latin typeface="Calibri"/>
+              </a:defRPr>
+            </a:pPr>
+            <a:r>
+              <a:t>Greedy needs ~900 evaluations</a:t>
+            </a:r>
+          </a:p>
+          <a:p>
+            <a:pPr>
+              <a:spcAft>
+                <a:spcPts val="400"/>
+              </a:spcAft>
+              <a:defRPr sz="1300" b="1">
+                <a:solidFill>
+                  <a:srgbClr val="424242"/>
+                </a:solidFill>
+                <a:latin typeface="Calibri"/>
+              </a:defRPr>
+            </a:pPr>
+            <a:r>
+              <a:t>Need smart methods, not just brute force</a:t>
             </a:r>
           </a:p>
         </p:txBody>
@@ -5869,7 +9262,7 @@
     <p:bg>
       <p:bgPr>
         <a:solidFill>
-          <a:srgbClr val="FFFFFF"/>
+          <a:srgbClr val="FAFAFA"/>
         </a:solidFill>
         <a:effectLst/>
       </p:bgPr>
@@ -5883,14 +9276,57 @@
       <p:grpSpPr/>
       <p:sp>
         <p:nvSpPr>
-          <p:cNvPr id="2" name="TextBox 1"/>
+          <p:cNvPr id="2" name="Rectangle 1"/>
+          <p:cNvSpPr/>
+          <p:nvPr/>
+        </p:nvSpPr>
+        <p:spPr>
+          <a:xfrm>
+            <a:off x="0" y="0"/>
+            <a:ext cx="12191695" cy="54864"/>
+          </a:xfrm>
+          <a:prstGeom prst="rect">
+            <a:avLst/>
+          </a:prstGeom>
+          <a:solidFill>
+            <a:srgbClr val="1E88E5"/>
+          </a:solidFill>
+          <a:ln>
+            <a:noFill/>
+          </a:ln>
+        </p:spPr>
+        <p:style>
+          <a:lnRef idx="1">
+            <a:schemeClr val="accent1"/>
+          </a:lnRef>
+          <a:fillRef idx="3">
+            <a:schemeClr val="accent1"/>
+          </a:fillRef>
+          <a:effectRef idx="2">
+            <a:schemeClr val="accent1"/>
+          </a:effectRef>
+          <a:fontRef idx="minor">
+            <a:schemeClr val="lt1"/>
+          </a:fontRef>
+        </p:style>
+        <p:txBody>
+          <a:bodyPr rtlCol="0" anchor="ctr"/>
+          <a:lstStyle/>
+          <a:p>
+            <a:pPr algn="ctr"/>
+          </a:p>
+        </p:txBody>
+      </p:sp>
+      <p:sp>
+        <p:nvSpPr>
+          <p:cNvPr id="3" name="TextBox 2"/>
           <p:cNvSpPr txBox="1"/>
           <p:nvPr/>
         </p:nvSpPr>
         <p:spPr>
           <a:xfrm>
-            <a:off x="457200" y="182880"/>
-            <a:ext cx="8229600" cy="457200"/>
+            <a:off x="731520" y="320040"/>
+            <a:ext cx="10515600" cy="640080"/>
           </a:xfrm>
           <a:prstGeom prst="rect">
             <a:avLst/>
@@ -5904,22 +9340,65 @@
           <a:lstStyle/>
           <a:p>
             <a:pPr algn="l">
-              <a:defRPr sz="2600" b="1">
-                <a:solidFill>
-                  <a:srgbClr val="1A237E"/>
-                </a:solidFill>
-                <a:latin typeface="Calibri"/>
+              <a:defRPr sz="3000" b="1">
+                <a:solidFill>
+                  <a:srgbClr val="0D1B2A"/>
+                </a:solidFill>
+                <a:latin typeface="Calibri Light"/>
               </a:defRPr>
             </a:pPr>
             <a:r>
               <a:t>Larval Connectivity Network</a:t>
             </a:r>
+          </a:p>
+        </p:txBody>
+      </p:sp>
+      <p:sp>
+        <p:nvSpPr>
+          <p:cNvPr id="4" name="Rectangle 3"/>
+          <p:cNvSpPr/>
+          <p:nvPr/>
+        </p:nvSpPr>
+        <p:spPr>
+          <a:xfrm>
+            <a:off x="731520" y="868680"/>
+            <a:ext cx="1645920" cy="38100"/>
+          </a:xfrm>
+          <a:prstGeom prst="rect">
+            <a:avLst/>
+          </a:prstGeom>
+          <a:solidFill>
+            <a:srgbClr val="1E88E5"/>
+          </a:solidFill>
+          <a:ln>
+            <a:noFill/>
+          </a:ln>
+        </p:spPr>
+        <p:style>
+          <a:lnRef idx="1">
+            <a:schemeClr val="accent1"/>
+          </a:lnRef>
+          <a:fillRef idx="3">
+            <a:schemeClr val="accent1"/>
+          </a:fillRef>
+          <a:effectRef idx="2">
+            <a:schemeClr val="accent1"/>
+          </a:effectRef>
+          <a:fontRef idx="minor">
+            <a:schemeClr val="lt1"/>
+          </a:fontRef>
+        </p:style>
+        <p:txBody>
+          <a:bodyPr rtlCol="0" anchor="ctr"/>
+          <a:lstStyle/>
+          <a:p>
+            <a:pPr algn="ctr"/>
           </a:p>
         </p:txBody>
       </p:sp>
       <p:pic>
         <p:nvPicPr>
-          <p:cNvPr id="3" name="Picture 2" descr="fig8_connectivity_heatmap.png"/>
+          <p:cNvPr id="5" name="Picture 4" descr="fig8_connectivity_heatmap.png"/>
           <p:cNvPicPr>
             <a:picLocks noChangeAspect="1"/>
           </p:cNvPicPr>
@@ -5933,8 +9412,8 @@
         </p:blipFill>
         <p:spPr>
           <a:xfrm>
-            <a:off x="1828800" y="731520"/>
-            <a:ext cx="5486400" cy="4389120"/>
+            <a:off x="457200" y="1188720"/>
+            <a:ext cx="6400800" cy="5120640"/>
           </a:xfrm>
           <a:prstGeom prst="rect">
             <a:avLst/>
@@ -5943,14 +9422,59 @@
       </p:pic>
       <p:sp>
         <p:nvSpPr>
-          <p:cNvPr id="4" name="TextBox 3"/>
+          <p:cNvPr id="6" name="Rounded Rectangle 5"/>
+          <p:cNvSpPr/>
+          <p:nvPr/>
+        </p:nvSpPr>
+        <p:spPr>
+          <a:xfrm>
+            <a:off x="7132320" y="1371600"/>
+            <a:ext cx="4389120" cy="4572000"/>
+          </a:xfrm>
+          <a:prstGeom prst="roundRect">
+            <a:avLst/>
+          </a:prstGeom>
+          <a:solidFill>
+            <a:srgbClr val="FFFFFF"/>
+          </a:solidFill>
+          <a:ln w="12700">
+            <a:solidFill>
+              <a:srgbClr val="BDBDBD"/>
+            </a:solidFill>
+          </a:ln>
+        </p:spPr>
+        <p:style>
+          <a:lnRef idx="1">
+            <a:schemeClr val="accent1"/>
+          </a:lnRef>
+          <a:fillRef idx="3">
+            <a:schemeClr val="accent1"/>
+          </a:fillRef>
+          <a:effectRef idx="2">
+            <a:schemeClr val="accent1"/>
+          </a:effectRef>
+          <a:fontRef idx="minor">
+            <a:schemeClr val="lt1"/>
+          </a:fontRef>
+        </p:style>
+        <p:txBody>
+          <a:bodyPr rtlCol="0" anchor="ctr"/>
+          <a:lstStyle/>
+          <a:p>
+            <a:pPr algn="ctr"/>
+          </a:p>
+        </p:txBody>
+      </p:sp>
+      <p:sp>
+        <p:nvSpPr>
+          <p:cNvPr id="7" name="TextBox 6"/>
           <p:cNvSpPr txBox="1"/>
           <p:nvPr/>
         </p:nvSpPr>
         <p:spPr>
           <a:xfrm>
-            <a:off x="5760720" y="1371600"/>
-            <a:ext cx="2926080" cy="3657600"/>
+            <a:off x="7406640" y="1508760"/>
+            <a:ext cx="3840480" cy="365760"/>
           </a:xfrm>
           <a:prstGeom prst="rect">
             <a:avLst/>
@@ -5964,30 +9488,138 @@
           <a:lstStyle/>
           <a:p>
             <a:pPr algn="l">
-              <a:defRPr sz="1200" b="0">
-                <a:solidFill>
-                  <a:srgbClr val="333333"/>
+              <a:defRPr sz="1800" b="1">
+                <a:solidFill>
+                  <a:srgbClr val="0D1B2A"/>
                 </a:solidFill>
                 <a:latin typeface="Calibri"/>
               </a:defRPr>
             </a:pPr>
             <a:r>
-              <a:t>Data: 56-site connectivity matrix from oceanographic modeling</a:t>
+              <a:t>What This Shows</a:t>
+            </a:r>
+          </a:p>
+        </p:txBody>
+      </p:sp>
+      <p:sp>
+        <p:nvSpPr>
+          <p:cNvPr id="8" name="TextBox 7"/>
+          <p:cNvSpPr txBox="1"/>
+          <p:nvPr/>
+        </p:nvSpPr>
+        <p:spPr>
+          <a:xfrm>
+            <a:off x="7406640" y="1965960"/>
+            <a:ext cx="3840480" cy="3657600"/>
+          </a:xfrm>
+          <a:prstGeom prst="rect">
+            <a:avLst/>
+          </a:prstGeom>
+          <a:noFill/>
+        </p:spPr>
+        <p:txBody>
+          <a:bodyPr wrap="square">
+            <a:spAutoFit/>
+          </a:bodyPr>
+          <a:lstStyle/>
+          <a:p>
+            <a:pPr>
+              <a:spcAft>
+                <a:spcPts val="1000"/>
+              </a:spcAft>
+              <a:defRPr sz="1300" b="0">
+                <a:solidFill>
+                  <a:srgbClr val="424242"/>
+                </a:solidFill>
+                <a:latin typeface="Calibri"/>
+              </a:defRPr>
+            </a:pPr>
+            <a:r>
+              <a:t>56-site connectivity matrix from</a:t>
             </a:r>
             <a:br/>
+            <a:r>
+              <a:t>oceanographic larval transport modeling</a:t>
+            </a:r>
+          </a:p>
+          <a:p>
+            <a:pPr>
+              <a:spcAft>
+                <a:spcPts val="1000"/>
+              </a:spcAft>
+              <a:defRPr sz="1300" b="0">
+                <a:solidFill>
+                  <a:srgbClr val="424242"/>
+                </a:solidFill>
+                <a:latin typeface="Calibri"/>
+              </a:defRPr>
+            </a:pPr>
+            <a:r>
+              <a:t>Hot cells = strong larval flow</a:t>
+            </a:r>
             <a:br/>
             <a:r>
-              <a:t>Strong connectivity clusters visible (hot cells)</a:t>
+              <a:t>between source and destination reefs</a:t>
+            </a:r>
+          </a:p>
+          <a:p>
+            <a:pPr>
+              <a:spcAft>
+                <a:spcPts val="1000"/>
+              </a:spcAft>
+              <a:defRPr sz="1300" b="0">
+                <a:solidFill>
+                  <a:srgbClr val="424242"/>
+                </a:solidFill>
+                <a:latin typeface="Calibri"/>
+              </a:defRPr>
+            </a:pPr>
+            <a:r>
+              <a:t>Visible clustering: sites 10, 27-29,</a:t>
             </a:r>
             <a:br/>
+            <a:r>
+              <a:t>31-32, 40-41 form a connected hub</a:t>
+            </a:r>
+          </a:p>
+          <a:p>
+            <a:pPr>
+              <a:spcAft>
+                <a:spcPts val="1000"/>
+              </a:spcAft>
+              <a:defRPr sz="1300" b="0">
+                <a:solidFill>
+                  <a:srgbClr val="424242"/>
+                </a:solidFill>
+                <a:latin typeface="Calibri"/>
+              </a:defRPr>
+            </a:pPr>
+            <a:r>
+              <a:t>Off-diagonal structure reveals</a:t>
+            </a:r>
             <a:br/>
             <a:r>
-              <a:t>Sites 10, 15, 27-29, 31-32, 40-41 form a highly connected core</a:t>
+              <a:t>long-range larval pathways</a:t>
+            </a:r>
+          </a:p>
+          <a:p>
+            <a:pPr>
+              <a:spcAft>
+                <a:spcPts val="1000"/>
+              </a:spcAft>
+              <a:defRPr sz="1300" b="1">
+                <a:solidFill>
+                  <a:srgbClr val="424242"/>
+                </a:solidFill>
+                <a:latin typeface="Calibri"/>
+              </a:defRPr>
+            </a:pPr>
+            <a:r>
+              <a:t>This network structure drives which</a:t>
             </a:r>
             <a:br/>
-            <a:br/>
-            <a:r>
-              <a:t>Sparse regions indicate isolated sites with low restoration value</a:t>
+            <a:r>
+              <a:t>sites are most valuable to restore</a:t>
             </a:r>
           </a:p>
         </p:txBody>
@@ -6006,7 +9638,7 @@
     <p:bg>
       <p:bgPr>
         <a:solidFill>
-          <a:srgbClr val="FFFFFF"/>
+          <a:srgbClr val="FAFAFA"/>
         </a:solidFill>
         <a:effectLst/>
       </p:bgPr>
@@ -6020,14 +9652,57 @@
       <p:grpSpPr/>
       <p:sp>
         <p:nvSpPr>
-          <p:cNvPr id="2" name="TextBox 1"/>
+          <p:cNvPr id="2" name="Rectangle 1"/>
+          <p:cNvSpPr/>
+          <p:nvPr/>
+        </p:nvSpPr>
+        <p:spPr>
+          <a:xfrm>
+            <a:off x="0" y="0"/>
+            <a:ext cx="12191695" cy="54864"/>
+          </a:xfrm>
+          <a:prstGeom prst="rect">
+            <a:avLst/>
+          </a:prstGeom>
+          <a:solidFill>
+            <a:srgbClr val="1E88E5"/>
+          </a:solidFill>
+          <a:ln>
+            <a:noFill/>
+          </a:ln>
+        </p:spPr>
+        <p:style>
+          <a:lnRef idx="1">
+            <a:schemeClr val="accent1"/>
+          </a:lnRef>
+          <a:fillRef idx="3">
+            <a:schemeClr val="accent1"/>
+          </a:fillRef>
+          <a:effectRef idx="2">
+            <a:schemeClr val="accent1"/>
+          </a:effectRef>
+          <a:fontRef idx="minor">
+            <a:schemeClr val="lt1"/>
+          </a:fontRef>
+        </p:style>
+        <p:txBody>
+          <a:bodyPr rtlCol="0" anchor="ctr"/>
+          <a:lstStyle/>
+          <a:p>
+            <a:pPr algn="ctr"/>
+          </a:p>
+        </p:txBody>
+      </p:sp>
+      <p:sp>
+        <p:nvSpPr>
+          <p:cNvPr id="3" name="TextBox 2"/>
           <p:cNvSpPr txBox="1"/>
           <p:nvPr/>
         </p:nvSpPr>
         <p:spPr>
           <a:xfrm>
-            <a:off x="457200" y="274320"/>
-            <a:ext cx="8229600" cy="548640"/>
+            <a:off x="731520" y="320040"/>
+            <a:ext cx="10515600" cy="640080"/>
           </a:xfrm>
           <a:prstGeom prst="rect">
             <a:avLst/>
@@ -6041,11 +9716,11 @@
           <a:lstStyle/>
           <a:p>
             <a:pPr algn="l">
-              <a:defRPr sz="2600" b="1">
-                <a:solidFill>
-                  <a:srgbClr val="1A237E"/>
-                </a:solidFill>
-                <a:latin typeface="Calibri"/>
+              <a:defRPr sz="3000" b="1">
+                <a:solidFill>
+                  <a:srgbClr val="0D1B2A"/>
+                </a:solidFill>
+                <a:latin typeface="Calibri Light"/>
               </a:defRPr>
             </a:pPr>
             <a:r>
@@ -6056,14 +9731,145 @@
       </p:sp>
       <p:sp>
         <p:nvSpPr>
-          <p:cNvPr id="3" name="TextBox 2"/>
+          <p:cNvPr id="4" name="Rectangle 3"/>
+          <p:cNvSpPr/>
+          <p:nvPr/>
+        </p:nvSpPr>
+        <p:spPr>
+          <a:xfrm>
+            <a:off x="731520" y="868680"/>
+            <a:ext cx="1645920" cy="38100"/>
+          </a:xfrm>
+          <a:prstGeom prst="rect">
+            <a:avLst/>
+          </a:prstGeom>
+          <a:solidFill>
+            <a:srgbClr val="1E88E5"/>
+          </a:solidFill>
+          <a:ln>
+            <a:noFill/>
+          </a:ln>
+        </p:spPr>
+        <p:style>
+          <a:lnRef idx="1">
+            <a:schemeClr val="accent1"/>
+          </a:lnRef>
+          <a:fillRef idx="3">
+            <a:schemeClr val="accent1"/>
+          </a:fillRef>
+          <a:effectRef idx="2">
+            <a:schemeClr val="accent1"/>
+          </a:effectRef>
+          <a:fontRef idx="minor">
+            <a:schemeClr val="lt1"/>
+          </a:fontRef>
+        </p:style>
+        <p:txBody>
+          <a:bodyPr rtlCol="0" anchor="ctr"/>
+          <a:lstStyle/>
+          <a:p>
+            <a:pPr algn="ctr"/>
+          </a:p>
+        </p:txBody>
+      </p:sp>
+      <p:sp>
+        <p:nvSpPr>
+          <p:cNvPr id="5" name="Rounded Rectangle 4"/>
+          <p:cNvSpPr/>
+          <p:nvPr/>
+        </p:nvSpPr>
+        <p:spPr>
+          <a:xfrm>
+            <a:off x="731520" y="1280160"/>
+            <a:ext cx="3383280" cy="4754880"/>
+          </a:xfrm>
+          <a:prstGeom prst="roundRect">
+            <a:avLst/>
+          </a:prstGeom>
+          <a:solidFill>
+            <a:srgbClr val="FFFFFF"/>
+          </a:solidFill>
+          <a:ln w="12700">
+            <a:solidFill>
+              <a:srgbClr val="1E88E5"/>
+            </a:solidFill>
+          </a:ln>
+        </p:spPr>
+        <p:style>
+          <a:lnRef idx="1">
+            <a:schemeClr val="accent1"/>
+          </a:lnRef>
+          <a:fillRef idx="3">
+            <a:schemeClr val="accent1"/>
+          </a:fillRef>
+          <a:effectRef idx="2">
+            <a:schemeClr val="accent1"/>
+          </a:effectRef>
+          <a:fontRef idx="minor">
+            <a:schemeClr val="lt1"/>
+          </a:fontRef>
+        </p:style>
+        <p:txBody>
+          <a:bodyPr rtlCol="0" anchor="ctr"/>
+          <a:lstStyle/>
+          <a:p>
+            <a:pPr algn="ctr"/>
+          </a:p>
+        </p:txBody>
+      </p:sp>
+      <p:sp>
+        <p:nvSpPr>
+          <p:cNvPr id="6" name="Rectangle 5"/>
+          <p:cNvSpPr/>
+          <p:nvPr/>
+        </p:nvSpPr>
+        <p:spPr>
+          <a:xfrm>
+            <a:off x="731520" y="1280160"/>
+            <a:ext cx="3383280" cy="502920"/>
+          </a:xfrm>
+          <a:prstGeom prst="rect">
+            <a:avLst/>
+          </a:prstGeom>
+          <a:solidFill>
+            <a:srgbClr val="1E88E5"/>
+          </a:solidFill>
+          <a:ln>
+            <a:noFill/>
+          </a:ln>
+        </p:spPr>
+        <p:style>
+          <a:lnRef idx="1">
+            <a:schemeClr val="accent1"/>
+          </a:lnRef>
+          <a:fillRef idx="3">
+            <a:schemeClr val="accent1"/>
+          </a:fillRef>
+          <a:effectRef idx="2">
+            <a:schemeClr val="accent1"/>
+          </a:effectRef>
+          <a:fontRef idx="minor">
+            <a:schemeClr val="lt1"/>
+          </a:fontRef>
+        </p:style>
+        <p:txBody>
+          <a:bodyPr rtlCol="0" anchor="ctr"/>
+          <a:lstStyle/>
+          <a:p>
+            <a:pPr algn="ctr"/>
+          </a:p>
+        </p:txBody>
+      </p:sp>
+      <p:sp>
+        <p:nvSpPr>
+          <p:cNvPr id="7" name="TextBox 6"/>
           <p:cNvSpPr txBox="1"/>
           <p:nvPr/>
         </p:nvSpPr>
         <p:spPr>
           <a:xfrm>
-            <a:off x="457200" y="914400"/>
-            <a:ext cx="8229600" cy="5029200"/>
+            <a:off x="731520" y="1298448"/>
+            <a:ext cx="3383280" cy="457200"/>
           </a:xfrm>
           <a:prstGeom prst="rect">
             <a:avLst/>
@@ -6076,195 +9882,705 @@
           </a:bodyPr>
           <a:lstStyle/>
           <a:p>
+            <a:pPr algn="ctr">
+              <a:defRPr sz="1800" b="1">
+                <a:solidFill>
+                  <a:srgbClr val="FFFFFF"/>
+                </a:solidFill>
+                <a:latin typeface="Calibri"/>
+              </a:defRPr>
+            </a:pPr>
+            <a:r>
+              <a:t>Heuristic Search</a:t>
+            </a:r>
+          </a:p>
+        </p:txBody>
+      </p:sp>
+      <p:sp>
+        <p:nvSpPr>
+          <p:cNvPr id="8" name="TextBox 7"/>
+          <p:cNvSpPr txBox="1"/>
+          <p:nvPr/>
+        </p:nvSpPr>
+        <p:spPr>
+          <a:xfrm>
+            <a:off x="1005840" y="1920240"/>
+            <a:ext cx="2926080" cy="3657600"/>
+          </a:xfrm>
+          <a:prstGeom prst="rect">
+            <a:avLst/>
+          </a:prstGeom>
+          <a:noFill/>
+        </p:spPr>
+        <p:txBody>
+          <a:bodyPr wrap="square">
+            <a:spAutoFit/>
+          </a:bodyPr>
+          <a:lstStyle/>
+          <a:p>
             <a:pPr>
               <a:spcAft>
-                <a:spcPts val="800"/>
+                <a:spcPts val="400"/>
               </a:spcAft>
-              <a:defRPr sz="1500" b="1">
-                <a:solidFill>
-                  <a:srgbClr val="333333"/>
+              <a:defRPr sz="1200" b="1">
+                <a:solidFill>
+                  <a:srgbClr val="424242"/>
                 </a:solidFill>
                 <a:latin typeface="Calibri"/>
               </a:defRPr>
             </a:pPr>
             <a:r>
-              <a:t>Approach 1: Heuristic Search (uses full ODE)</a:t>
+              <a:t>Uses full ODE model</a:t>
+            </a:r>
+          </a:p>
+          <a:p>
+            <a:pPr>
+              <a:spcAft>
+                <a:spcPts val="400"/>
+              </a:spcAft>
+              <a:defRPr sz="1200" b="1">
+                <a:solidFill>
+                  <a:srgbClr val="424242"/>
+                </a:solidFill>
+                <a:latin typeface="Calibri"/>
+              </a:defRPr>
+            </a:pPr>
+            <a:r>
+              <a:t>Forward Greedy</a:t>
             </a:r>
           </a:p>
           <a:p>
             <a:pPr lvl="1">
               <a:spcAft>
-                <a:spcPts val="800"/>
+                <a:spcPts val="400"/>
               </a:spcAft>
-              <a:defRPr sz="1500" b="0">
-                <a:solidFill>
-                  <a:srgbClr val="333333"/>
+              <a:defRPr sz="1200" b="0">
+                <a:solidFill>
+                  <a:srgbClr val="424242"/>
                 </a:solidFill>
                 <a:latin typeface="Calibri"/>
               </a:defRPr>
             </a:pPr>
             <a:r>
-              <a:t>Forward greedy: add best site one at a time (25 rounds)</a:t>
+              <a:t>Add best site one at a time</a:t>
+            </a:r>
+            <a:br/>
+            <a:r>
+              <a:t>across 25 rounds</a:t>
+            </a:r>
+          </a:p>
+          <a:p>
+            <a:pPr>
+              <a:spcAft>
+                <a:spcPts val="400"/>
+              </a:spcAft>
+              <a:defRPr sz="1200" b="1">
+                <a:solidFill>
+                  <a:srgbClr val="424242"/>
+                </a:solidFill>
+                <a:latin typeface="Calibri"/>
+              </a:defRPr>
+            </a:pPr>
+            <a:r>
+              <a:t>Backward Elimination</a:t>
             </a:r>
           </a:p>
           <a:p>
             <a:pPr lvl="1">
               <a:spcAft>
-                <a:spcPts val="800"/>
+                <a:spcPts val="400"/>
               </a:spcAft>
-              <a:defRPr sz="1500" b="0">
-                <a:solidFill>
-                  <a:srgbClr val="333333"/>
+              <a:defRPr sz="1200" b="0">
+                <a:solidFill>
+                  <a:srgbClr val="424242"/>
                 </a:solidFill>
                 <a:latin typeface="Calibri"/>
               </a:defRPr>
             </a:pPr>
             <a:r>
-              <a:t>Backward elimination: start with all 48, remove least impactful</a:t>
+              <a:t>Start with all 48 sites,</a:t>
+            </a:r>
+            <a:br/>
+            <a:r>
+              <a:t>remove least impactful</a:t>
+            </a:r>
+          </a:p>
+          <a:p>
+            <a:pPr>
+              <a:spcAft>
+                <a:spcPts val="400"/>
+              </a:spcAft>
+              <a:defRPr sz="1200" b="1">
+                <a:solidFill>
+                  <a:srgbClr val="424242"/>
+                </a:solidFill>
+                <a:latin typeface="Calibri"/>
+              </a:defRPr>
+            </a:pPr>
+            <a:r>
+              <a:t>Local Search (1-swap)</a:t>
             </a:r>
           </a:p>
           <a:p>
             <a:pPr lvl="1">
               <a:spcAft>
-                <a:spcPts val="800"/>
+                <a:spcPts val="400"/>
               </a:spcAft>
-              <a:defRPr sz="1500" b="0">
-                <a:solidFill>
-                  <a:srgbClr val="333333"/>
+              <a:defRPr sz="1200" b="0">
+                <a:solidFill>
+                  <a:srgbClr val="424242"/>
                 </a:solidFill>
                 <a:latin typeface="Calibri"/>
               </a:defRPr>
             </a:pPr>
             <a:r>
-              <a:t>Local search: 1-swap hill climbing to refine greedy output</a:t>
-            </a:r>
-          </a:p>
+              <a:t>Refine by swapping sites</a:t>
+            </a:r>
+            <a:br/>
+            <a:r>
+              <a:t>in and out of the set</a:t>
+            </a:r>
+          </a:p>
+        </p:txBody>
+      </p:sp>
+      <p:sp>
+        <p:nvSpPr>
+          <p:cNvPr id="9" name="Rounded Rectangle 8"/>
+          <p:cNvSpPr/>
+          <p:nvPr/>
+        </p:nvSpPr>
+        <p:spPr>
+          <a:xfrm>
+            <a:off x="4389120" y="1280160"/>
+            <a:ext cx="3383280" cy="4754880"/>
+          </a:xfrm>
+          <a:prstGeom prst="roundRect">
+            <a:avLst/>
+          </a:prstGeom>
+          <a:solidFill>
+            <a:srgbClr val="FFFFFF"/>
+          </a:solidFill>
+          <a:ln w="12700">
+            <a:solidFill>
+              <a:srgbClr val="FF6F00"/>
+            </a:solidFill>
+          </a:ln>
+        </p:spPr>
+        <p:style>
+          <a:lnRef idx="1">
+            <a:schemeClr val="accent1"/>
+          </a:lnRef>
+          <a:fillRef idx="3">
+            <a:schemeClr val="accent1"/>
+          </a:fillRef>
+          <a:effectRef idx="2">
+            <a:schemeClr val="accent1"/>
+          </a:effectRef>
+          <a:fontRef idx="minor">
+            <a:schemeClr val="lt1"/>
+          </a:fontRef>
+        </p:style>
+        <p:txBody>
+          <a:bodyPr rtlCol="0" anchor="ctr"/>
+          <a:lstStyle/>
+          <a:p>
+            <a:pPr algn="ctr"/>
+          </a:p>
+        </p:txBody>
+      </p:sp>
+      <p:sp>
+        <p:nvSpPr>
+          <p:cNvPr id="10" name="Rectangle 9"/>
+          <p:cNvSpPr/>
+          <p:nvPr/>
+        </p:nvSpPr>
+        <p:spPr>
+          <a:xfrm>
+            <a:off x="4389120" y="1280160"/>
+            <a:ext cx="3383280" cy="502920"/>
+          </a:xfrm>
+          <a:prstGeom prst="rect">
+            <a:avLst/>
+          </a:prstGeom>
+          <a:solidFill>
+            <a:srgbClr val="FF6F00"/>
+          </a:solidFill>
+          <a:ln>
+            <a:noFill/>
+          </a:ln>
+        </p:spPr>
+        <p:style>
+          <a:lnRef idx="1">
+            <a:schemeClr val="accent1"/>
+          </a:lnRef>
+          <a:fillRef idx="3">
+            <a:schemeClr val="accent1"/>
+          </a:fillRef>
+          <a:effectRef idx="2">
+            <a:schemeClr val="accent1"/>
+          </a:effectRef>
+          <a:fontRef idx="minor">
+            <a:schemeClr val="lt1"/>
+          </a:fontRef>
+        </p:style>
+        <p:txBody>
+          <a:bodyPr rtlCol="0" anchor="ctr"/>
+          <a:lstStyle/>
+          <a:p>
+            <a:pPr algn="ctr"/>
+          </a:p>
+        </p:txBody>
+      </p:sp>
+      <p:sp>
+        <p:nvSpPr>
+          <p:cNvPr id="11" name="TextBox 10"/>
+          <p:cNvSpPr txBox="1"/>
+          <p:nvPr/>
+        </p:nvSpPr>
+        <p:spPr>
+          <a:xfrm>
+            <a:off x="4389120" y="1298448"/>
+            <a:ext cx="3383280" cy="457200"/>
+          </a:xfrm>
+          <a:prstGeom prst="rect">
+            <a:avLst/>
+          </a:prstGeom>
+          <a:noFill/>
+        </p:spPr>
+        <p:txBody>
+          <a:bodyPr wrap="square">
+            <a:spAutoFit/>
+          </a:bodyPr>
+          <a:lstStyle/>
+          <a:p>
+            <a:pPr algn="ctr">
+              <a:defRPr sz="1800" b="1">
+                <a:solidFill>
+                  <a:srgbClr val="FFFFFF"/>
+                </a:solidFill>
+                <a:latin typeface="Calibri"/>
+              </a:defRPr>
+            </a:pPr>
+            <a:r>
+              <a:t>MIQP Surrogate</a:t>
+            </a:r>
+          </a:p>
+        </p:txBody>
+      </p:sp>
+      <p:sp>
+        <p:nvSpPr>
+          <p:cNvPr id="12" name="TextBox 11"/>
+          <p:cNvSpPr txBox="1"/>
+          <p:nvPr/>
+        </p:nvSpPr>
+        <p:spPr>
+          <a:xfrm>
+            <a:off x="4663440" y="1920240"/>
+            <a:ext cx="2926080" cy="3657600"/>
+          </a:xfrm>
+          <a:prstGeom prst="rect">
+            <a:avLst/>
+          </a:prstGeom>
+          <a:noFill/>
+        </p:spPr>
+        <p:txBody>
+          <a:bodyPr wrap="square">
+            <a:spAutoFit/>
+          </a:bodyPr>
+          <a:lstStyle/>
           <a:p>
             <a:pPr>
               <a:spcAft>
-                <a:spcPts val="800"/>
+                <a:spcPts val="400"/>
               </a:spcAft>
-              <a:defRPr sz="1500" b="1">
-                <a:solidFill>
-                  <a:srgbClr val="333333"/>
+              <a:defRPr sz="1200" b="1">
+                <a:solidFill>
+                  <a:srgbClr val="424242"/>
                 </a:solidFill>
                 <a:latin typeface="Calibri"/>
               </a:defRPr>
             </a:pPr>
             <a:r>
-              <a:t>Approach 2: MIQP Surrogate (my key contribution)</a:t>
+              <a:t>Key innovation</a:t>
+            </a:r>
+          </a:p>
+          <a:p>
+            <a:pPr>
+              <a:spcAft>
+                <a:spcPts val="400"/>
+              </a:spcAft>
+              <a:defRPr sz="1200" b="1">
+                <a:solidFill>
+                  <a:srgbClr val="424242"/>
+                </a:solidFill>
+                <a:latin typeface="Calibri"/>
+              </a:defRPr>
+            </a:pPr>
+            <a:r>
+              <a:t>Quadratic Objective</a:t>
             </a:r>
           </a:p>
           <a:p>
             <a:pPr lvl="1">
               <a:spcAft>
-                <a:spcPts val="800"/>
+                <a:spcPts val="400"/>
               </a:spcAft>
-              <a:defRPr sz="1500" b="0">
-                <a:solidFill>
-                  <a:srgbClr val="333333"/>
+              <a:defRPr sz="1200" b="0">
+                <a:solidFill>
+                  <a:srgbClr val="424242"/>
                 </a:solidFill>
                 <a:latin typeface="Calibri"/>
               </a:defRPr>
             </a:pPr>
             <a:r>
-              <a:t>ODE too expensive for exact optimization</a:t>
+              <a:t>max  sum Pe_i x_i</a:t>
+            </a:r>
+            <a:br/>
+            <a:r>
+              <a:t>   + sum W_ij x_i x_j</a:t>
+            </a:r>
+          </a:p>
+          <a:p>
+            <a:pPr>
+              <a:spcAft>
+                <a:spcPts val="400"/>
+              </a:spcAft>
+              <a:defRPr sz="1200" b="1">
+                <a:solidFill>
+                  <a:srgbClr val="424242"/>
+                </a:solidFill>
+                <a:latin typeface="Calibri"/>
+              </a:defRPr>
+            </a:pPr>
+            <a:r>
+              <a:t>Surrogate Weights</a:t>
             </a:r>
           </a:p>
           <a:p>
             <a:pPr lvl="1">
               <a:spcAft>
-                <a:spcPts val="800"/>
+                <a:spcPts val="400"/>
               </a:spcAft>
-              <a:defRPr sz="1500" b="0">
-                <a:solidFill>
-                  <a:srgbClr val="333333"/>
+              <a:defRPr sz="1200" b="0">
+                <a:solidFill>
+                  <a:srgbClr val="424242"/>
                 </a:solidFill>
                 <a:latin typeface="Calibri"/>
               </a:defRPr>
             </a:pPr>
             <a:r>
-              <a:t>Built a quadratic surrogate: max sum(Pe_i * x_i) + sum(W_ij * x_i * x_j)</a:t>
+              <a:t>W_ij = P1_ij * (A*)^1.72</a:t>
+            </a:r>
+            <a:br/>
+            <a:r>
+              <a:t>approx. network effect</a:t>
+            </a:r>
+          </a:p>
+          <a:p>
+            <a:pPr>
+              <a:spcAft>
+                <a:spcPts val="400"/>
+              </a:spcAft>
+              <a:defRPr sz="1200" b="1">
+                <a:solidFill>
+                  <a:srgbClr val="424242"/>
+                </a:solidFill>
+                <a:latin typeface="Calibri"/>
+              </a:defRPr>
+            </a:pPr>
+            <a:r>
+              <a:t>Exact Solution</a:t>
             </a:r>
           </a:p>
           <a:p>
             <a:pPr lvl="1">
               <a:spcAft>
-                <a:spcPts val="800"/>
+                <a:spcPts val="400"/>
               </a:spcAft>
-              <a:defRPr sz="1500" b="0">
-                <a:solidFill>
-                  <a:srgbClr val="333333"/>
+              <a:defRPr sz="1200" b="0">
+                <a:solidFill>
+                  <a:srgbClr val="424242"/>
                 </a:solidFill>
                 <a:latin typeface="Calibri"/>
               </a:defRPr>
             </a:pPr>
             <a:r>
-              <a:t>W_ij = P1_ij * (A*)^1.72 approximates the network effect</a:t>
+              <a:t>Gurobi solver: provably</a:t>
+            </a:r>
+            <a:br/>
+            <a:r>
+              <a:t>optimal in 0.32 seconds</a:t>
+            </a:r>
+          </a:p>
+        </p:txBody>
+      </p:sp>
+      <p:sp>
+        <p:nvSpPr>
+          <p:cNvPr id="13" name="Rounded Rectangle 12"/>
+          <p:cNvSpPr/>
+          <p:nvPr/>
+        </p:nvSpPr>
+        <p:spPr>
+          <a:xfrm>
+            <a:off x="8046720" y="1280160"/>
+            <a:ext cx="3383280" cy="4754880"/>
+          </a:xfrm>
+          <a:prstGeom prst="roundRect">
+            <a:avLst/>
+          </a:prstGeom>
+          <a:solidFill>
+            <a:srgbClr val="FFFFFF"/>
+          </a:solidFill>
+          <a:ln w="12700">
+            <a:solidFill>
+              <a:srgbClr val="2E7D32"/>
+            </a:solidFill>
+          </a:ln>
+        </p:spPr>
+        <p:style>
+          <a:lnRef idx="1">
+            <a:schemeClr val="accent1"/>
+          </a:lnRef>
+          <a:fillRef idx="3">
+            <a:schemeClr val="accent1"/>
+          </a:fillRef>
+          <a:effectRef idx="2">
+            <a:schemeClr val="accent1"/>
+          </a:effectRef>
+          <a:fontRef idx="minor">
+            <a:schemeClr val="lt1"/>
+          </a:fontRef>
+        </p:style>
+        <p:txBody>
+          <a:bodyPr rtlCol="0" anchor="ctr"/>
+          <a:lstStyle/>
+          <a:p>
+            <a:pPr algn="ctr"/>
+          </a:p>
+        </p:txBody>
+      </p:sp>
+      <p:sp>
+        <p:nvSpPr>
+          <p:cNvPr id="14" name="Rectangle 13"/>
+          <p:cNvSpPr/>
+          <p:nvPr/>
+        </p:nvSpPr>
+        <p:spPr>
+          <a:xfrm>
+            <a:off x="8046720" y="1280160"/>
+            <a:ext cx="3383280" cy="502920"/>
+          </a:xfrm>
+          <a:prstGeom prst="rect">
+            <a:avLst/>
+          </a:prstGeom>
+          <a:solidFill>
+            <a:srgbClr val="2E7D32"/>
+          </a:solidFill>
+          <a:ln>
+            <a:noFill/>
+          </a:ln>
+        </p:spPr>
+        <p:style>
+          <a:lnRef idx="1">
+            <a:schemeClr val="accent1"/>
+          </a:lnRef>
+          <a:fillRef idx="3">
+            <a:schemeClr val="accent1"/>
+          </a:fillRef>
+          <a:effectRef idx="2">
+            <a:schemeClr val="accent1"/>
+          </a:effectRef>
+          <a:fontRef idx="minor">
+            <a:schemeClr val="lt1"/>
+          </a:fontRef>
+        </p:style>
+        <p:txBody>
+          <a:bodyPr rtlCol="0" anchor="ctr"/>
+          <a:lstStyle/>
+          <a:p>
+            <a:pPr algn="ctr"/>
+          </a:p>
+        </p:txBody>
+      </p:sp>
+      <p:sp>
+        <p:nvSpPr>
+          <p:cNvPr id="15" name="TextBox 14"/>
+          <p:cNvSpPr txBox="1"/>
+          <p:nvPr/>
+        </p:nvSpPr>
+        <p:spPr>
+          <a:xfrm>
+            <a:off x="8046720" y="1298448"/>
+            <a:ext cx="3383280" cy="457200"/>
+          </a:xfrm>
+          <a:prstGeom prst="rect">
+            <a:avLst/>
+          </a:prstGeom>
+          <a:noFill/>
+        </p:spPr>
+        <p:txBody>
+          <a:bodyPr wrap="square">
+            <a:spAutoFit/>
+          </a:bodyPr>
+          <a:lstStyle/>
+          <a:p>
+            <a:pPr algn="ctr">
+              <a:defRPr sz="1800" b="1">
+                <a:solidFill>
+                  <a:srgbClr val="FFFFFF"/>
+                </a:solidFill>
+                <a:latin typeface="Calibri"/>
+              </a:defRPr>
+            </a:pPr>
+            <a:r>
+              <a:t>Constrained MIQP</a:t>
+            </a:r>
+          </a:p>
+        </p:txBody>
+      </p:sp>
+      <p:sp>
+        <p:nvSpPr>
+          <p:cNvPr id="16" name="TextBox 15"/>
+          <p:cNvSpPr txBox="1"/>
+          <p:nvPr/>
+        </p:nvSpPr>
+        <p:spPr>
+          <a:xfrm>
+            <a:off x="8321040" y="1920240"/>
+            <a:ext cx="2926080" cy="3657600"/>
+          </a:xfrm>
+          <a:prstGeom prst="rect">
+            <a:avLst/>
+          </a:prstGeom>
+          <a:noFill/>
+        </p:spPr>
+        <p:txBody>
+          <a:bodyPr wrap="square">
+            <a:spAutoFit/>
+          </a:bodyPr>
+          <a:lstStyle/>
+          <a:p>
+            <a:pPr>
+              <a:spcAft>
+                <a:spcPts val="400"/>
+              </a:spcAft>
+              <a:defRPr sz="1200" b="1">
+                <a:solidFill>
+                  <a:srgbClr val="424242"/>
+                </a:solidFill>
+                <a:latin typeface="Calibri"/>
+              </a:defRPr>
+            </a:pPr>
+            <a:r>
+              <a:t>Real-world extensions</a:t>
+            </a:r>
+          </a:p>
+          <a:p>
+            <a:pPr>
+              <a:spcAft>
+                <a:spcPts val="400"/>
+              </a:spcAft>
+              <a:defRPr sz="1200" b="1">
+                <a:solidFill>
+                  <a:srgbClr val="424242"/>
+                </a:solidFill>
+                <a:latin typeface="Calibri"/>
+              </a:defRPr>
+            </a:pPr>
+            <a:r>
+              <a:t>Community Constraints</a:t>
             </a:r>
           </a:p>
           <a:p>
             <a:pPr lvl="1">
               <a:spcAft>
-                <a:spcPts val="800"/>
+                <a:spcPts val="400"/>
               </a:spcAft>
-              <a:defRPr sz="1500" b="0">
-                <a:solidFill>
-                  <a:srgbClr val="333333"/>
+              <a:defRPr sz="1200" b="0">
+                <a:solidFill>
+                  <a:srgbClr val="424242"/>
                 </a:solidFill>
                 <a:latin typeface="Calibri"/>
               </a:defRPr>
             </a:pPr>
             <a:r>
-              <a:t>Solved exactly with Gurobi in 0.32 seconds</a:t>
+              <a:t>Minimum reefs per</a:t>
+            </a:r>
+            <a:br/>
+            <a:r>
+              <a:t>geographic region for fairness</a:t>
             </a:r>
           </a:p>
           <a:p>
             <a:pPr>
               <a:spcAft>
-                <a:spcPts val="800"/>
+                <a:spcPts val="400"/>
               </a:spcAft>
-              <a:defRPr sz="1500" b="1">
-                <a:solidFill>
-                  <a:srgbClr val="333333"/>
+              <a:defRPr sz="1200" b="1">
+                <a:solidFill>
+                  <a:srgbClr val="424242"/>
                 </a:solidFill>
                 <a:latin typeface="Calibri"/>
               </a:defRPr>
             </a:pPr>
             <a:r>
-              <a:t>Approach 3: Constrained MIQP Variants</a:t>
+              <a:t>Reef Sizing</a:t>
             </a:r>
           </a:p>
           <a:p>
             <a:pPr lvl="1">
               <a:spcAft>
-                <a:spcPts val="800"/>
+                <a:spcPts val="400"/>
               </a:spcAft>
-              <a:defRPr sz="1500" b="0">
-                <a:solidFill>
-                  <a:srgbClr val="333333"/>
+              <a:defRPr sz="1200" b="0">
+                <a:solidFill>
+                  <a:srgbClr val="424242"/>
                 </a:solidFill>
                 <a:latin typeface="Calibri"/>
               </a:defRPr>
             </a:pPr>
             <a:r>
-              <a:t>Community constraints: minimum reefs per geographic region</a:t>
+              <a:t>Optimize area allocation</a:t>
+            </a:r>
+            <a:br/>
+            <a:r>
+              <a:t>per site under total budget</a:t>
+            </a:r>
+          </a:p>
+          <a:p>
+            <a:pPr>
+              <a:spcAft>
+                <a:spcPts val="400"/>
+              </a:spcAft>
+              <a:defRPr sz="1200" b="1">
+                <a:solidFill>
+                  <a:srgbClr val="424242"/>
+                </a:solidFill>
+                <a:latin typeface="Calibri"/>
+              </a:defRPr>
+            </a:pPr>
+            <a:r>
+              <a:t>Combined Model</a:t>
             </a:r>
           </a:p>
           <a:p>
             <a:pPr lvl="1">
               <a:spcAft>
-                <a:spcPts val="800"/>
+                <a:spcPts val="400"/>
               </a:spcAft>
-              <a:defRPr sz="1500" b="0">
-                <a:solidFill>
-                  <a:srgbClr val="333333"/>
+              <a:defRPr sz="1200" b="0">
+                <a:solidFill>
+                  <a:srgbClr val="424242"/>
                 </a:solidFill>
                 <a:latin typeface="Calibri"/>
               </a:defRPr>
             </a:pPr>
             <a:r>
-              <a:t>Sizing constraints: optimize reef area allocation under budget</a:t>
+              <a:t>Communities + sizing</a:t>
+            </a:r>
+            <a:br/>
+            <a:r>
+              <a:t>in a single formulation</a:t>
             </a:r>
           </a:p>
         </p:txBody>
@@ -6283,7 +10599,7 @@
     <p:bg>
       <p:bgPr>
         <a:solidFill>
-          <a:srgbClr val="FFFFFF"/>
+          <a:srgbClr val="FAFAFA"/>
         </a:solidFill>
         <a:effectLst/>
       </p:bgPr>
@@ -6297,14 +10613,57 @@
       <p:grpSpPr/>
       <p:sp>
         <p:nvSpPr>
-          <p:cNvPr id="2" name="TextBox 1"/>
+          <p:cNvPr id="2" name="Rectangle 1"/>
+          <p:cNvSpPr/>
+          <p:nvPr/>
+        </p:nvSpPr>
+        <p:spPr>
+          <a:xfrm>
+            <a:off x="0" y="0"/>
+            <a:ext cx="12191695" cy="54864"/>
+          </a:xfrm>
+          <a:prstGeom prst="rect">
+            <a:avLst/>
+          </a:prstGeom>
+          <a:solidFill>
+            <a:srgbClr val="1E88E5"/>
+          </a:solidFill>
+          <a:ln>
+            <a:noFill/>
+          </a:ln>
+        </p:spPr>
+        <p:style>
+          <a:lnRef idx="1">
+            <a:schemeClr val="accent1"/>
+          </a:lnRef>
+          <a:fillRef idx="3">
+            <a:schemeClr val="accent1"/>
+          </a:fillRef>
+          <a:effectRef idx="2">
+            <a:schemeClr val="accent1"/>
+          </a:effectRef>
+          <a:fontRef idx="minor">
+            <a:schemeClr val="lt1"/>
+          </a:fontRef>
+        </p:style>
+        <p:txBody>
+          <a:bodyPr rtlCol="0" anchor="ctr"/>
+          <a:lstStyle/>
+          <a:p>
+            <a:pPr algn="ctr"/>
+          </a:p>
+        </p:txBody>
+      </p:sp>
+      <p:sp>
+        <p:nvSpPr>
+          <p:cNvPr id="3" name="TextBox 2"/>
           <p:cNvSpPr txBox="1"/>
           <p:nvPr/>
         </p:nvSpPr>
         <p:spPr>
           <a:xfrm>
-            <a:off x="457200" y="182880"/>
-            <a:ext cx="8229600" cy="457200"/>
+            <a:off x="731520" y="320040"/>
+            <a:ext cx="10515600" cy="640080"/>
           </a:xfrm>
           <a:prstGeom prst="rect">
             <a:avLst/>
@@ -6318,22 +10677,65 @@
           <a:lstStyle/>
           <a:p>
             <a:pPr algn="l">
-              <a:defRPr sz="2600" b="1">
-                <a:solidFill>
-                  <a:srgbClr val="1A237E"/>
-                </a:solidFill>
-                <a:latin typeface="Calibri"/>
-              </a:defRPr>
-            </a:pPr>
-            <a:r>
-              <a:t>Greedy Site Selection: Marginal Returns</a:t>
-            </a:r>
+              <a:defRPr sz="3000" b="1">
+                <a:solidFill>
+                  <a:srgbClr val="0D1B2A"/>
+                </a:solidFill>
+                <a:latin typeface="Calibri Light"/>
+              </a:defRPr>
+            </a:pPr>
+            <a:r>
+              <a:t>Greedy Selection: Marginal Returns Curve</a:t>
+            </a:r>
+          </a:p>
+        </p:txBody>
+      </p:sp>
+      <p:sp>
+        <p:nvSpPr>
+          <p:cNvPr id="4" name="Rectangle 3"/>
+          <p:cNvSpPr/>
+          <p:nvPr/>
+        </p:nvSpPr>
+        <p:spPr>
+          <a:xfrm>
+            <a:off x="731520" y="868680"/>
+            <a:ext cx="1645920" cy="38100"/>
+          </a:xfrm>
+          <a:prstGeom prst="rect">
+            <a:avLst/>
+          </a:prstGeom>
+          <a:solidFill>
+            <a:srgbClr val="1E88E5"/>
+          </a:solidFill>
+          <a:ln>
+            <a:noFill/>
+          </a:ln>
+        </p:spPr>
+        <p:style>
+          <a:lnRef idx="1">
+            <a:schemeClr val="accent1"/>
+          </a:lnRef>
+          <a:fillRef idx="3">
+            <a:schemeClr val="accent1"/>
+          </a:fillRef>
+          <a:effectRef idx="2">
+            <a:schemeClr val="accent1"/>
+          </a:effectRef>
+          <a:fontRef idx="minor">
+            <a:schemeClr val="lt1"/>
+          </a:fontRef>
+        </p:style>
+        <p:txBody>
+          <a:bodyPr rtlCol="0" anchor="ctr"/>
+          <a:lstStyle/>
+          <a:p>
+            <a:pPr algn="ctr"/>
           </a:p>
         </p:txBody>
       </p:sp>
       <p:pic>
         <p:nvPicPr>
-          <p:cNvPr id="3" name="Picture 2" descr="fig7_greedy_curve.png"/>
+          <p:cNvPr id="5" name="Picture 4" descr="fig7_greedy_curve.png"/>
           <p:cNvPicPr>
             <a:picLocks noChangeAspect="1"/>
           </p:cNvPicPr>
@@ -6347,8 +10749,8 @@
         </p:blipFill>
         <p:spPr>
           <a:xfrm>
-            <a:off x="761999" y="640080"/>
-            <a:ext cx="7620000" cy="4572000"/>
+            <a:off x="2133447" y="1097280"/>
+            <a:ext cx="7924800" cy="4754880"/>
           </a:xfrm>
           <a:prstGeom prst="rect">
             <a:avLst/>
@@ -6357,14 +10759,14 @@
       </p:pic>
       <p:sp>
         <p:nvSpPr>
-          <p:cNvPr id="4" name="TextBox 3"/>
+          <p:cNvPr id="6" name="TextBox 5"/>
           <p:cNvSpPr txBox="1"/>
           <p:nvPr/>
         </p:nvSpPr>
         <p:spPr>
           <a:xfrm>
-            <a:off x="457200" y="5394960"/>
-            <a:ext cx="8229600" cy="731520"/>
+            <a:off x="731520" y="6035040"/>
+            <a:ext cx="10698480" cy="457200"/>
           </a:xfrm>
           <a:prstGeom prst="rect">
             <a:avLst/>
@@ -6380,13 +10782,13 @@
             <a:pPr algn="ctr">
               <a:defRPr sz="1200" b="0">
                 <a:solidFill>
-                  <a:srgbClr val="666666"/>
+                  <a:srgbClr val="757575"/>
                 </a:solidFill>
                 <a:latin typeface="Calibri"/>
               </a:defRPr>
             </a:pPr>
             <a:r>
-              <a:t>Each added site increases biomass, with a jump at sites 17-18 (adding hub sites 40, 41). Greedy+Local Search ultimately achieves the best ODE score (1.862).</a:t>
+              <a:t>Each site adds biomass, with a jump at sites 17-18 (hub sites 40, 41). Greedy+Local ultimately achieves the best ODE-validated score of 1.862.</a:t>
             </a:r>
           </a:p>
         </p:txBody>
@@ -6405,7 +10807,7 @@
     <p:bg>
       <p:bgPr>
         <a:solidFill>
-          <a:srgbClr val="FFFFFF"/>
+          <a:srgbClr val="FAFAFA"/>
         </a:solidFill>
         <a:effectLst/>
       </p:bgPr>
@@ -6419,14 +10821,57 @@
       <p:grpSpPr/>
       <p:sp>
         <p:nvSpPr>
-          <p:cNvPr id="2" name="TextBox 1"/>
+          <p:cNvPr id="2" name="Rectangle 1"/>
+          <p:cNvSpPr/>
+          <p:nvPr/>
+        </p:nvSpPr>
+        <p:spPr>
+          <a:xfrm>
+            <a:off x="0" y="0"/>
+            <a:ext cx="12191695" cy="54864"/>
+          </a:xfrm>
+          <a:prstGeom prst="rect">
+            <a:avLst/>
+          </a:prstGeom>
+          <a:solidFill>
+            <a:srgbClr val="1E88E5"/>
+          </a:solidFill>
+          <a:ln>
+            <a:noFill/>
+          </a:ln>
+        </p:spPr>
+        <p:style>
+          <a:lnRef idx="1">
+            <a:schemeClr val="accent1"/>
+          </a:lnRef>
+          <a:fillRef idx="3">
+            <a:schemeClr val="accent1"/>
+          </a:fillRef>
+          <a:effectRef idx="2">
+            <a:schemeClr val="accent1"/>
+          </a:effectRef>
+          <a:fontRef idx="minor">
+            <a:schemeClr val="lt1"/>
+          </a:fontRef>
+        </p:style>
+        <p:txBody>
+          <a:bodyPr rtlCol="0" anchor="ctr"/>
+          <a:lstStyle/>
+          <a:p>
+            <a:pPr algn="ctr"/>
+          </a:p>
+        </p:txBody>
+      </p:sp>
+      <p:sp>
+        <p:nvSpPr>
+          <p:cNvPr id="3" name="TextBox 2"/>
           <p:cNvSpPr txBox="1"/>
           <p:nvPr/>
         </p:nvSpPr>
         <p:spPr>
           <a:xfrm>
-            <a:off x="457200" y="182880"/>
-            <a:ext cx="8229600" cy="457200"/>
+            <a:off x="731520" y="320040"/>
+            <a:ext cx="10515600" cy="640080"/>
           </a:xfrm>
           <a:prstGeom prst="rect">
             <a:avLst/>
@@ -6440,22 +10885,65 @@
           <a:lstStyle/>
           <a:p>
             <a:pPr algn="l">
-              <a:defRPr sz="2600" b="1">
-                <a:solidFill>
-                  <a:srgbClr val="1A237E"/>
-                </a:solidFill>
-                <a:latin typeface="Calibri"/>
+              <a:defRPr sz="3000" b="1">
+                <a:solidFill>
+                  <a:srgbClr val="0D1B2A"/>
+                </a:solidFill>
+                <a:latin typeface="Calibri Light"/>
               </a:defRPr>
             </a:pPr>
             <a:r>
               <a:t>ODE-Validated Performance Comparison</a:t>
             </a:r>
+          </a:p>
+        </p:txBody>
+      </p:sp>
+      <p:sp>
+        <p:nvSpPr>
+          <p:cNvPr id="4" name="Rectangle 3"/>
+          <p:cNvSpPr/>
+          <p:nvPr/>
+        </p:nvSpPr>
+        <p:spPr>
+          <a:xfrm>
+            <a:off x="731520" y="868680"/>
+            <a:ext cx="1645920" cy="38100"/>
+          </a:xfrm>
+          <a:prstGeom prst="rect">
+            <a:avLst/>
+          </a:prstGeom>
+          <a:solidFill>
+            <a:srgbClr val="1E88E5"/>
+          </a:solidFill>
+          <a:ln>
+            <a:noFill/>
+          </a:ln>
+        </p:spPr>
+        <p:style>
+          <a:lnRef idx="1">
+            <a:schemeClr val="accent1"/>
+          </a:lnRef>
+          <a:fillRef idx="3">
+            <a:schemeClr val="accent1"/>
+          </a:fillRef>
+          <a:effectRef idx="2">
+            <a:schemeClr val="accent1"/>
+          </a:effectRef>
+          <a:fontRef idx="minor">
+            <a:schemeClr val="lt1"/>
+          </a:fontRef>
+        </p:style>
+        <p:txBody>
+          <a:bodyPr rtlCol="0" anchor="ctr"/>
+          <a:lstStyle/>
+          <a:p>
+            <a:pPr algn="ctr"/>
           </a:p>
         </p:txBody>
       </p:sp>
       <p:pic>
         <p:nvPicPr>
-          <p:cNvPr id="3" name="Picture 2" descr="fig1_score_comparison.png"/>
+          <p:cNvPr id="5" name="Picture 4" descr="fig1_score_comparison.png"/>
           <p:cNvPicPr>
             <a:picLocks noChangeAspect="1"/>
           </p:cNvPicPr>
@@ -6469,8 +10957,8 @@
         </p:blipFill>
         <p:spPr>
           <a:xfrm>
-            <a:off x="1143000" y="640080"/>
-            <a:ext cx="6858000" cy="4114800"/>
+            <a:off x="2285847" y="1097280"/>
+            <a:ext cx="7620000" cy="4572000"/>
           </a:xfrm>
           <a:prstGeom prst="rect">
             <a:avLst/>
@@ -6479,14 +10967,14 @@
       </p:pic>
       <p:sp>
         <p:nvSpPr>
-          <p:cNvPr id="4" name="TextBox 3"/>
+          <p:cNvPr id="6" name="TextBox 5"/>
           <p:cNvSpPr txBox="1"/>
           <p:nvPr/>
         </p:nvSpPr>
         <p:spPr>
           <a:xfrm>
-            <a:off x="457200" y="5303520"/>
-            <a:ext cx="8229600" cy="914400"/>
+            <a:off x="731520" y="5943600"/>
+            <a:ext cx="10698480" cy="548640"/>
           </a:xfrm>
           <a:prstGeom prst="rect">
             <a:avLst/>
@@ -6502,13 +10990,13 @@
             <a:pPr algn="ctr">
               <a:defRPr sz="1200" b="0">
                 <a:solidFill>
-                  <a:srgbClr val="666666"/>
+                  <a:srgbClr val="757575"/>
                 </a:solidFill>
                 <a:latin typeface="Calibri"/>
               </a:defRPr>
             </a:pPr>
             <a:r>
-              <a:t>All methods validated through the full JARS ODE (tmax=1000). Greedy+Local achieves the highest biomass. MIQP is 8% behind but solves in 0.3s vs 32 min. Community constraints reduce score by 26% - the cost of geographic fairness.</a:t>
+              <a:t>All solutions validated through the full nonlinear JARS ODE (tmax=1000, realistic P0). Greedy+Local achieves highest biomass. MIQP is 8% behind but solves 6,000x faster.</a:t>
             </a:r>
           </a:p>
         </p:txBody>
@@ -6527,7 +11015,7 @@
     <p:bg>
       <p:bgPr>
         <a:solidFill>
-          <a:srgbClr val="FFFFFF"/>
+          <a:srgbClr val="FAFAFA"/>
         </a:solidFill>
         <a:effectLst/>
       </p:bgPr>
@@ -6541,14 +11029,57 @@
       <p:grpSpPr/>
       <p:sp>
         <p:nvSpPr>
-          <p:cNvPr id="2" name="TextBox 1"/>
+          <p:cNvPr id="2" name="Rectangle 1"/>
+          <p:cNvSpPr/>
+          <p:nvPr/>
+        </p:nvSpPr>
+        <p:spPr>
+          <a:xfrm>
+            <a:off x="0" y="0"/>
+            <a:ext cx="12191695" cy="54864"/>
+          </a:xfrm>
+          <a:prstGeom prst="rect">
+            <a:avLst/>
+          </a:prstGeom>
+          <a:solidFill>
+            <a:srgbClr val="1E88E5"/>
+          </a:solidFill>
+          <a:ln>
+            <a:noFill/>
+          </a:ln>
+        </p:spPr>
+        <p:style>
+          <a:lnRef idx="1">
+            <a:schemeClr val="accent1"/>
+          </a:lnRef>
+          <a:fillRef idx="3">
+            <a:schemeClr val="accent1"/>
+          </a:fillRef>
+          <a:effectRef idx="2">
+            <a:schemeClr val="accent1"/>
+          </a:effectRef>
+          <a:fontRef idx="minor">
+            <a:schemeClr val="lt1"/>
+          </a:fontRef>
+        </p:style>
+        <p:txBody>
+          <a:bodyPr rtlCol="0" anchor="ctr"/>
+          <a:lstStyle/>
+          <a:p>
+            <a:pPr algn="ctr"/>
+          </a:p>
+        </p:txBody>
+      </p:sp>
+      <p:sp>
+        <p:nvSpPr>
+          <p:cNvPr id="3" name="TextBox 2"/>
           <p:cNvSpPr txBox="1"/>
           <p:nvPr/>
         </p:nvSpPr>
         <p:spPr>
           <a:xfrm>
-            <a:off x="457200" y="182880"/>
-            <a:ext cx="8229600" cy="457200"/>
+            <a:off x="731520" y="320040"/>
+            <a:ext cx="10515600" cy="640080"/>
           </a:xfrm>
           <a:prstGeom prst="rect">
             <a:avLst/>
@@ -6562,22 +11093,65 @@
           <a:lstStyle/>
           <a:p>
             <a:pPr algn="l">
-              <a:defRPr sz="2600" b="1">
-                <a:solidFill>
-                  <a:srgbClr val="1A237E"/>
-                </a:solidFill>
-                <a:latin typeface="Calibri"/>
-              </a:defRPr>
-            </a:pPr>
-            <a:r>
-              <a:t>Computational Time: Heuristics vs MIQP</a:t>
-            </a:r>
+              <a:defRPr sz="3000" b="1">
+                <a:solidFill>
+                  <a:srgbClr val="0D1B2A"/>
+                </a:solidFill>
+                <a:latin typeface="Calibri Light"/>
+              </a:defRPr>
+            </a:pPr>
+            <a:r>
+              <a:t>Computational Time: Speed vs Quality</a:t>
+            </a:r>
+          </a:p>
+        </p:txBody>
+      </p:sp>
+      <p:sp>
+        <p:nvSpPr>
+          <p:cNvPr id="4" name="Rectangle 3"/>
+          <p:cNvSpPr/>
+          <p:nvPr/>
+        </p:nvSpPr>
+        <p:spPr>
+          <a:xfrm>
+            <a:off x="731520" y="868680"/>
+            <a:ext cx="1645920" cy="38100"/>
+          </a:xfrm>
+          <a:prstGeom prst="rect">
+            <a:avLst/>
+          </a:prstGeom>
+          <a:solidFill>
+            <a:srgbClr val="1E88E5"/>
+          </a:solidFill>
+          <a:ln>
+            <a:noFill/>
+          </a:ln>
+        </p:spPr>
+        <p:style>
+          <a:lnRef idx="1">
+            <a:schemeClr val="accent1"/>
+          </a:lnRef>
+          <a:fillRef idx="3">
+            <a:schemeClr val="accent1"/>
+          </a:fillRef>
+          <a:effectRef idx="2">
+            <a:schemeClr val="accent1"/>
+          </a:effectRef>
+          <a:fontRef idx="minor">
+            <a:schemeClr val="lt1"/>
+          </a:fontRef>
+        </p:style>
+        <p:txBody>
+          <a:bodyPr rtlCol="0" anchor="ctr"/>
+          <a:lstStyle/>
+          <a:p>
+            <a:pPr algn="ctr"/>
           </a:p>
         </p:txBody>
       </p:sp>
       <p:pic>
         <p:nvPicPr>
-          <p:cNvPr id="3" name="Picture 2" descr="fig9_timing.png"/>
+          <p:cNvPr id="5" name="Picture 4" descr="fig9_timing.png"/>
           <p:cNvPicPr>
             <a:picLocks noChangeAspect="1"/>
           </p:cNvPicPr>
@@ -6591,7 +11165,7 @@
         </p:blipFill>
         <p:spPr>
           <a:xfrm>
-            <a:off x="1371600" y="640080"/>
+            <a:off x="457200" y="1188720"/>
             <a:ext cx="6400800" cy="4000500"/>
           </a:xfrm>
           <a:prstGeom prst="rect">
@@ -6601,14 +11175,59 @@
       </p:pic>
       <p:sp>
         <p:nvSpPr>
-          <p:cNvPr id="4" name="TextBox 3"/>
+          <p:cNvPr id="6" name="Rounded Rectangle 5"/>
+          <p:cNvSpPr/>
+          <p:nvPr/>
+        </p:nvSpPr>
+        <p:spPr>
+          <a:xfrm>
+            <a:off x="7132320" y="1371600"/>
+            <a:ext cx="4389120" cy="2011680"/>
+          </a:xfrm>
+          <a:prstGeom prst="roundRect">
+            <a:avLst/>
+          </a:prstGeom>
+          <a:solidFill>
+            <a:srgbClr val="FFFFFF"/>
+          </a:solidFill>
+          <a:ln w="12700">
+            <a:solidFill>
+              <a:srgbClr val="BDBDBD"/>
+            </a:solidFill>
+          </a:ln>
+        </p:spPr>
+        <p:style>
+          <a:lnRef idx="1">
+            <a:schemeClr val="accent1"/>
+          </a:lnRef>
+          <a:fillRef idx="3">
+            <a:schemeClr val="accent1"/>
+          </a:fillRef>
+          <a:effectRef idx="2">
+            <a:schemeClr val="accent1"/>
+          </a:effectRef>
+          <a:fontRef idx="minor">
+            <a:schemeClr val="lt1"/>
+          </a:fontRef>
+        </p:style>
+        <p:txBody>
+          <a:bodyPr rtlCol="0" anchor="ctr"/>
+          <a:lstStyle/>
+          <a:p>
+            <a:pPr algn="ctr"/>
+          </a:p>
+        </p:txBody>
+      </p:sp>
+      <p:sp>
+        <p:nvSpPr>
+          <p:cNvPr id="7" name="TextBox 6"/>
           <p:cNvSpPr txBox="1"/>
           <p:nvPr/>
         </p:nvSpPr>
         <p:spPr>
           <a:xfrm>
-            <a:off x="457200" y="5303520"/>
-            <a:ext cx="8229600" cy="914400"/>
+            <a:off x="7406640" y="1508760"/>
+            <a:ext cx="3840480" cy="365760"/>
           </a:xfrm>
           <a:prstGeom prst="rect">
             <a:avLst/>
@@ -6621,16 +11240,271 @@
           </a:bodyPr>
           <a:lstStyle/>
           <a:p>
-            <a:pPr algn="ctr">
-              <a:defRPr sz="1200" b="0">
-                <a:solidFill>
-                  <a:srgbClr val="666666"/>
+            <a:pPr algn="l">
+              <a:defRPr sz="1800" b="1">
+                <a:solidFill>
+                  <a:srgbClr val="0D1B2A"/>
                 </a:solidFill>
                 <a:latin typeface="Calibri"/>
               </a:defRPr>
             </a:pPr>
             <a:r>
-              <a:t>MIQP solves 6,000x faster than Greedy+Local. The surrogate trades ~8% accuracy for near-instant solutions, enabling rapid what-if analysis and constraint exploration.</a:t>
+              <a:t>The Trade-off</a:t>
+            </a:r>
+          </a:p>
+        </p:txBody>
+      </p:sp>
+      <p:sp>
+        <p:nvSpPr>
+          <p:cNvPr id="8" name="TextBox 7"/>
+          <p:cNvSpPr txBox="1"/>
+          <p:nvPr/>
+        </p:nvSpPr>
+        <p:spPr>
+          <a:xfrm>
+            <a:off x="7406640" y="1965960"/>
+            <a:ext cx="3840480" cy="1188720"/>
+          </a:xfrm>
+          <a:prstGeom prst="rect">
+            <a:avLst/>
+          </a:prstGeom>
+          <a:noFill/>
+        </p:spPr>
+        <p:txBody>
+          <a:bodyPr wrap="square">
+            <a:spAutoFit/>
+          </a:bodyPr>
+          <a:lstStyle/>
+          <a:p>
+            <a:pPr>
+              <a:spcAft>
+                <a:spcPts val="600"/>
+              </a:spcAft>
+              <a:defRPr sz="1300" b="0">
+                <a:solidFill>
+                  <a:srgbClr val="424242"/>
+                </a:solidFill>
+                <a:latin typeface="Calibri"/>
+              </a:defRPr>
+            </a:pPr>
+            <a:r>
+              <a:t>Greedy+Local: 32 min, best score</a:t>
+            </a:r>
+          </a:p>
+          <a:p>
+            <a:pPr>
+              <a:spcAft>
+                <a:spcPts val="600"/>
+              </a:spcAft>
+              <a:defRPr sz="1300" b="0">
+                <a:solidFill>
+                  <a:srgbClr val="424242"/>
+                </a:solidFill>
+                <a:latin typeface="Calibri"/>
+              </a:defRPr>
+            </a:pPr>
+            <a:r>
+              <a:t>Backward: 4.7 min, 2.3% gap</a:t>
+            </a:r>
+          </a:p>
+          <a:p>
+            <a:pPr>
+              <a:spcAft>
+                <a:spcPts val="600"/>
+              </a:spcAft>
+              <a:defRPr sz="1300" b="0">
+                <a:solidFill>
+                  <a:srgbClr val="424242"/>
+                </a:solidFill>
+                <a:latin typeface="Calibri"/>
+              </a:defRPr>
+            </a:pPr>
+            <a:r>
+              <a:t>MIQP: 0.32 sec, 8% gap</a:t>
+            </a:r>
+          </a:p>
+          <a:p>
+            <a:pPr>
+              <a:spcAft>
+                <a:spcPts val="600"/>
+              </a:spcAft>
+              <a:defRPr sz="1300" b="1">
+                <a:solidFill>
+                  <a:srgbClr val="424242"/>
+                </a:solidFill>
+                <a:latin typeface="Calibri"/>
+              </a:defRPr>
+            </a:pPr>
+            <a:r>
+              <a:t>MIQP is 6,000x faster</a:t>
+            </a:r>
+          </a:p>
+        </p:txBody>
+      </p:sp>
+      <p:sp>
+        <p:nvSpPr>
+          <p:cNvPr id="9" name="Rounded Rectangle 8"/>
+          <p:cNvSpPr/>
+          <p:nvPr/>
+        </p:nvSpPr>
+        <p:spPr>
+          <a:xfrm>
+            <a:off x="7132320" y="3657600"/>
+            <a:ext cx="4389120" cy="2103120"/>
+          </a:xfrm>
+          <a:prstGeom prst="roundRect">
+            <a:avLst/>
+          </a:prstGeom>
+          <a:solidFill>
+            <a:srgbClr val="E3F2FD"/>
+          </a:solidFill>
+          <a:ln w="12700">
+            <a:solidFill>
+              <a:srgbClr val="1E88E5"/>
+            </a:solidFill>
+          </a:ln>
+        </p:spPr>
+        <p:style>
+          <a:lnRef idx="1">
+            <a:schemeClr val="accent1"/>
+          </a:lnRef>
+          <a:fillRef idx="3">
+            <a:schemeClr val="accent1"/>
+          </a:fillRef>
+          <a:effectRef idx="2">
+            <a:schemeClr val="accent1"/>
+          </a:effectRef>
+          <a:fontRef idx="minor">
+            <a:schemeClr val="lt1"/>
+          </a:fontRef>
+        </p:style>
+        <p:txBody>
+          <a:bodyPr rtlCol="0" anchor="ctr"/>
+          <a:lstStyle/>
+          <a:p>
+            <a:pPr algn="ctr"/>
+          </a:p>
+        </p:txBody>
+      </p:sp>
+      <p:sp>
+        <p:nvSpPr>
+          <p:cNvPr id="10" name="TextBox 9"/>
+          <p:cNvSpPr txBox="1"/>
+          <p:nvPr/>
+        </p:nvSpPr>
+        <p:spPr>
+          <a:xfrm>
+            <a:off x="7406640" y="3794760"/>
+            <a:ext cx="3840480" cy="365760"/>
+          </a:xfrm>
+          <a:prstGeom prst="rect">
+            <a:avLst/>
+          </a:prstGeom>
+          <a:noFill/>
+        </p:spPr>
+        <p:txBody>
+          <a:bodyPr wrap="square">
+            <a:spAutoFit/>
+          </a:bodyPr>
+          <a:lstStyle/>
+          <a:p>
+            <a:pPr algn="l">
+              <a:defRPr sz="1800" b="1">
+                <a:solidFill>
+                  <a:srgbClr val="0D1B2A"/>
+                </a:solidFill>
+                <a:latin typeface="Calibri"/>
+              </a:defRPr>
+            </a:pPr>
+            <a:r>
+              <a:t>Why MIQP Matters</a:t>
+            </a:r>
+          </a:p>
+        </p:txBody>
+      </p:sp>
+      <p:sp>
+        <p:nvSpPr>
+          <p:cNvPr id="11" name="TextBox 10"/>
+          <p:cNvSpPr txBox="1"/>
+          <p:nvPr/>
+        </p:nvSpPr>
+        <p:spPr>
+          <a:xfrm>
+            <a:off x="7406640" y="4251960"/>
+            <a:ext cx="3840480" cy="1188720"/>
+          </a:xfrm>
+          <a:prstGeom prst="rect">
+            <a:avLst/>
+          </a:prstGeom>
+          <a:noFill/>
+        </p:spPr>
+        <p:txBody>
+          <a:bodyPr wrap="square">
+            <a:spAutoFit/>
+          </a:bodyPr>
+          <a:lstStyle/>
+          <a:p>
+            <a:pPr>
+              <a:spcAft>
+                <a:spcPts val="600"/>
+              </a:spcAft>
+              <a:defRPr sz="1300" b="0">
+                <a:solidFill>
+                  <a:srgbClr val="424242"/>
+                </a:solidFill>
+                <a:latin typeface="Calibri"/>
+              </a:defRPr>
+            </a:pPr>
+            <a:r>
+              <a:t>Enables rapid what-if analysis</a:t>
+            </a:r>
+          </a:p>
+          <a:p>
+            <a:pPr>
+              <a:spcAft>
+                <a:spcPts val="600"/>
+              </a:spcAft>
+              <a:defRPr sz="1300" b="0">
+                <a:solidFill>
+                  <a:srgbClr val="424242"/>
+                </a:solidFill>
+                <a:latin typeface="Calibri"/>
+              </a:defRPr>
+            </a:pPr>
+            <a:r>
+              <a:t>Test 100s of constraint scenarios</a:t>
+            </a:r>
+          </a:p>
+          <a:p>
+            <a:pPr>
+              <a:spcAft>
+                <a:spcPts val="600"/>
+              </a:spcAft>
+              <a:defRPr sz="1300" b="0">
+                <a:solidFill>
+                  <a:srgbClr val="424242"/>
+                </a:solidFill>
+                <a:latin typeface="Calibri"/>
+              </a:defRPr>
+            </a:pPr>
+            <a:r>
+              <a:t>Interactive decision support</a:t>
+            </a:r>
+          </a:p>
+          <a:p>
+            <a:pPr>
+              <a:spcAft>
+                <a:spcPts val="600"/>
+              </a:spcAft>
+              <a:defRPr sz="1300" b="1">
+                <a:solidFill>
+                  <a:srgbClr val="424242"/>
+                </a:solidFill>
+                <a:latin typeface="Calibri"/>
+              </a:defRPr>
+            </a:pPr>
+            <a:r>
+              <a:t>Provably optimal (under surrogate)</a:t>
             </a:r>
           </a:p>
         </p:txBody>
@@ -6649,7 +11523,7 @@
     <p:bg>
       <p:bgPr>
         <a:solidFill>
-          <a:srgbClr val="FFFFFF"/>
+          <a:srgbClr val="FAFAFA"/>
         </a:solidFill>
         <a:effectLst/>
       </p:bgPr>
@@ -6663,14 +11537,57 @@
       <p:grpSpPr/>
       <p:sp>
         <p:nvSpPr>
-          <p:cNvPr id="2" name="TextBox 1"/>
+          <p:cNvPr id="2" name="Rectangle 1"/>
+          <p:cNvSpPr/>
+          <p:nvPr/>
+        </p:nvSpPr>
+        <p:spPr>
+          <a:xfrm>
+            <a:off x="0" y="0"/>
+            <a:ext cx="12191695" cy="54864"/>
+          </a:xfrm>
+          <a:prstGeom prst="rect">
+            <a:avLst/>
+          </a:prstGeom>
+          <a:solidFill>
+            <a:srgbClr val="1E88E5"/>
+          </a:solidFill>
+          <a:ln>
+            <a:noFill/>
+          </a:ln>
+        </p:spPr>
+        <p:style>
+          <a:lnRef idx="1">
+            <a:schemeClr val="accent1"/>
+          </a:lnRef>
+          <a:fillRef idx="3">
+            <a:schemeClr val="accent1"/>
+          </a:fillRef>
+          <a:effectRef idx="2">
+            <a:schemeClr val="accent1"/>
+          </a:effectRef>
+          <a:fontRef idx="minor">
+            <a:schemeClr val="lt1"/>
+          </a:fontRef>
+        </p:style>
+        <p:txBody>
+          <a:bodyPr rtlCol="0" anchor="ctr"/>
+          <a:lstStyle/>
+          <a:p>
+            <a:pPr algn="ctr"/>
+          </a:p>
+        </p:txBody>
+      </p:sp>
+      <p:sp>
+        <p:nvSpPr>
+          <p:cNvPr id="3" name="TextBox 2"/>
           <p:cNvSpPr txBox="1"/>
           <p:nvPr/>
         </p:nvSpPr>
         <p:spPr>
           <a:xfrm>
-            <a:off x="457200" y="182880"/>
-            <a:ext cx="8229600" cy="457200"/>
+            <a:off x="731520" y="320040"/>
+            <a:ext cx="10515600" cy="640080"/>
           </a:xfrm>
           <a:prstGeom prst="rect">
             <a:avLst/>
@@ -6684,22 +11601,65 @@
           <a:lstStyle/>
           <a:p>
             <a:pPr algn="l">
-              <a:defRPr sz="2600" b="1">
-                <a:solidFill>
-                  <a:srgbClr val="1A237E"/>
-                </a:solidFill>
-                <a:latin typeface="Calibri"/>
+              <a:defRPr sz="3000" b="1">
+                <a:solidFill>
+                  <a:srgbClr val="0D1B2A"/>
+                </a:solidFill>
+                <a:latin typeface="Calibri Light"/>
               </a:defRPr>
             </a:pPr>
             <a:r>
               <a:t>Optimality Gap Analysis</a:t>
             </a:r>
+          </a:p>
+        </p:txBody>
+      </p:sp>
+      <p:sp>
+        <p:nvSpPr>
+          <p:cNvPr id="4" name="Rectangle 3"/>
+          <p:cNvSpPr/>
+          <p:nvPr/>
+        </p:nvSpPr>
+        <p:spPr>
+          <a:xfrm>
+            <a:off x="731520" y="868680"/>
+            <a:ext cx="1645920" cy="38100"/>
+          </a:xfrm>
+          <a:prstGeom prst="rect">
+            <a:avLst/>
+          </a:prstGeom>
+          <a:solidFill>
+            <a:srgbClr val="1E88E5"/>
+          </a:solidFill>
+          <a:ln>
+            <a:noFill/>
+          </a:ln>
+        </p:spPr>
+        <p:style>
+          <a:lnRef idx="1">
+            <a:schemeClr val="accent1"/>
+          </a:lnRef>
+          <a:fillRef idx="3">
+            <a:schemeClr val="accent1"/>
+          </a:fillRef>
+          <a:effectRef idx="2">
+            <a:schemeClr val="accent1"/>
+          </a:effectRef>
+          <a:fontRef idx="minor">
+            <a:schemeClr val="lt1"/>
+          </a:fontRef>
+        </p:style>
+        <p:txBody>
+          <a:bodyPr rtlCol="0" anchor="ctr"/>
+          <a:lstStyle/>
+          <a:p>
+            <a:pPr algn="ctr"/>
           </a:p>
         </p:txBody>
       </p:sp>
       <p:pic>
         <p:nvPicPr>
-          <p:cNvPr id="3" name="Picture 2" descr="fig10_optimality_gap.png"/>
+          <p:cNvPr id="5" name="Picture 4" descr="fig10_optimality_gap.png"/>
           <p:cNvPicPr>
             <a:picLocks noChangeAspect="1"/>
           </p:cNvPicPr>
@@ -6713,8 +11673,8 @@
         </p:blipFill>
         <p:spPr>
           <a:xfrm>
-            <a:off x="914400" y="640080"/>
-            <a:ext cx="7315200" cy="4389120"/>
+            <a:off x="2285847" y="1097280"/>
+            <a:ext cx="7620000" cy="4572000"/>
           </a:xfrm>
           <a:prstGeom prst="rect">
             <a:avLst/>
@@ -6723,14 +11683,14 @@
       </p:pic>
       <p:sp>
         <p:nvSpPr>
-          <p:cNvPr id="4" name="TextBox 3"/>
+          <p:cNvPr id="6" name="TextBox 5"/>
           <p:cNvSpPr txBox="1"/>
           <p:nvPr/>
         </p:nvSpPr>
         <p:spPr>
           <a:xfrm>
-            <a:off x="457200" y="5303520"/>
-            <a:ext cx="8229600" cy="914400"/>
+            <a:off x="731520" y="5943600"/>
+            <a:ext cx="10698480" cy="548640"/>
           </a:xfrm>
           <a:prstGeom prst="rect">
             <a:avLst/>
@@ -6746,13 +11706,13 @@
             <a:pPr algn="ctr">
               <a:defRPr sz="1200" b="0">
                 <a:solidFill>
-                  <a:srgbClr val="666666"/>
+                  <a:srgbClr val="757575"/>
                 </a:solidFill>
                 <a:latin typeface="Calibri"/>
               </a:defRPr>
             </a:pPr>
             <a:r>
-              <a:t>Backward greedy is within 2.3% of the best. MIQP's 8% gap reflects the surrogate approximation - it optimizes a linearized proxy, not the true nonlinear ODE. Community constraints show the explicit cost of policy requirements.</a:t>
+              <a:t>The 8% MIQP gap reflects the surrogate approximation error, not the solver. Community constraints cost ~26% biomass - quantifying the price of geographic fairness.</a:t>
             </a:r>
           </a:p>
         </p:txBody>
